--- a/word/图片/pic.pptx
+++ b/word/图片/pic.pptx
@@ -1,19 +1,19 @@
 
 <file path=ppt/presentation.xml><?xml version="1.0" encoding="utf-8"?>
-<p:presentation xmlns:a="http://schemas.openxmlformats.org/drawingml/2006/main" xmlns:r="http://schemas.openxmlformats.org/officeDocument/2006/relationships" xmlns:p="http://schemas.openxmlformats.org/presentationml/2006/main" saveSubsetFonts="1">
+<p:presentation xmlns:a="http://schemas.openxmlformats.org/drawingml/2006/main" xmlns:r="http://schemas.openxmlformats.org/officeDocument/2006/relationships" xmlns:p="http://schemas.openxmlformats.org/presentationml/2006/main">
   <p:sldMasterIdLst>
     <p:sldMasterId id="2147483648" r:id="rId1"/>
   </p:sldMasterIdLst>
   <p:notesMasterIdLst>
-    <p:notesMasterId r:id="rId8"/>
+    <p:notesMasterId r:id="rId9"/>
   </p:notesMasterIdLst>
   <p:sldIdLst>
-    <p:sldId id="256" r:id="rId2"/>
-    <p:sldId id="257" r:id="rId3"/>
-    <p:sldId id="258" r:id="rId4"/>
-    <p:sldId id="259" r:id="rId5"/>
-    <p:sldId id="260" r:id="rId6"/>
-    <p:sldId id="261" r:id="rId7"/>
+    <p:sldId id="256" r:id="rId3"/>
+    <p:sldId id="257" r:id="rId4"/>
+    <p:sldId id="258" r:id="rId5"/>
+    <p:sldId id="259" r:id="rId6"/>
+    <p:sldId id="260" r:id="rId7"/>
+    <p:sldId id="261" r:id="rId8"/>
   </p:sldIdLst>
   <p:sldSz cx="12192000" cy="6858000"/>
   <p:notesSz cx="6858000" cy="9144000"/>
@@ -112,11 +112,6 @@
       </a:defRPr>
     </a:lvl9pPr>
   </p:defaultTextStyle>
-  <p:extLst>
-    <p:ext uri="{EFAFB233-063F-42B5-8137-9DF3F51BA10A}">
-      <p15:sldGuideLst xmlns:p15="http://schemas.microsoft.com/office/powerpoint/2012/main"/>
-    </p:ext>
-  </p:extLst>
 </p:presentation>
 </file>
 
@@ -202,7 +197,6 @@
           <a:p>
             <a:fld id="{BBEC9D85-A4AD-4C56-8787-D6CE08F5C7AE}" type="datetimeFigureOut">
               <a:rPr lang="zh-CN" altLang="en-US" smtClean="0"/>
-              <a:t>2020/5/4</a:t>
             </a:fld>
             <a:endParaRPr lang="zh-CN" altLang="en-US"/>
           </a:p>
@@ -269,6 +263,7 @@
               <a:rPr lang="zh-CN" altLang="en-US"/>
               <a:t>单击此处编辑母版文本样式</a:t>
             </a:r>
+            <a:endParaRPr lang="zh-CN" altLang="en-US"/>
           </a:p>
           <a:p>
             <a:pPr lvl="1"/>
@@ -276,6 +271,7 @@
               <a:rPr lang="zh-CN" altLang="en-US"/>
               <a:t>二级</a:t>
             </a:r>
+            <a:endParaRPr lang="zh-CN" altLang="en-US"/>
           </a:p>
           <a:p>
             <a:pPr lvl="2"/>
@@ -283,6 +279,7 @@
               <a:rPr lang="zh-CN" altLang="en-US"/>
               <a:t>三级</a:t>
             </a:r>
+            <a:endParaRPr lang="zh-CN" altLang="en-US"/>
           </a:p>
           <a:p>
             <a:pPr lvl="3"/>
@@ -290,6 +287,7 @@
               <a:rPr lang="zh-CN" altLang="en-US"/>
               <a:t>四级</a:t>
             </a:r>
+            <a:endParaRPr lang="zh-CN" altLang="en-US"/>
           </a:p>
           <a:p>
             <a:pPr lvl="4"/>
@@ -297,6 +295,7 @@
               <a:rPr lang="zh-CN" altLang="en-US"/>
               <a:t>五级</a:t>
             </a:r>
+            <a:endParaRPr lang="zh-CN" altLang="en-US"/>
           </a:p>
         </p:txBody>
       </p:sp>
@@ -360,18 +359,12 @@
           <a:p>
             <a:fld id="{B6777701-A7FE-4D1A-850E-E14694712267}" type="slidenum">
               <a:rPr lang="zh-CN" altLang="en-US" smtClean="0"/>
-              <a:t>‹#›</a:t>
             </a:fld>
             <a:endParaRPr lang="zh-CN" altLang="en-US"/>
           </a:p>
         </p:txBody>
       </p:sp>
     </p:spTree>
-    <p:extLst>
-      <p:ext uri="{BB962C8B-B14F-4D97-AF65-F5344CB8AC3E}">
-        <p14:creationId xmlns:p14="http://schemas.microsoft.com/office/powerpoint/2010/main" val="2435790772"/>
-      </p:ext>
-    </p:extLst>
   </p:cSld>
   <p:clrMap bg1="lt1" tx1="dk1" bg2="lt2" tx2="dk2" accent1="accent1" accent2="accent2" accent3="accent3" accent4="accent4" accent5="accent5" accent6="accent6" hlink="hlink" folHlink="folHlink"/>
   <p:notesStyle>
@@ -488,13 +481,7 @@
       </p:grpSpPr>
       <p:sp>
         <p:nvSpPr>
-          <p:cNvPr id="2" name="标题 1">
-            <a:extLst>
-              <a:ext uri="{FF2B5EF4-FFF2-40B4-BE49-F238E27FC236}">
-                <a16:creationId xmlns:a16="http://schemas.microsoft.com/office/drawing/2014/main" id="{12119552-1A4D-4A00-9D78-C888960AD0C5}"/>
-              </a:ext>
-            </a:extLst>
-          </p:cNvPr>
+          <p:cNvPr id="2" name="标题 1"/>
           <p:cNvSpPr>
             <a:spLocks noGrp="1"/>
           </p:cNvSpPr>
@@ -520,18 +507,13 @@
               <a:rPr lang="zh-CN" altLang="en-US"/>
               <a:t>单击此处编辑母版标题样式</a:t>
             </a:r>
-          </a:p>
-        </p:txBody>
-      </p:sp>
-      <p:sp>
-        <p:nvSpPr>
-          <p:cNvPr id="3" name="副标题 2">
-            <a:extLst>
-              <a:ext uri="{FF2B5EF4-FFF2-40B4-BE49-F238E27FC236}">
-                <a16:creationId xmlns:a16="http://schemas.microsoft.com/office/drawing/2014/main" id="{97A900AB-5DF8-48ED-BB19-0144D3B3743C}"/>
-              </a:ext>
-            </a:extLst>
-          </p:cNvPr>
+            <a:endParaRPr lang="zh-CN" altLang="en-US"/>
+          </a:p>
+        </p:txBody>
+      </p:sp>
+      <p:sp>
+        <p:nvSpPr>
+          <p:cNvPr id="3" name="副标题 2"/>
           <p:cNvSpPr>
             <a:spLocks noGrp="1"/>
           </p:cNvSpPr>
@@ -590,18 +572,13 @@
               <a:rPr lang="zh-CN" altLang="en-US"/>
               <a:t>单击此处编辑母版副标题样式</a:t>
             </a:r>
-          </a:p>
-        </p:txBody>
-      </p:sp>
-      <p:sp>
-        <p:nvSpPr>
-          <p:cNvPr id="4" name="日期占位符 3">
-            <a:extLst>
-              <a:ext uri="{FF2B5EF4-FFF2-40B4-BE49-F238E27FC236}">
-                <a16:creationId xmlns:a16="http://schemas.microsoft.com/office/drawing/2014/main" id="{CF4679AC-C451-412E-ADE6-7B9E6CAEA780}"/>
-              </a:ext>
-            </a:extLst>
-          </p:cNvPr>
+            <a:endParaRPr lang="zh-CN" altLang="en-US"/>
+          </a:p>
+        </p:txBody>
+      </p:sp>
+      <p:sp>
+        <p:nvSpPr>
+          <p:cNvPr id="4" name="日期占位符 3"/>
           <p:cNvSpPr>
             <a:spLocks noGrp="1"/>
           </p:cNvSpPr>
@@ -616,7 +593,6 @@
           <a:p>
             <a:fld id="{A8C52D35-E9E9-47B1-A7E4-E5A406F49528}" type="datetimeFigureOut">
               <a:rPr lang="zh-CN" altLang="en-US" smtClean="0"/>
-              <a:t>2020/5/4</a:t>
             </a:fld>
             <a:endParaRPr lang="zh-CN" altLang="en-US"/>
           </a:p>
@@ -624,13 +600,7 @@
       </p:sp>
       <p:sp>
         <p:nvSpPr>
-          <p:cNvPr id="5" name="页脚占位符 4">
-            <a:extLst>
-              <a:ext uri="{FF2B5EF4-FFF2-40B4-BE49-F238E27FC236}">
-                <a16:creationId xmlns:a16="http://schemas.microsoft.com/office/drawing/2014/main" id="{582A4B9B-4A39-49E0-94B3-F138A47436F1}"/>
-              </a:ext>
-            </a:extLst>
-          </p:cNvPr>
+          <p:cNvPr id="5" name="页脚占位符 4"/>
           <p:cNvSpPr>
             <a:spLocks noGrp="1"/>
           </p:cNvSpPr>
@@ -649,13 +619,7 @@
       </p:sp>
       <p:sp>
         <p:nvSpPr>
-          <p:cNvPr id="6" name="灯片编号占位符 5">
-            <a:extLst>
-              <a:ext uri="{FF2B5EF4-FFF2-40B4-BE49-F238E27FC236}">
-                <a16:creationId xmlns:a16="http://schemas.microsoft.com/office/drawing/2014/main" id="{42B95BA1-5458-4356-BD0D-338B55008A90}"/>
-              </a:ext>
-            </a:extLst>
-          </p:cNvPr>
+          <p:cNvPr id="6" name="灯片编号占位符 5"/>
           <p:cNvSpPr>
             <a:spLocks noGrp="1"/>
           </p:cNvSpPr>
@@ -670,18 +634,12 @@
           <a:p>
             <a:fld id="{FD2755A1-44B9-4946-8C9D-377425FDFE25}" type="slidenum">
               <a:rPr lang="zh-CN" altLang="en-US" smtClean="0"/>
-              <a:t>‹#›</a:t>
             </a:fld>
             <a:endParaRPr lang="zh-CN" altLang="en-US"/>
           </a:p>
         </p:txBody>
       </p:sp>
     </p:spTree>
-    <p:extLst>
-      <p:ext uri="{BB962C8B-B14F-4D97-AF65-F5344CB8AC3E}">
-        <p14:creationId xmlns:p14="http://schemas.microsoft.com/office/powerpoint/2010/main" val="3624406282"/>
-      </p:ext>
-    </p:extLst>
   </p:cSld>
   <p:clrMapOvr>
     <a:masterClrMapping/>
@@ -708,13 +666,7 @@
       </p:grpSpPr>
       <p:sp>
         <p:nvSpPr>
-          <p:cNvPr id="2" name="标题 1">
-            <a:extLst>
-              <a:ext uri="{FF2B5EF4-FFF2-40B4-BE49-F238E27FC236}">
-                <a16:creationId xmlns:a16="http://schemas.microsoft.com/office/drawing/2014/main" id="{37279D46-9FDB-4455-ABB2-36E86EFF9D31}"/>
-              </a:ext>
-            </a:extLst>
-          </p:cNvPr>
+          <p:cNvPr id="2" name="标题 1"/>
           <p:cNvSpPr>
             <a:spLocks noGrp="1"/>
           </p:cNvSpPr>
@@ -731,18 +683,13 @@
               <a:rPr lang="zh-CN" altLang="en-US"/>
               <a:t>单击此处编辑母版标题样式</a:t>
             </a:r>
-          </a:p>
-        </p:txBody>
-      </p:sp>
-      <p:sp>
-        <p:nvSpPr>
-          <p:cNvPr id="3" name="竖排文字占位符 2">
-            <a:extLst>
-              <a:ext uri="{FF2B5EF4-FFF2-40B4-BE49-F238E27FC236}">
-                <a16:creationId xmlns:a16="http://schemas.microsoft.com/office/drawing/2014/main" id="{30BEC488-3271-4758-AA47-10A665C68F42}"/>
-              </a:ext>
-            </a:extLst>
-          </p:cNvPr>
+            <a:endParaRPr lang="zh-CN" altLang="en-US"/>
+          </a:p>
+        </p:txBody>
+      </p:sp>
+      <p:sp>
+        <p:nvSpPr>
+          <p:cNvPr id="3" name="竖排文字占位符 2"/>
           <p:cNvSpPr>
             <a:spLocks noGrp="1"/>
           </p:cNvSpPr>
@@ -760,6 +707,7 @@
               <a:rPr lang="zh-CN" altLang="en-US"/>
               <a:t>单击此处编辑母版文本样式</a:t>
             </a:r>
+            <a:endParaRPr lang="zh-CN" altLang="en-US"/>
           </a:p>
           <a:p>
             <a:pPr lvl="1"/>
@@ -767,6 +715,7 @@
               <a:rPr lang="zh-CN" altLang="en-US"/>
               <a:t>二级</a:t>
             </a:r>
+            <a:endParaRPr lang="zh-CN" altLang="en-US"/>
           </a:p>
           <a:p>
             <a:pPr lvl="2"/>
@@ -774,6 +723,7 @@
               <a:rPr lang="zh-CN" altLang="en-US"/>
               <a:t>三级</a:t>
             </a:r>
+            <a:endParaRPr lang="zh-CN" altLang="en-US"/>
           </a:p>
           <a:p>
             <a:pPr lvl="3"/>
@@ -781,6 +731,7 @@
               <a:rPr lang="zh-CN" altLang="en-US"/>
               <a:t>四级</a:t>
             </a:r>
+            <a:endParaRPr lang="zh-CN" altLang="en-US"/>
           </a:p>
           <a:p>
             <a:pPr lvl="4"/>
@@ -788,18 +739,13 @@
               <a:rPr lang="zh-CN" altLang="en-US"/>
               <a:t>五级</a:t>
             </a:r>
-          </a:p>
-        </p:txBody>
-      </p:sp>
-      <p:sp>
-        <p:nvSpPr>
-          <p:cNvPr id="4" name="日期占位符 3">
-            <a:extLst>
-              <a:ext uri="{FF2B5EF4-FFF2-40B4-BE49-F238E27FC236}">
-                <a16:creationId xmlns:a16="http://schemas.microsoft.com/office/drawing/2014/main" id="{260B553E-3F28-440E-8756-DC5618804489}"/>
-              </a:ext>
-            </a:extLst>
-          </p:cNvPr>
+            <a:endParaRPr lang="zh-CN" altLang="en-US"/>
+          </a:p>
+        </p:txBody>
+      </p:sp>
+      <p:sp>
+        <p:nvSpPr>
+          <p:cNvPr id="4" name="日期占位符 3"/>
           <p:cNvSpPr>
             <a:spLocks noGrp="1"/>
           </p:cNvSpPr>
@@ -814,7 +760,6 @@
           <a:p>
             <a:fld id="{A8C52D35-E9E9-47B1-A7E4-E5A406F49528}" type="datetimeFigureOut">
               <a:rPr lang="zh-CN" altLang="en-US" smtClean="0"/>
-              <a:t>2020/5/4</a:t>
             </a:fld>
             <a:endParaRPr lang="zh-CN" altLang="en-US"/>
           </a:p>
@@ -822,13 +767,7 @@
       </p:sp>
       <p:sp>
         <p:nvSpPr>
-          <p:cNvPr id="5" name="页脚占位符 4">
-            <a:extLst>
-              <a:ext uri="{FF2B5EF4-FFF2-40B4-BE49-F238E27FC236}">
-                <a16:creationId xmlns:a16="http://schemas.microsoft.com/office/drawing/2014/main" id="{C7AEDD54-0315-40A4-9E26-E0EE045F7FA3}"/>
-              </a:ext>
-            </a:extLst>
-          </p:cNvPr>
+          <p:cNvPr id="5" name="页脚占位符 4"/>
           <p:cNvSpPr>
             <a:spLocks noGrp="1"/>
           </p:cNvSpPr>
@@ -847,13 +786,7 @@
       </p:sp>
       <p:sp>
         <p:nvSpPr>
-          <p:cNvPr id="6" name="灯片编号占位符 5">
-            <a:extLst>
-              <a:ext uri="{FF2B5EF4-FFF2-40B4-BE49-F238E27FC236}">
-                <a16:creationId xmlns:a16="http://schemas.microsoft.com/office/drawing/2014/main" id="{CD3A0F66-3ECC-48AC-9CF6-62F33E0C32AA}"/>
-              </a:ext>
-            </a:extLst>
-          </p:cNvPr>
+          <p:cNvPr id="6" name="灯片编号占位符 5"/>
           <p:cNvSpPr>
             <a:spLocks noGrp="1"/>
           </p:cNvSpPr>
@@ -868,18 +801,12 @@
           <a:p>
             <a:fld id="{FD2755A1-44B9-4946-8C9D-377425FDFE25}" type="slidenum">
               <a:rPr lang="zh-CN" altLang="en-US" smtClean="0"/>
-              <a:t>‹#›</a:t>
             </a:fld>
             <a:endParaRPr lang="zh-CN" altLang="en-US"/>
           </a:p>
         </p:txBody>
       </p:sp>
     </p:spTree>
-    <p:extLst>
-      <p:ext uri="{BB962C8B-B14F-4D97-AF65-F5344CB8AC3E}">
-        <p14:creationId xmlns:p14="http://schemas.microsoft.com/office/powerpoint/2010/main" val="2478279115"/>
-      </p:ext>
-    </p:extLst>
   </p:cSld>
   <p:clrMapOvr>
     <a:masterClrMapping/>
@@ -906,13 +833,7 @@
       </p:grpSpPr>
       <p:sp>
         <p:nvSpPr>
-          <p:cNvPr id="2" name="竖排标题 1">
-            <a:extLst>
-              <a:ext uri="{FF2B5EF4-FFF2-40B4-BE49-F238E27FC236}">
-                <a16:creationId xmlns:a16="http://schemas.microsoft.com/office/drawing/2014/main" id="{95F21AC3-5FFF-4CFD-BD78-A8376B2CA926}"/>
-              </a:ext>
-            </a:extLst>
-          </p:cNvPr>
+          <p:cNvPr id="2" name="竖排标题 1"/>
           <p:cNvSpPr>
             <a:spLocks noGrp="1"/>
           </p:cNvSpPr>
@@ -934,18 +855,13 @@
               <a:rPr lang="zh-CN" altLang="en-US"/>
               <a:t>单击此处编辑母版标题样式</a:t>
             </a:r>
-          </a:p>
-        </p:txBody>
-      </p:sp>
-      <p:sp>
-        <p:nvSpPr>
-          <p:cNvPr id="3" name="竖排文字占位符 2">
-            <a:extLst>
-              <a:ext uri="{FF2B5EF4-FFF2-40B4-BE49-F238E27FC236}">
-                <a16:creationId xmlns:a16="http://schemas.microsoft.com/office/drawing/2014/main" id="{F7D08EE4-B3DA-45D6-8C58-9D1FED61C82D}"/>
-              </a:ext>
-            </a:extLst>
-          </p:cNvPr>
+            <a:endParaRPr lang="zh-CN" altLang="en-US"/>
+          </a:p>
+        </p:txBody>
+      </p:sp>
+      <p:sp>
+        <p:nvSpPr>
+          <p:cNvPr id="3" name="竖排文字占位符 2"/>
           <p:cNvSpPr>
             <a:spLocks noGrp="1"/>
           </p:cNvSpPr>
@@ -968,6 +884,7 @@
               <a:rPr lang="zh-CN" altLang="en-US"/>
               <a:t>单击此处编辑母版文本样式</a:t>
             </a:r>
+            <a:endParaRPr lang="zh-CN" altLang="en-US"/>
           </a:p>
           <a:p>
             <a:pPr lvl="1"/>
@@ -975,6 +892,7 @@
               <a:rPr lang="zh-CN" altLang="en-US"/>
               <a:t>二级</a:t>
             </a:r>
+            <a:endParaRPr lang="zh-CN" altLang="en-US"/>
           </a:p>
           <a:p>
             <a:pPr lvl="2"/>
@@ -982,6 +900,7 @@
               <a:rPr lang="zh-CN" altLang="en-US"/>
               <a:t>三级</a:t>
             </a:r>
+            <a:endParaRPr lang="zh-CN" altLang="en-US"/>
           </a:p>
           <a:p>
             <a:pPr lvl="3"/>
@@ -989,6 +908,7 @@
               <a:rPr lang="zh-CN" altLang="en-US"/>
               <a:t>四级</a:t>
             </a:r>
+            <a:endParaRPr lang="zh-CN" altLang="en-US"/>
           </a:p>
           <a:p>
             <a:pPr lvl="4"/>
@@ -996,18 +916,13 @@
               <a:rPr lang="zh-CN" altLang="en-US"/>
               <a:t>五级</a:t>
             </a:r>
-          </a:p>
-        </p:txBody>
-      </p:sp>
-      <p:sp>
-        <p:nvSpPr>
-          <p:cNvPr id="4" name="日期占位符 3">
-            <a:extLst>
-              <a:ext uri="{FF2B5EF4-FFF2-40B4-BE49-F238E27FC236}">
-                <a16:creationId xmlns:a16="http://schemas.microsoft.com/office/drawing/2014/main" id="{6D569676-31DC-476A-9CA5-F050A4AD1A8E}"/>
-              </a:ext>
-            </a:extLst>
-          </p:cNvPr>
+            <a:endParaRPr lang="zh-CN" altLang="en-US"/>
+          </a:p>
+        </p:txBody>
+      </p:sp>
+      <p:sp>
+        <p:nvSpPr>
+          <p:cNvPr id="4" name="日期占位符 3"/>
           <p:cNvSpPr>
             <a:spLocks noGrp="1"/>
           </p:cNvSpPr>
@@ -1022,7 +937,6 @@
           <a:p>
             <a:fld id="{A8C52D35-E9E9-47B1-A7E4-E5A406F49528}" type="datetimeFigureOut">
               <a:rPr lang="zh-CN" altLang="en-US" smtClean="0"/>
-              <a:t>2020/5/4</a:t>
             </a:fld>
             <a:endParaRPr lang="zh-CN" altLang="en-US"/>
           </a:p>
@@ -1030,13 +944,7 @@
       </p:sp>
       <p:sp>
         <p:nvSpPr>
-          <p:cNvPr id="5" name="页脚占位符 4">
-            <a:extLst>
-              <a:ext uri="{FF2B5EF4-FFF2-40B4-BE49-F238E27FC236}">
-                <a16:creationId xmlns:a16="http://schemas.microsoft.com/office/drawing/2014/main" id="{3BB46D85-EAFC-45B7-B017-FC45A7948733}"/>
-              </a:ext>
-            </a:extLst>
-          </p:cNvPr>
+          <p:cNvPr id="5" name="页脚占位符 4"/>
           <p:cNvSpPr>
             <a:spLocks noGrp="1"/>
           </p:cNvSpPr>
@@ -1055,13 +963,7 @@
       </p:sp>
       <p:sp>
         <p:nvSpPr>
-          <p:cNvPr id="6" name="灯片编号占位符 5">
-            <a:extLst>
-              <a:ext uri="{FF2B5EF4-FFF2-40B4-BE49-F238E27FC236}">
-                <a16:creationId xmlns:a16="http://schemas.microsoft.com/office/drawing/2014/main" id="{9B2D6AD9-B477-4B98-8F18-A7582390667E}"/>
-              </a:ext>
-            </a:extLst>
-          </p:cNvPr>
+          <p:cNvPr id="6" name="灯片编号占位符 5"/>
           <p:cNvSpPr>
             <a:spLocks noGrp="1"/>
           </p:cNvSpPr>
@@ -1076,18 +978,12 @@
           <a:p>
             <a:fld id="{FD2755A1-44B9-4946-8C9D-377425FDFE25}" type="slidenum">
               <a:rPr lang="zh-CN" altLang="en-US" smtClean="0"/>
-              <a:t>‹#›</a:t>
             </a:fld>
             <a:endParaRPr lang="zh-CN" altLang="en-US"/>
           </a:p>
         </p:txBody>
       </p:sp>
     </p:spTree>
-    <p:extLst>
-      <p:ext uri="{BB962C8B-B14F-4D97-AF65-F5344CB8AC3E}">
-        <p14:creationId xmlns:p14="http://schemas.microsoft.com/office/powerpoint/2010/main" val="386550597"/>
-      </p:ext>
-    </p:extLst>
   </p:cSld>
   <p:clrMapOvr>
     <a:masterClrMapping/>
@@ -1114,13 +1010,7 @@
       </p:grpSpPr>
       <p:sp>
         <p:nvSpPr>
-          <p:cNvPr id="2" name="标题 1">
-            <a:extLst>
-              <a:ext uri="{FF2B5EF4-FFF2-40B4-BE49-F238E27FC236}">
-                <a16:creationId xmlns:a16="http://schemas.microsoft.com/office/drawing/2014/main" id="{171746D4-6E37-453F-973B-1B43355826A2}"/>
-              </a:ext>
-            </a:extLst>
-          </p:cNvPr>
+          <p:cNvPr id="2" name="标题 1"/>
           <p:cNvSpPr>
             <a:spLocks noGrp="1"/>
           </p:cNvSpPr>
@@ -1137,18 +1027,13 @@
               <a:rPr lang="zh-CN" altLang="en-US"/>
               <a:t>单击此处编辑母版标题样式</a:t>
             </a:r>
-          </a:p>
-        </p:txBody>
-      </p:sp>
-      <p:sp>
-        <p:nvSpPr>
-          <p:cNvPr id="3" name="内容占位符 2">
-            <a:extLst>
-              <a:ext uri="{FF2B5EF4-FFF2-40B4-BE49-F238E27FC236}">
-                <a16:creationId xmlns:a16="http://schemas.microsoft.com/office/drawing/2014/main" id="{880C0FA4-9E3E-4E77-8276-27E9F6D236C2}"/>
-              </a:ext>
-            </a:extLst>
-          </p:cNvPr>
+            <a:endParaRPr lang="zh-CN" altLang="en-US"/>
+          </a:p>
+        </p:txBody>
+      </p:sp>
+      <p:sp>
+        <p:nvSpPr>
+          <p:cNvPr id="3" name="内容占位符 2"/>
           <p:cNvSpPr>
             <a:spLocks noGrp="1"/>
           </p:cNvSpPr>
@@ -1166,6 +1051,7 @@
               <a:rPr lang="zh-CN" altLang="en-US"/>
               <a:t>单击此处编辑母版文本样式</a:t>
             </a:r>
+            <a:endParaRPr lang="zh-CN" altLang="en-US"/>
           </a:p>
           <a:p>
             <a:pPr lvl="1"/>
@@ -1173,6 +1059,7 @@
               <a:rPr lang="zh-CN" altLang="en-US"/>
               <a:t>二级</a:t>
             </a:r>
+            <a:endParaRPr lang="zh-CN" altLang="en-US"/>
           </a:p>
           <a:p>
             <a:pPr lvl="2"/>
@@ -1180,6 +1067,7 @@
               <a:rPr lang="zh-CN" altLang="en-US"/>
               <a:t>三级</a:t>
             </a:r>
+            <a:endParaRPr lang="zh-CN" altLang="en-US"/>
           </a:p>
           <a:p>
             <a:pPr lvl="3"/>
@@ -1187,6 +1075,7 @@
               <a:rPr lang="zh-CN" altLang="en-US"/>
               <a:t>四级</a:t>
             </a:r>
+            <a:endParaRPr lang="zh-CN" altLang="en-US"/>
           </a:p>
           <a:p>
             <a:pPr lvl="4"/>
@@ -1194,18 +1083,13 @@
               <a:rPr lang="zh-CN" altLang="en-US"/>
               <a:t>五级</a:t>
             </a:r>
-          </a:p>
-        </p:txBody>
-      </p:sp>
-      <p:sp>
-        <p:nvSpPr>
-          <p:cNvPr id="4" name="日期占位符 3">
-            <a:extLst>
-              <a:ext uri="{FF2B5EF4-FFF2-40B4-BE49-F238E27FC236}">
-                <a16:creationId xmlns:a16="http://schemas.microsoft.com/office/drawing/2014/main" id="{556FFBA2-99AA-4670-A543-B99B13C8CDB8}"/>
-              </a:ext>
-            </a:extLst>
-          </p:cNvPr>
+            <a:endParaRPr lang="zh-CN" altLang="en-US"/>
+          </a:p>
+        </p:txBody>
+      </p:sp>
+      <p:sp>
+        <p:nvSpPr>
+          <p:cNvPr id="4" name="日期占位符 3"/>
           <p:cNvSpPr>
             <a:spLocks noGrp="1"/>
           </p:cNvSpPr>
@@ -1220,7 +1104,6 @@
           <a:p>
             <a:fld id="{A8C52D35-E9E9-47B1-A7E4-E5A406F49528}" type="datetimeFigureOut">
               <a:rPr lang="zh-CN" altLang="en-US" smtClean="0"/>
-              <a:t>2020/5/4</a:t>
             </a:fld>
             <a:endParaRPr lang="zh-CN" altLang="en-US"/>
           </a:p>
@@ -1228,13 +1111,7 @@
       </p:sp>
       <p:sp>
         <p:nvSpPr>
-          <p:cNvPr id="5" name="页脚占位符 4">
-            <a:extLst>
-              <a:ext uri="{FF2B5EF4-FFF2-40B4-BE49-F238E27FC236}">
-                <a16:creationId xmlns:a16="http://schemas.microsoft.com/office/drawing/2014/main" id="{29440BEA-4B7D-4C83-8C49-4B89EBC5F6AA}"/>
-              </a:ext>
-            </a:extLst>
-          </p:cNvPr>
+          <p:cNvPr id="5" name="页脚占位符 4"/>
           <p:cNvSpPr>
             <a:spLocks noGrp="1"/>
           </p:cNvSpPr>
@@ -1253,13 +1130,7 @@
       </p:sp>
       <p:sp>
         <p:nvSpPr>
-          <p:cNvPr id="6" name="灯片编号占位符 5">
-            <a:extLst>
-              <a:ext uri="{FF2B5EF4-FFF2-40B4-BE49-F238E27FC236}">
-                <a16:creationId xmlns:a16="http://schemas.microsoft.com/office/drawing/2014/main" id="{D87CBFAB-A9EA-4203-AFFB-94435975A147}"/>
-              </a:ext>
-            </a:extLst>
-          </p:cNvPr>
+          <p:cNvPr id="6" name="灯片编号占位符 5"/>
           <p:cNvSpPr>
             <a:spLocks noGrp="1"/>
           </p:cNvSpPr>
@@ -1274,18 +1145,12 @@
           <a:p>
             <a:fld id="{FD2755A1-44B9-4946-8C9D-377425FDFE25}" type="slidenum">
               <a:rPr lang="zh-CN" altLang="en-US" smtClean="0"/>
-              <a:t>‹#›</a:t>
             </a:fld>
             <a:endParaRPr lang="zh-CN" altLang="en-US"/>
           </a:p>
         </p:txBody>
       </p:sp>
     </p:spTree>
-    <p:extLst>
-      <p:ext uri="{BB962C8B-B14F-4D97-AF65-F5344CB8AC3E}">
-        <p14:creationId xmlns:p14="http://schemas.microsoft.com/office/powerpoint/2010/main" val="3211159686"/>
-      </p:ext>
-    </p:extLst>
   </p:cSld>
   <p:clrMapOvr>
     <a:masterClrMapping/>
@@ -1312,13 +1177,7 @@
       </p:grpSpPr>
       <p:sp>
         <p:nvSpPr>
-          <p:cNvPr id="2" name="标题 1">
-            <a:extLst>
-              <a:ext uri="{FF2B5EF4-FFF2-40B4-BE49-F238E27FC236}">
-                <a16:creationId xmlns:a16="http://schemas.microsoft.com/office/drawing/2014/main" id="{BC7A0F6B-B35E-45C7-A460-DF2E79D143D2}"/>
-              </a:ext>
-            </a:extLst>
-          </p:cNvPr>
+          <p:cNvPr id="2" name="标题 1"/>
           <p:cNvSpPr>
             <a:spLocks noGrp="1"/>
           </p:cNvSpPr>
@@ -1344,18 +1203,13 @@
               <a:rPr lang="zh-CN" altLang="en-US"/>
               <a:t>单击此处编辑母版标题样式</a:t>
             </a:r>
-          </a:p>
-        </p:txBody>
-      </p:sp>
-      <p:sp>
-        <p:nvSpPr>
-          <p:cNvPr id="3" name="文本占位符 2">
-            <a:extLst>
-              <a:ext uri="{FF2B5EF4-FFF2-40B4-BE49-F238E27FC236}">
-                <a16:creationId xmlns:a16="http://schemas.microsoft.com/office/drawing/2014/main" id="{574E0876-77D3-429B-A917-1CFE31E44DF8}"/>
-              </a:ext>
-            </a:extLst>
-          </p:cNvPr>
+            <a:endParaRPr lang="zh-CN" altLang="en-US"/>
+          </a:p>
+        </p:txBody>
+      </p:sp>
+      <p:sp>
+        <p:nvSpPr>
+          <p:cNvPr id="3" name="文本占位符 2"/>
           <p:cNvSpPr>
             <a:spLocks noGrp="1"/>
           </p:cNvSpPr>
@@ -1469,18 +1323,13 @@
               <a:rPr lang="zh-CN" altLang="en-US"/>
               <a:t>单击此处编辑母版文本样式</a:t>
             </a:r>
-          </a:p>
-        </p:txBody>
-      </p:sp>
-      <p:sp>
-        <p:nvSpPr>
-          <p:cNvPr id="4" name="日期占位符 3">
-            <a:extLst>
-              <a:ext uri="{FF2B5EF4-FFF2-40B4-BE49-F238E27FC236}">
-                <a16:creationId xmlns:a16="http://schemas.microsoft.com/office/drawing/2014/main" id="{00F207AC-F357-4A29-81E2-57B14229E57F}"/>
-              </a:ext>
-            </a:extLst>
-          </p:cNvPr>
+            <a:endParaRPr lang="zh-CN" altLang="en-US"/>
+          </a:p>
+        </p:txBody>
+      </p:sp>
+      <p:sp>
+        <p:nvSpPr>
+          <p:cNvPr id="4" name="日期占位符 3"/>
           <p:cNvSpPr>
             <a:spLocks noGrp="1"/>
           </p:cNvSpPr>
@@ -1495,7 +1344,6 @@
           <a:p>
             <a:fld id="{A8C52D35-E9E9-47B1-A7E4-E5A406F49528}" type="datetimeFigureOut">
               <a:rPr lang="zh-CN" altLang="en-US" smtClean="0"/>
-              <a:t>2020/5/4</a:t>
             </a:fld>
             <a:endParaRPr lang="zh-CN" altLang="en-US"/>
           </a:p>
@@ -1503,13 +1351,7 @@
       </p:sp>
       <p:sp>
         <p:nvSpPr>
-          <p:cNvPr id="5" name="页脚占位符 4">
-            <a:extLst>
-              <a:ext uri="{FF2B5EF4-FFF2-40B4-BE49-F238E27FC236}">
-                <a16:creationId xmlns:a16="http://schemas.microsoft.com/office/drawing/2014/main" id="{7C139CFE-B4B9-44ED-950B-2BD33ABAF4D0}"/>
-              </a:ext>
-            </a:extLst>
-          </p:cNvPr>
+          <p:cNvPr id="5" name="页脚占位符 4"/>
           <p:cNvSpPr>
             <a:spLocks noGrp="1"/>
           </p:cNvSpPr>
@@ -1528,13 +1370,7 @@
       </p:sp>
       <p:sp>
         <p:nvSpPr>
-          <p:cNvPr id="6" name="灯片编号占位符 5">
-            <a:extLst>
-              <a:ext uri="{FF2B5EF4-FFF2-40B4-BE49-F238E27FC236}">
-                <a16:creationId xmlns:a16="http://schemas.microsoft.com/office/drawing/2014/main" id="{A9D2CF94-7CD1-40E3-A991-384D23633379}"/>
-              </a:ext>
-            </a:extLst>
-          </p:cNvPr>
+          <p:cNvPr id="6" name="灯片编号占位符 5"/>
           <p:cNvSpPr>
             <a:spLocks noGrp="1"/>
           </p:cNvSpPr>
@@ -1549,18 +1385,12 @@
           <a:p>
             <a:fld id="{FD2755A1-44B9-4946-8C9D-377425FDFE25}" type="slidenum">
               <a:rPr lang="zh-CN" altLang="en-US" smtClean="0"/>
-              <a:t>‹#›</a:t>
             </a:fld>
             <a:endParaRPr lang="zh-CN" altLang="en-US"/>
           </a:p>
         </p:txBody>
       </p:sp>
     </p:spTree>
-    <p:extLst>
-      <p:ext uri="{BB962C8B-B14F-4D97-AF65-F5344CB8AC3E}">
-        <p14:creationId xmlns:p14="http://schemas.microsoft.com/office/powerpoint/2010/main" val="4286256594"/>
-      </p:ext>
-    </p:extLst>
   </p:cSld>
   <p:clrMapOvr>
     <a:masterClrMapping/>
@@ -1587,13 +1417,7 @@
       </p:grpSpPr>
       <p:sp>
         <p:nvSpPr>
-          <p:cNvPr id="2" name="标题 1">
-            <a:extLst>
-              <a:ext uri="{FF2B5EF4-FFF2-40B4-BE49-F238E27FC236}">
-                <a16:creationId xmlns:a16="http://schemas.microsoft.com/office/drawing/2014/main" id="{1D79D2DE-4CC0-4C81-A7CB-DF10E1EEBA12}"/>
-              </a:ext>
-            </a:extLst>
-          </p:cNvPr>
+          <p:cNvPr id="2" name="标题 1"/>
           <p:cNvSpPr>
             <a:spLocks noGrp="1"/>
           </p:cNvSpPr>
@@ -1610,18 +1434,13 @@
               <a:rPr lang="zh-CN" altLang="en-US"/>
               <a:t>单击此处编辑母版标题样式</a:t>
             </a:r>
-          </a:p>
-        </p:txBody>
-      </p:sp>
-      <p:sp>
-        <p:nvSpPr>
-          <p:cNvPr id="3" name="内容占位符 2">
-            <a:extLst>
-              <a:ext uri="{FF2B5EF4-FFF2-40B4-BE49-F238E27FC236}">
-                <a16:creationId xmlns:a16="http://schemas.microsoft.com/office/drawing/2014/main" id="{66F7BAFF-9CBE-4616-A049-83E88C9050A8}"/>
-              </a:ext>
-            </a:extLst>
-          </p:cNvPr>
+            <a:endParaRPr lang="zh-CN" altLang="en-US"/>
+          </a:p>
+        </p:txBody>
+      </p:sp>
+      <p:sp>
+        <p:nvSpPr>
+          <p:cNvPr id="3" name="内容占位符 2"/>
           <p:cNvSpPr>
             <a:spLocks noGrp="1"/>
           </p:cNvSpPr>
@@ -1644,6 +1463,7 @@
               <a:rPr lang="zh-CN" altLang="en-US"/>
               <a:t>单击此处编辑母版文本样式</a:t>
             </a:r>
+            <a:endParaRPr lang="zh-CN" altLang="en-US"/>
           </a:p>
           <a:p>
             <a:pPr lvl="1"/>
@@ -1651,6 +1471,7 @@
               <a:rPr lang="zh-CN" altLang="en-US"/>
               <a:t>二级</a:t>
             </a:r>
+            <a:endParaRPr lang="zh-CN" altLang="en-US"/>
           </a:p>
           <a:p>
             <a:pPr lvl="2"/>
@@ -1658,6 +1479,7 @@
               <a:rPr lang="zh-CN" altLang="en-US"/>
               <a:t>三级</a:t>
             </a:r>
+            <a:endParaRPr lang="zh-CN" altLang="en-US"/>
           </a:p>
           <a:p>
             <a:pPr lvl="3"/>
@@ -1665,6 +1487,7 @@
               <a:rPr lang="zh-CN" altLang="en-US"/>
               <a:t>四级</a:t>
             </a:r>
+            <a:endParaRPr lang="zh-CN" altLang="en-US"/>
           </a:p>
           <a:p>
             <a:pPr lvl="4"/>
@@ -1672,18 +1495,13 @@
               <a:rPr lang="zh-CN" altLang="en-US"/>
               <a:t>五级</a:t>
             </a:r>
-          </a:p>
-        </p:txBody>
-      </p:sp>
-      <p:sp>
-        <p:nvSpPr>
-          <p:cNvPr id="4" name="内容占位符 3">
-            <a:extLst>
-              <a:ext uri="{FF2B5EF4-FFF2-40B4-BE49-F238E27FC236}">
-                <a16:creationId xmlns:a16="http://schemas.microsoft.com/office/drawing/2014/main" id="{14A841FA-C968-4801-A0BF-F5E3626E83D8}"/>
-              </a:ext>
-            </a:extLst>
-          </p:cNvPr>
+            <a:endParaRPr lang="zh-CN" altLang="en-US"/>
+          </a:p>
+        </p:txBody>
+      </p:sp>
+      <p:sp>
+        <p:nvSpPr>
+          <p:cNvPr id="4" name="内容占位符 3"/>
           <p:cNvSpPr>
             <a:spLocks noGrp="1"/>
           </p:cNvSpPr>
@@ -1706,6 +1524,7 @@
               <a:rPr lang="zh-CN" altLang="en-US"/>
               <a:t>单击此处编辑母版文本样式</a:t>
             </a:r>
+            <a:endParaRPr lang="zh-CN" altLang="en-US"/>
           </a:p>
           <a:p>
             <a:pPr lvl="1"/>
@@ -1713,6 +1532,7 @@
               <a:rPr lang="zh-CN" altLang="en-US"/>
               <a:t>二级</a:t>
             </a:r>
+            <a:endParaRPr lang="zh-CN" altLang="en-US"/>
           </a:p>
           <a:p>
             <a:pPr lvl="2"/>
@@ -1720,6 +1540,7 @@
               <a:rPr lang="zh-CN" altLang="en-US"/>
               <a:t>三级</a:t>
             </a:r>
+            <a:endParaRPr lang="zh-CN" altLang="en-US"/>
           </a:p>
           <a:p>
             <a:pPr lvl="3"/>
@@ -1727,6 +1548,7 @@
               <a:rPr lang="zh-CN" altLang="en-US"/>
               <a:t>四级</a:t>
             </a:r>
+            <a:endParaRPr lang="zh-CN" altLang="en-US"/>
           </a:p>
           <a:p>
             <a:pPr lvl="4"/>
@@ -1734,18 +1556,13 @@
               <a:rPr lang="zh-CN" altLang="en-US"/>
               <a:t>五级</a:t>
             </a:r>
-          </a:p>
-        </p:txBody>
-      </p:sp>
-      <p:sp>
-        <p:nvSpPr>
-          <p:cNvPr id="5" name="日期占位符 4">
-            <a:extLst>
-              <a:ext uri="{FF2B5EF4-FFF2-40B4-BE49-F238E27FC236}">
-                <a16:creationId xmlns:a16="http://schemas.microsoft.com/office/drawing/2014/main" id="{4254D474-E140-4CEC-92ED-8EA6A9EA70EF}"/>
-              </a:ext>
-            </a:extLst>
-          </p:cNvPr>
+            <a:endParaRPr lang="zh-CN" altLang="en-US"/>
+          </a:p>
+        </p:txBody>
+      </p:sp>
+      <p:sp>
+        <p:nvSpPr>
+          <p:cNvPr id="5" name="日期占位符 4"/>
           <p:cNvSpPr>
             <a:spLocks noGrp="1"/>
           </p:cNvSpPr>
@@ -1760,7 +1577,6 @@
           <a:p>
             <a:fld id="{A8C52D35-E9E9-47B1-A7E4-E5A406F49528}" type="datetimeFigureOut">
               <a:rPr lang="zh-CN" altLang="en-US" smtClean="0"/>
-              <a:t>2020/5/4</a:t>
             </a:fld>
             <a:endParaRPr lang="zh-CN" altLang="en-US"/>
           </a:p>
@@ -1768,13 +1584,7 @@
       </p:sp>
       <p:sp>
         <p:nvSpPr>
-          <p:cNvPr id="6" name="页脚占位符 5">
-            <a:extLst>
-              <a:ext uri="{FF2B5EF4-FFF2-40B4-BE49-F238E27FC236}">
-                <a16:creationId xmlns:a16="http://schemas.microsoft.com/office/drawing/2014/main" id="{77FE516C-3ED6-4562-B05C-88DA140DAE77}"/>
-              </a:ext>
-            </a:extLst>
-          </p:cNvPr>
+          <p:cNvPr id="6" name="页脚占位符 5"/>
           <p:cNvSpPr>
             <a:spLocks noGrp="1"/>
           </p:cNvSpPr>
@@ -1793,13 +1603,7 @@
       </p:sp>
       <p:sp>
         <p:nvSpPr>
-          <p:cNvPr id="7" name="灯片编号占位符 6">
-            <a:extLst>
-              <a:ext uri="{FF2B5EF4-FFF2-40B4-BE49-F238E27FC236}">
-                <a16:creationId xmlns:a16="http://schemas.microsoft.com/office/drawing/2014/main" id="{920AD7E3-B070-4E38-85F7-7D0526DB8385}"/>
-              </a:ext>
-            </a:extLst>
-          </p:cNvPr>
+          <p:cNvPr id="7" name="灯片编号占位符 6"/>
           <p:cNvSpPr>
             <a:spLocks noGrp="1"/>
           </p:cNvSpPr>
@@ -1814,18 +1618,12 @@
           <a:p>
             <a:fld id="{FD2755A1-44B9-4946-8C9D-377425FDFE25}" type="slidenum">
               <a:rPr lang="zh-CN" altLang="en-US" smtClean="0"/>
-              <a:t>‹#›</a:t>
             </a:fld>
             <a:endParaRPr lang="zh-CN" altLang="en-US"/>
           </a:p>
         </p:txBody>
       </p:sp>
     </p:spTree>
-    <p:extLst>
-      <p:ext uri="{BB962C8B-B14F-4D97-AF65-F5344CB8AC3E}">
-        <p14:creationId xmlns:p14="http://schemas.microsoft.com/office/powerpoint/2010/main" val="2293113901"/>
-      </p:ext>
-    </p:extLst>
   </p:cSld>
   <p:clrMapOvr>
     <a:masterClrMapping/>
@@ -1852,13 +1650,7 @@
       </p:grpSpPr>
       <p:sp>
         <p:nvSpPr>
-          <p:cNvPr id="2" name="标题 1">
-            <a:extLst>
-              <a:ext uri="{FF2B5EF4-FFF2-40B4-BE49-F238E27FC236}">
-                <a16:creationId xmlns:a16="http://schemas.microsoft.com/office/drawing/2014/main" id="{8809AB22-7F3B-4CB2-B17A-A5CA6966B7E0}"/>
-              </a:ext>
-            </a:extLst>
-          </p:cNvPr>
+          <p:cNvPr id="2" name="标题 1"/>
           <p:cNvSpPr>
             <a:spLocks noGrp="1"/>
           </p:cNvSpPr>
@@ -1880,18 +1672,13 @@
               <a:rPr lang="zh-CN" altLang="en-US"/>
               <a:t>单击此处编辑母版标题样式</a:t>
             </a:r>
-          </a:p>
-        </p:txBody>
-      </p:sp>
-      <p:sp>
-        <p:nvSpPr>
-          <p:cNvPr id="3" name="文本占位符 2">
-            <a:extLst>
-              <a:ext uri="{FF2B5EF4-FFF2-40B4-BE49-F238E27FC236}">
-                <a16:creationId xmlns:a16="http://schemas.microsoft.com/office/drawing/2014/main" id="{C8AAA0B4-3886-42DA-BECD-9A1B5A06FA06}"/>
-              </a:ext>
-            </a:extLst>
-          </p:cNvPr>
+            <a:endParaRPr lang="zh-CN" altLang="en-US"/>
+          </a:p>
+        </p:txBody>
+      </p:sp>
+      <p:sp>
+        <p:nvSpPr>
+          <p:cNvPr id="3" name="文本占位符 2"/>
           <p:cNvSpPr>
             <a:spLocks noGrp="1"/>
           </p:cNvSpPr>
@@ -1951,18 +1738,13 @@
               <a:rPr lang="zh-CN" altLang="en-US"/>
               <a:t>单击此处编辑母版文本样式</a:t>
             </a:r>
-          </a:p>
-        </p:txBody>
-      </p:sp>
-      <p:sp>
-        <p:nvSpPr>
-          <p:cNvPr id="4" name="内容占位符 3">
-            <a:extLst>
-              <a:ext uri="{FF2B5EF4-FFF2-40B4-BE49-F238E27FC236}">
-                <a16:creationId xmlns:a16="http://schemas.microsoft.com/office/drawing/2014/main" id="{BDB8FBE3-7E58-453D-8021-EDF042BCE4F3}"/>
-              </a:ext>
-            </a:extLst>
-          </p:cNvPr>
+            <a:endParaRPr lang="zh-CN" altLang="en-US"/>
+          </a:p>
+        </p:txBody>
+      </p:sp>
+      <p:sp>
+        <p:nvSpPr>
+          <p:cNvPr id="4" name="内容占位符 3"/>
           <p:cNvSpPr>
             <a:spLocks noGrp="1"/>
           </p:cNvSpPr>
@@ -1985,6 +1767,7 @@
               <a:rPr lang="zh-CN" altLang="en-US"/>
               <a:t>单击此处编辑母版文本样式</a:t>
             </a:r>
+            <a:endParaRPr lang="zh-CN" altLang="en-US"/>
           </a:p>
           <a:p>
             <a:pPr lvl="1"/>
@@ -1992,6 +1775,7 @@
               <a:rPr lang="zh-CN" altLang="en-US"/>
               <a:t>二级</a:t>
             </a:r>
+            <a:endParaRPr lang="zh-CN" altLang="en-US"/>
           </a:p>
           <a:p>
             <a:pPr lvl="2"/>
@@ -1999,6 +1783,7 @@
               <a:rPr lang="zh-CN" altLang="en-US"/>
               <a:t>三级</a:t>
             </a:r>
+            <a:endParaRPr lang="zh-CN" altLang="en-US"/>
           </a:p>
           <a:p>
             <a:pPr lvl="3"/>
@@ -2006,6 +1791,7 @@
               <a:rPr lang="zh-CN" altLang="en-US"/>
               <a:t>四级</a:t>
             </a:r>
+            <a:endParaRPr lang="zh-CN" altLang="en-US"/>
           </a:p>
           <a:p>
             <a:pPr lvl="4"/>
@@ -2013,18 +1799,13 @@
               <a:rPr lang="zh-CN" altLang="en-US"/>
               <a:t>五级</a:t>
             </a:r>
-          </a:p>
-        </p:txBody>
-      </p:sp>
-      <p:sp>
-        <p:nvSpPr>
-          <p:cNvPr id="5" name="文本占位符 4">
-            <a:extLst>
-              <a:ext uri="{FF2B5EF4-FFF2-40B4-BE49-F238E27FC236}">
-                <a16:creationId xmlns:a16="http://schemas.microsoft.com/office/drawing/2014/main" id="{0666C328-8067-439B-8E01-9075E8DFE856}"/>
-              </a:ext>
-            </a:extLst>
-          </p:cNvPr>
+            <a:endParaRPr lang="zh-CN" altLang="en-US"/>
+          </a:p>
+        </p:txBody>
+      </p:sp>
+      <p:sp>
+        <p:nvSpPr>
+          <p:cNvPr id="5" name="文本占位符 4"/>
           <p:cNvSpPr>
             <a:spLocks noGrp="1"/>
           </p:cNvSpPr>
@@ -2084,18 +1865,13 @@
               <a:rPr lang="zh-CN" altLang="en-US"/>
               <a:t>单击此处编辑母版文本样式</a:t>
             </a:r>
-          </a:p>
-        </p:txBody>
-      </p:sp>
-      <p:sp>
-        <p:nvSpPr>
-          <p:cNvPr id="6" name="内容占位符 5">
-            <a:extLst>
-              <a:ext uri="{FF2B5EF4-FFF2-40B4-BE49-F238E27FC236}">
-                <a16:creationId xmlns:a16="http://schemas.microsoft.com/office/drawing/2014/main" id="{6F64CE34-CE0A-4904-9077-05C67A5DA5F2}"/>
-              </a:ext>
-            </a:extLst>
-          </p:cNvPr>
+            <a:endParaRPr lang="zh-CN" altLang="en-US"/>
+          </a:p>
+        </p:txBody>
+      </p:sp>
+      <p:sp>
+        <p:nvSpPr>
+          <p:cNvPr id="6" name="内容占位符 5"/>
           <p:cNvSpPr>
             <a:spLocks noGrp="1"/>
           </p:cNvSpPr>
@@ -2118,6 +1894,7 @@
               <a:rPr lang="zh-CN" altLang="en-US"/>
               <a:t>单击此处编辑母版文本样式</a:t>
             </a:r>
+            <a:endParaRPr lang="zh-CN" altLang="en-US"/>
           </a:p>
           <a:p>
             <a:pPr lvl="1"/>
@@ -2125,6 +1902,7 @@
               <a:rPr lang="zh-CN" altLang="en-US"/>
               <a:t>二级</a:t>
             </a:r>
+            <a:endParaRPr lang="zh-CN" altLang="en-US"/>
           </a:p>
           <a:p>
             <a:pPr lvl="2"/>
@@ -2132,6 +1910,7 @@
               <a:rPr lang="zh-CN" altLang="en-US"/>
               <a:t>三级</a:t>
             </a:r>
+            <a:endParaRPr lang="zh-CN" altLang="en-US"/>
           </a:p>
           <a:p>
             <a:pPr lvl="3"/>
@@ -2139,6 +1918,7 @@
               <a:rPr lang="zh-CN" altLang="en-US"/>
               <a:t>四级</a:t>
             </a:r>
+            <a:endParaRPr lang="zh-CN" altLang="en-US"/>
           </a:p>
           <a:p>
             <a:pPr lvl="4"/>
@@ -2146,18 +1926,13 @@
               <a:rPr lang="zh-CN" altLang="en-US"/>
               <a:t>五级</a:t>
             </a:r>
-          </a:p>
-        </p:txBody>
-      </p:sp>
-      <p:sp>
-        <p:nvSpPr>
-          <p:cNvPr id="7" name="日期占位符 6">
-            <a:extLst>
-              <a:ext uri="{FF2B5EF4-FFF2-40B4-BE49-F238E27FC236}">
-                <a16:creationId xmlns:a16="http://schemas.microsoft.com/office/drawing/2014/main" id="{7245E54E-86F1-4E5D-9DBA-1CFB97A11B34}"/>
-              </a:ext>
-            </a:extLst>
-          </p:cNvPr>
+            <a:endParaRPr lang="zh-CN" altLang="en-US"/>
+          </a:p>
+        </p:txBody>
+      </p:sp>
+      <p:sp>
+        <p:nvSpPr>
+          <p:cNvPr id="7" name="日期占位符 6"/>
           <p:cNvSpPr>
             <a:spLocks noGrp="1"/>
           </p:cNvSpPr>
@@ -2172,7 +1947,6 @@
           <a:p>
             <a:fld id="{A8C52D35-E9E9-47B1-A7E4-E5A406F49528}" type="datetimeFigureOut">
               <a:rPr lang="zh-CN" altLang="en-US" smtClean="0"/>
-              <a:t>2020/5/4</a:t>
             </a:fld>
             <a:endParaRPr lang="zh-CN" altLang="en-US"/>
           </a:p>
@@ -2180,13 +1954,7 @@
       </p:sp>
       <p:sp>
         <p:nvSpPr>
-          <p:cNvPr id="8" name="页脚占位符 7">
-            <a:extLst>
-              <a:ext uri="{FF2B5EF4-FFF2-40B4-BE49-F238E27FC236}">
-                <a16:creationId xmlns:a16="http://schemas.microsoft.com/office/drawing/2014/main" id="{A7BEE8E4-C1BE-436C-B2AE-363277089942}"/>
-              </a:ext>
-            </a:extLst>
-          </p:cNvPr>
+          <p:cNvPr id="8" name="页脚占位符 7"/>
           <p:cNvSpPr>
             <a:spLocks noGrp="1"/>
           </p:cNvSpPr>
@@ -2205,13 +1973,7 @@
       </p:sp>
       <p:sp>
         <p:nvSpPr>
-          <p:cNvPr id="9" name="灯片编号占位符 8">
-            <a:extLst>
-              <a:ext uri="{FF2B5EF4-FFF2-40B4-BE49-F238E27FC236}">
-                <a16:creationId xmlns:a16="http://schemas.microsoft.com/office/drawing/2014/main" id="{277AF370-D91E-4FEE-B01F-ED7A62CD52CB}"/>
-              </a:ext>
-            </a:extLst>
-          </p:cNvPr>
+          <p:cNvPr id="9" name="灯片编号占位符 8"/>
           <p:cNvSpPr>
             <a:spLocks noGrp="1"/>
           </p:cNvSpPr>
@@ -2226,18 +1988,12 @@
           <a:p>
             <a:fld id="{FD2755A1-44B9-4946-8C9D-377425FDFE25}" type="slidenum">
               <a:rPr lang="zh-CN" altLang="en-US" smtClean="0"/>
-              <a:t>‹#›</a:t>
             </a:fld>
             <a:endParaRPr lang="zh-CN" altLang="en-US"/>
           </a:p>
         </p:txBody>
       </p:sp>
     </p:spTree>
-    <p:extLst>
-      <p:ext uri="{BB962C8B-B14F-4D97-AF65-F5344CB8AC3E}">
-        <p14:creationId xmlns:p14="http://schemas.microsoft.com/office/powerpoint/2010/main" val="3960534448"/>
-      </p:ext>
-    </p:extLst>
   </p:cSld>
   <p:clrMapOvr>
     <a:masterClrMapping/>
@@ -2264,13 +2020,7 @@
       </p:grpSpPr>
       <p:sp>
         <p:nvSpPr>
-          <p:cNvPr id="2" name="标题 1">
-            <a:extLst>
-              <a:ext uri="{FF2B5EF4-FFF2-40B4-BE49-F238E27FC236}">
-                <a16:creationId xmlns:a16="http://schemas.microsoft.com/office/drawing/2014/main" id="{9E8FCF91-4017-44D9-974F-F54C64EAAB52}"/>
-              </a:ext>
-            </a:extLst>
-          </p:cNvPr>
+          <p:cNvPr id="2" name="标题 1"/>
           <p:cNvSpPr>
             <a:spLocks noGrp="1"/>
           </p:cNvSpPr>
@@ -2287,18 +2037,13 @@
               <a:rPr lang="zh-CN" altLang="en-US"/>
               <a:t>单击此处编辑母版标题样式</a:t>
             </a:r>
-          </a:p>
-        </p:txBody>
-      </p:sp>
-      <p:sp>
-        <p:nvSpPr>
-          <p:cNvPr id="3" name="日期占位符 2">
-            <a:extLst>
-              <a:ext uri="{FF2B5EF4-FFF2-40B4-BE49-F238E27FC236}">
-                <a16:creationId xmlns:a16="http://schemas.microsoft.com/office/drawing/2014/main" id="{B87CE840-15BC-4AAE-92AB-C9AE09A72A6F}"/>
-              </a:ext>
-            </a:extLst>
-          </p:cNvPr>
+            <a:endParaRPr lang="zh-CN" altLang="en-US"/>
+          </a:p>
+        </p:txBody>
+      </p:sp>
+      <p:sp>
+        <p:nvSpPr>
+          <p:cNvPr id="3" name="日期占位符 2"/>
           <p:cNvSpPr>
             <a:spLocks noGrp="1"/>
           </p:cNvSpPr>
@@ -2313,7 +2058,6 @@
           <a:p>
             <a:fld id="{A8C52D35-E9E9-47B1-A7E4-E5A406F49528}" type="datetimeFigureOut">
               <a:rPr lang="zh-CN" altLang="en-US" smtClean="0"/>
-              <a:t>2020/5/4</a:t>
             </a:fld>
             <a:endParaRPr lang="zh-CN" altLang="en-US"/>
           </a:p>
@@ -2321,13 +2065,7 @@
       </p:sp>
       <p:sp>
         <p:nvSpPr>
-          <p:cNvPr id="4" name="页脚占位符 3">
-            <a:extLst>
-              <a:ext uri="{FF2B5EF4-FFF2-40B4-BE49-F238E27FC236}">
-                <a16:creationId xmlns:a16="http://schemas.microsoft.com/office/drawing/2014/main" id="{8755E1F9-5C4C-4AAA-95D4-8206EEACBE79}"/>
-              </a:ext>
-            </a:extLst>
-          </p:cNvPr>
+          <p:cNvPr id="4" name="页脚占位符 3"/>
           <p:cNvSpPr>
             <a:spLocks noGrp="1"/>
           </p:cNvSpPr>
@@ -2346,13 +2084,7 @@
       </p:sp>
       <p:sp>
         <p:nvSpPr>
-          <p:cNvPr id="5" name="灯片编号占位符 4">
-            <a:extLst>
-              <a:ext uri="{FF2B5EF4-FFF2-40B4-BE49-F238E27FC236}">
-                <a16:creationId xmlns:a16="http://schemas.microsoft.com/office/drawing/2014/main" id="{0B1E5E3B-A0A0-4E17-BAE1-0C7E9C0331BC}"/>
-              </a:ext>
-            </a:extLst>
-          </p:cNvPr>
+          <p:cNvPr id="5" name="灯片编号占位符 4"/>
           <p:cNvSpPr>
             <a:spLocks noGrp="1"/>
           </p:cNvSpPr>
@@ -2367,18 +2099,12 @@
           <a:p>
             <a:fld id="{FD2755A1-44B9-4946-8C9D-377425FDFE25}" type="slidenum">
               <a:rPr lang="zh-CN" altLang="en-US" smtClean="0"/>
-              <a:t>‹#›</a:t>
             </a:fld>
             <a:endParaRPr lang="zh-CN" altLang="en-US"/>
           </a:p>
         </p:txBody>
       </p:sp>
     </p:spTree>
-    <p:extLst>
-      <p:ext uri="{BB962C8B-B14F-4D97-AF65-F5344CB8AC3E}">
-        <p14:creationId xmlns:p14="http://schemas.microsoft.com/office/powerpoint/2010/main" val="1412452765"/>
-      </p:ext>
-    </p:extLst>
   </p:cSld>
   <p:clrMapOvr>
     <a:masterClrMapping/>
@@ -2405,13 +2131,7 @@
       </p:grpSpPr>
       <p:sp>
         <p:nvSpPr>
-          <p:cNvPr id="2" name="日期占位符 1">
-            <a:extLst>
-              <a:ext uri="{FF2B5EF4-FFF2-40B4-BE49-F238E27FC236}">
-                <a16:creationId xmlns:a16="http://schemas.microsoft.com/office/drawing/2014/main" id="{53974F3F-B130-4237-8D1C-A0FA8B32011E}"/>
-              </a:ext>
-            </a:extLst>
-          </p:cNvPr>
+          <p:cNvPr id="2" name="日期占位符 1"/>
           <p:cNvSpPr>
             <a:spLocks noGrp="1"/>
           </p:cNvSpPr>
@@ -2426,7 +2146,6 @@
           <a:p>
             <a:fld id="{A8C52D35-E9E9-47B1-A7E4-E5A406F49528}" type="datetimeFigureOut">
               <a:rPr lang="zh-CN" altLang="en-US" smtClean="0"/>
-              <a:t>2020/5/4</a:t>
             </a:fld>
             <a:endParaRPr lang="zh-CN" altLang="en-US"/>
           </a:p>
@@ -2434,13 +2153,7 @@
       </p:sp>
       <p:sp>
         <p:nvSpPr>
-          <p:cNvPr id="3" name="页脚占位符 2">
-            <a:extLst>
-              <a:ext uri="{FF2B5EF4-FFF2-40B4-BE49-F238E27FC236}">
-                <a16:creationId xmlns:a16="http://schemas.microsoft.com/office/drawing/2014/main" id="{491F4B85-0118-4C06-9586-C73801E151ED}"/>
-              </a:ext>
-            </a:extLst>
-          </p:cNvPr>
+          <p:cNvPr id="3" name="页脚占位符 2"/>
           <p:cNvSpPr>
             <a:spLocks noGrp="1"/>
           </p:cNvSpPr>
@@ -2459,13 +2172,7 @@
       </p:sp>
       <p:sp>
         <p:nvSpPr>
-          <p:cNvPr id="4" name="灯片编号占位符 3">
-            <a:extLst>
-              <a:ext uri="{FF2B5EF4-FFF2-40B4-BE49-F238E27FC236}">
-                <a16:creationId xmlns:a16="http://schemas.microsoft.com/office/drawing/2014/main" id="{DF7F2934-480B-4C8E-A03A-8086815E8612}"/>
-              </a:ext>
-            </a:extLst>
-          </p:cNvPr>
+          <p:cNvPr id="4" name="灯片编号占位符 3"/>
           <p:cNvSpPr>
             <a:spLocks noGrp="1"/>
           </p:cNvSpPr>
@@ -2480,18 +2187,12 @@
           <a:p>
             <a:fld id="{FD2755A1-44B9-4946-8C9D-377425FDFE25}" type="slidenum">
               <a:rPr lang="zh-CN" altLang="en-US" smtClean="0"/>
-              <a:t>‹#›</a:t>
             </a:fld>
             <a:endParaRPr lang="zh-CN" altLang="en-US"/>
           </a:p>
         </p:txBody>
       </p:sp>
     </p:spTree>
-    <p:extLst>
-      <p:ext uri="{BB962C8B-B14F-4D97-AF65-F5344CB8AC3E}">
-        <p14:creationId xmlns:p14="http://schemas.microsoft.com/office/powerpoint/2010/main" val="1537326697"/>
-      </p:ext>
-    </p:extLst>
   </p:cSld>
   <p:clrMapOvr>
     <a:masterClrMapping/>
@@ -2518,13 +2219,7 @@
       </p:grpSpPr>
       <p:sp>
         <p:nvSpPr>
-          <p:cNvPr id="2" name="标题 1">
-            <a:extLst>
-              <a:ext uri="{FF2B5EF4-FFF2-40B4-BE49-F238E27FC236}">
-                <a16:creationId xmlns:a16="http://schemas.microsoft.com/office/drawing/2014/main" id="{C4A58767-0B46-4243-A778-8484CB97E392}"/>
-              </a:ext>
-            </a:extLst>
-          </p:cNvPr>
+          <p:cNvPr id="2" name="标题 1"/>
           <p:cNvSpPr>
             <a:spLocks noGrp="1"/>
           </p:cNvSpPr>
@@ -2550,18 +2245,13 @@
               <a:rPr lang="zh-CN" altLang="en-US"/>
               <a:t>单击此处编辑母版标题样式</a:t>
             </a:r>
-          </a:p>
-        </p:txBody>
-      </p:sp>
-      <p:sp>
-        <p:nvSpPr>
-          <p:cNvPr id="3" name="内容占位符 2">
-            <a:extLst>
-              <a:ext uri="{FF2B5EF4-FFF2-40B4-BE49-F238E27FC236}">
-                <a16:creationId xmlns:a16="http://schemas.microsoft.com/office/drawing/2014/main" id="{7E3F356E-3C60-4963-BD98-CD62409E8BFA}"/>
-              </a:ext>
-            </a:extLst>
-          </p:cNvPr>
+            <a:endParaRPr lang="zh-CN" altLang="en-US"/>
+          </a:p>
+        </p:txBody>
+      </p:sp>
+      <p:sp>
+        <p:nvSpPr>
+          <p:cNvPr id="3" name="内容占位符 2"/>
           <p:cNvSpPr>
             <a:spLocks noGrp="1"/>
           </p:cNvSpPr>
@@ -2612,6 +2302,7 @@
               <a:rPr lang="zh-CN" altLang="en-US"/>
               <a:t>单击此处编辑母版文本样式</a:t>
             </a:r>
+            <a:endParaRPr lang="zh-CN" altLang="en-US"/>
           </a:p>
           <a:p>
             <a:pPr lvl="1"/>
@@ -2619,6 +2310,7 @@
               <a:rPr lang="zh-CN" altLang="en-US"/>
               <a:t>二级</a:t>
             </a:r>
+            <a:endParaRPr lang="zh-CN" altLang="en-US"/>
           </a:p>
           <a:p>
             <a:pPr lvl="2"/>
@@ -2626,6 +2318,7 @@
               <a:rPr lang="zh-CN" altLang="en-US"/>
               <a:t>三级</a:t>
             </a:r>
+            <a:endParaRPr lang="zh-CN" altLang="en-US"/>
           </a:p>
           <a:p>
             <a:pPr lvl="3"/>
@@ -2633,6 +2326,7 @@
               <a:rPr lang="zh-CN" altLang="en-US"/>
               <a:t>四级</a:t>
             </a:r>
+            <a:endParaRPr lang="zh-CN" altLang="en-US"/>
           </a:p>
           <a:p>
             <a:pPr lvl="4"/>
@@ -2640,18 +2334,13 @@
               <a:rPr lang="zh-CN" altLang="en-US"/>
               <a:t>五级</a:t>
             </a:r>
-          </a:p>
-        </p:txBody>
-      </p:sp>
-      <p:sp>
-        <p:nvSpPr>
-          <p:cNvPr id="4" name="文本占位符 3">
-            <a:extLst>
-              <a:ext uri="{FF2B5EF4-FFF2-40B4-BE49-F238E27FC236}">
-                <a16:creationId xmlns:a16="http://schemas.microsoft.com/office/drawing/2014/main" id="{0D7E9487-D673-4846-B115-71B3A4A7CFE7}"/>
-              </a:ext>
-            </a:extLst>
-          </p:cNvPr>
+            <a:endParaRPr lang="zh-CN" altLang="en-US"/>
+          </a:p>
+        </p:txBody>
+      </p:sp>
+      <p:sp>
+        <p:nvSpPr>
+          <p:cNvPr id="4" name="文本占位符 3"/>
           <p:cNvSpPr>
             <a:spLocks noGrp="1"/>
           </p:cNvSpPr>
@@ -2711,18 +2400,13 @@
               <a:rPr lang="zh-CN" altLang="en-US"/>
               <a:t>单击此处编辑母版文本样式</a:t>
             </a:r>
-          </a:p>
-        </p:txBody>
-      </p:sp>
-      <p:sp>
-        <p:nvSpPr>
-          <p:cNvPr id="5" name="日期占位符 4">
-            <a:extLst>
-              <a:ext uri="{FF2B5EF4-FFF2-40B4-BE49-F238E27FC236}">
-                <a16:creationId xmlns:a16="http://schemas.microsoft.com/office/drawing/2014/main" id="{14C39A38-1E79-41A0-B7D8-AF23DF4D3E31}"/>
-              </a:ext>
-            </a:extLst>
-          </p:cNvPr>
+            <a:endParaRPr lang="zh-CN" altLang="en-US"/>
+          </a:p>
+        </p:txBody>
+      </p:sp>
+      <p:sp>
+        <p:nvSpPr>
+          <p:cNvPr id="5" name="日期占位符 4"/>
           <p:cNvSpPr>
             <a:spLocks noGrp="1"/>
           </p:cNvSpPr>
@@ -2737,7 +2421,6 @@
           <a:p>
             <a:fld id="{A8C52D35-E9E9-47B1-A7E4-E5A406F49528}" type="datetimeFigureOut">
               <a:rPr lang="zh-CN" altLang="en-US" smtClean="0"/>
-              <a:t>2020/5/4</a:t>
             </a:fld>
             <a:endParaRPr lang="zh-CN" altLang="en-US"/>
           </a:p>
@@ -2745,13 +2428,7 @@
       </p:sp>
       <p:sp>
         <p:nvSpPr>
-          <p:cNvPr id="6" name="页脚占位符 5">
-            <a:extLst>
-              <a:ext uri="{FF2B5EF4-FFF2-40B4-BE49-F238E27FC236}">
-                <a16:creationId xmlns:a16="http://schemas.microsoft.com/office/drawing/2014/main" id="{98FC7519-2DD5-4C3B-AC17-AC076F640CE6}"/>
-              </a:ext>
-            </a:extLst>
-          </p:cNvPr>
+          <p:cNvPr id="6" name="页脚占位符 5"/>
           <p:cNvSpPr>
             <a:spLocks noGrp="1"/>
           </p:cNvSpPr>
@@ -2770,13 +2447,7 @@
       </p:sp>
       <p:sp>
         <p:nvSpPr>
-          <p:cNvPr id="7" name="灯片编号占位符 6">
-            <a:extLst>
-              <a:ext uri="{FF2B5EF4-FFF2-40B4-BE49-F238E27FC236}">
-                <a16:creationId xmlns:a16="http://schemas.microsoft.com/office/drawing/2014/main" id="{B888DA7B-7B94-4178-8066-32760A101D88}"/>
-              </a:ext>
-            </a:extLst>
-          </p:cNvPr>
+          <p:cNvPr id="7" name="灯片编号占位符 6"/>
           <p:cNvSpPr>
             <a:spLocks noGrp="1"/>
           </p:cNvSpPr>
@@ -2791,18 +2462,12 @@
           <a:p>
             <a:fld id="{FD2755A1-44B9-4946-8C9D-377425FDFE25}" type="slidenum">
               <a:rPr lang="zh-CN" altLang="en-US" smtClean="0"/>
-              <a:t>‹#›</a:t>
             </a:fld>
             <a:endParaRPr lang="zh-CN" altLang="en-US"/>
           </a:p>
         </p:txBody>
       </p:sp>
     </p:spTree>
-    <p:extLst>
-      <p:ext uri="{BB962C8B-B14F-4D97-AF65-F5344CB8AC3E}">
-        <p14:creationId xmlns:p14="http://schemas.microsoft.com/office/powerpoint/2010/main" val="728042914"/>
-      </p:ext>
-    </p:extLst>
   </p:cSld>
   <p:clrMapOvr>
     <a:masterClrMapping/>
@@ -2829,13 +2494,7 @@
       </p:grpSpPr>
       <p:sp>
         <p:nvSpPr>
-          <p:cNvPr id="2" name="标题 1">
-            <a:extLst>
-              <a:ext uri="{FF2B5EF4-FFF2-40B4-BE49-F238E27FC236}">
-                <a16:creationId xmlns:a16="http://schemas.microsoft.com/office/drawing/2014/main" id="{AF2DCE00-BDB0-4CA3-B783-3F7A89A1C948}"/>
-              </a:ext>
-            </a:extLst>
-          </p:cNvPr>
+          <p:cNvPr id="2" name="标题 1"/>
           <p:cNvSpPr>
             <a:spLocks noGrp="1"/>
           </p:cNvSpPr>
@@ -2861,18 +2520,13 @@
               <a:rPr lang="zh-CN" altLang="en-US"/>
               <a:t>单击此处编辑母版标题样式</a:t>
             </a:r>
-          </a:p>
-        </p:txBody>
-      </p:sp>
-      <p:sp>
-        <p:nvSpPr>
-          <p:cNvPr id="3" name="图片占位符 2">
-            <a:extLst>
-              <a:ext uri="{FF2B5EF4-FFF2-40B4-BE49-F238E27FC236}">
-                <a16:creationId xmlns:a16="http://schemas.microsoft.com/office/drawing/2014/main" id="{7E22A110-6066-4267-97E3-179BF6E82FD3}"/>
-              </a:ext>
-            </a:extLst>
-          </p:cNvPr>
+            <a:endParaRPr lang="zh-CN" altLang="en-US"/>
+          </a:p>
+        </p:txBody>
+      </p:sp>
+      <p:sp>
+        <p:nvSpPr>
+          <p:cNvPr id="3" name="图片占位符 2"/>
           <p:cNvSpPr>
             <a:spLocks noGrp="1"/>
           </p:cNvSpPr>
@@ -2933,13 +2587,7 @@
       </p:sp>
       <p:sp>
         <p:nvSpPr>
-          <p:cNvPr id="4" name="文本占位符 3">
-            <a:extLst>
-              <a:ext uri="{FF2B5EF4-FFF2-40B4-BE49-F238E27FC236}">
-                <a16:creationId xmlns:a16="http://schemas.microsoft.com/office/drawing/2014/main" id="{0F970F20-154D-4D02-8191-23ED4895D4B0}"/>
-              </a:ext>
-            </a:extLst>
-          </p:cNvPr>
+          <p:cNvPr id="4" name="文本占位符 3"/>
           <p:cNvSpPr>
             <a:spLocks noGrp="1"/>
           </p:cNvSpPr>
@@ -2999,18 +2647,13 @@
               <a:rPr lang="zh-CN" altLang="en-US"/>
               <a:t>单击此处编辑母版文本样式</a:t>
             </a:r>
-          </a:p>
-        </p:txBody>
-      </p:sp>
-      <p:sp>
-        <p:nvSpPr>
-          <p:cNvPr id="5" name="日期占位符 4">
-            <a:extLst>
-              <a:ext uri="{FF2B5EF4-FFF2-40B4-BE49-F238E27FC236}">
-                <a16:creationId xmlns:a16="http://schemas.microsoft.com/office/drawing/2014/main" id="{FD0F4743-9D2E-4AD6-A0FB-B22D9FF1465B}"/>
-              </a:ext>
-            </a:extLst>
-          </p:cNvPr>
+            <a:endParaRPr lang="zh-CN" altLang="en-US"/>
+          </a:p>
+        </p:txBody>
+      </p:sp>
+      <p:sp>
+        <p:nvSpPr>
+          <p:cNvPr id="5" name="日期占位符 4"/>
           <p:cNvSpPr>
             <a:spLocks noGrp="1"/>
           </p:cNvSpPr>
@@ -3025,7 +2668,6 @@
           <a:p>
             <a:fld id="{A8C52D35-E9E9-47B1-A7E4-E5A406F49528}" type="datetimeFigureOut">
               <a:rPr lang="zh-CN" altLang="en-US" smtClean="0"/>
-              <a:t>2020/5/4</a:t>
             </a:fld>
             <a:endParaRPr lang="zh-CN" altLang="en-US"/>
           </a:p>
@@ -3033,13 +2675,7 @@
       </p:sp>
       <p:sp>
         <p:nvSpPr>
-          <p:cNvPr id="6" name="页脚占位符 5">
-            <a:extLst>
-              <a:ext uri="{FF2B5EF4-FFF2-40B4-BE49-F238E27FC236}">
-                <a16:creationId xmlns:a16="http://schemas.microsoft.com/office/drawing/2014/main" id="{7D20003C-6C3A-4517-8610-B431144F02EF}"/>
-              </a:ext>
-            </a:extLst>
-          </p:cNvPr>
+          <p:cNvPr id="6" name="页脚占位符 5"/>
           <p:cNvSpPr>
             <a:spLocks noGrp="1"/>
           </p:cNvSpPr>
@@ -3058,13 +2694,7 @@
       </p:sp>
       <p:sp>
         <p:nvSpPr>
-          <p:cNvPr id="7" name="灯片编号占位符 6">
-            <a:extLst>
-              <a:ext uri="{FF2B5EF4-FFF2-40B4-BE49-F238E27FC236}">
-                <a16:creationId xmlns:a16="http://schemas.microsoft.com/office/drawing/2014/main" id="{AD4BA35A-5EBB-4B4E-9627-5891FC06309A}"/>
-              </a:ext>
-            </a:extLst>
-          </p:cNvPr>
+          <p:cNvPr id="7" name="灯片编号占位符 6"/>
           <p:cNvSpPr>
             <a:spLocks noGrp="1"/>
           </p:cNvSpPr>
@@ -3079,18 +2709,12 @@
           <a:p>
             <a:fld id="{FD2755A1-44B9-4946-8C9D-377425FDFE25}" type="slidenum">
               <a:rPr lang="zh-CN" altLang="en-US" smtClean="0"/>
-              <a:t>‹#›</a:t>
             </a:fld>
             <a:endParaRPr lang="zh-CN" altLang="en-US"/>
           </a:p>
         </p:txBody>
       </p:sp>
     </p:spTree>
-    <p:extLst>
-      <p:ext uri="{BB962C8B-B14F-4D97-AF65-F5344CB8AC3E}">
-        <p14:creationId xmlns:p14="http://schemas.microsoft.com/office/powerpoint/2010/main" val="4159394801"/>
-      </p:ext>
-    </p:extLst>
   </p:cSld>
   <p:clrMapOvr>
     <a:masterClrMapping/>
@@ -3122,13 +2746,7 @@
       </p:grpSpPr>
       <p:sp>
         <p:nvSpPr>
-          <p:cNvPr id="2" name="标题占位符 1">
-            <a:extLst>
-              <a:ext uri="{FF2B5EF4-FFF2-40B4-BE49-F238E27FC236}">
-                <a16:creationId xmlns:a16="http://schemas.microsoft.com/office/drawing/2014/main" id="{DE5414EF-1C84-4623-9830-26A14A92426A}"/>
-              </a:ext>
-            </a:extLst>
-          </p:cNvPr>
+          <p:cNvPr id="2" name="标题占位符 1"/>
           <p:cNvSpPr>
             <a:spLocks noGrp="1"/>
           </p:cNvSpPr>
@@ -3155,18 +2773,13 @@
               <a:rPr lang="zh-CN" altLang="en-US"/>
               <a:t>单击此处编辑母版标题样式</a:t>
             </a:r>
-          </a:p>
-        </p:txBody>
-      </p:sp>
-      <p:sp>
-        <p:nvSpPr>
-          <p:cNvPr id="3" name="文本占位符 2">
-            <a:extLst>
-              <a:ext uri="{FF2B5EF4-FFF2-40B4-BE49-F238E27FC236}">
-                <a16:creationId xmlns:a16="http://schemas.microsoft.com/office/drawing/2014/main" id="{CB013FC6-B192-473F-92A8-8EFE0F633BFF}"/>
-              </a:ext>
-            </a:extLst>
-          </p:cNvPr>
+            <a:endParaRPr lang="zh-CN" altLang="en-US"/>
+          </a:p>
+        </p:txBody>
+      </p:sp>
+      <p:sp>
+        <p:nvSpPr>
+          <p:cNvPr id="3" name="文本占位符 2"/>
           <p:cNvSpPr>
             <a:spLocks noGrp="1"/>
           </p:cNvSpPr>
@@ -3194,6 +2807,7 @@
               <a:rPr lang="zh-CN" altLang="en-US"/>
               <a:t>单击此处编辑母版文本样式</a:t>
             </a:r>
+            <a:endParaRPr lang="zh-CN" altLang="en-US"/>
           </a:p>
           <a:p>
             <a:pPr lvl="1"/>
@@ -3201,6 +2815,7 @@
               <a:rPr lang="zh-CN" altLang="en-US"/>
               <a:t>二级</a:t>
             </a:r>
+            <a:endParaRPr lang="zh-CN" altLang="en-US"/>
           </a:p>
           <a:p>
             <a:pPr lvl="2"/>
@@ -3208,6 +2823,7 @@
               <a:rPr lang="zh-CN" altLang="en-US"/>
               <a:t>三级</a:t>
             </a:r>
+            <a:endParaRPr lang="zh-CN" altLang="en-US"/>
           </a:p>
           <a:p>
             <a:pPr lvl="3"/>
@@ -3215,6 +2831,7 @@
               <a:rPr lang="zh-CN" altLang="en-US"/>
               <a:t>四级</a:t>
             </a:r>
+            <a:endParaRPr lang="zh-CN" altLang="en-US"/>
           </a:p>
           <a:p>
             <a:pPr lvl="4"/>
@@ -3222,18 +2839,13 @@
               <a:rPr lang="zh-CN" altLang="en-US"/>
               <a:t>五级</a:t>
             </a:r>
-          </a:p>
-        </p:txBody>
-      </p:sp>
-      <p:sp>
-        <p:nvSpPr>
-          <p:cNvPr id="4" name="日期占位符 3">
-            <a:extLst>
-              <a:ext uri="{FF2B5EF4-FFF2-40B4-BE49-F238E27FC236}">
-                <a16:creationId xmlns:a16="http://schemas.microsoft.com/office/drawing/2014/main" id="{74EF5BD6-8560-4271-847D-8A13D476A42E}"/>
-              </a:ext>
-            </a:extLst>
-          </p:cNvPr>
+            <a:endParaRPr lang="zh-CN" altLang="en-US"/>
+          </a:p>
+        </p:txBody>
+      </p:sp>
+      <p:sp>
+        <p:nvSpPr>
+          <p:cNvPr id="4" name="日期占位符 3"/>
           <p:cNvSpPr>
             <a:spLocks noGrp="1"/>
           </p:cNvSpPr>
@@ -3266,7 +2878,6 @@
           <a:p>
             <a:fld id="{A8C52D35-E9E9-47B1-A7E4-E5A406F49528}" type="datetimeFigureOut">
               <a:rPr lang="zh-CN" altLang="en-US" smtClean="0"/>
-              <a:t>2020/5/4</a:t>
             </a:fld>
             <a:endParaRPr lang="zh-CN" altLang="en-US"/>
           </a:p>
@@ -3274,13 +2885,7 @@
       </p:sp>
       <p:sp>
         <p:nvSpPr>
-          <p:cNvPr id="5" name="页脚占位符 4">
-            <a:extLst>
-              <a:ext uri="{FF2B5EF4-FFF2-40B4-BE49-F238E27FC236}">
-                <a16:creationId xmlns:a16="http://schemas.microsoft.com/office/drawing/2014/main" id="{A96974B1-A919-415A-9651-BC207E48CC22}"/>
-              </a:ext>
-            </a:extLst>
-          </p:cNvPr>
+          <p:cNvPr id="5" name="页脚占位符 4"/>
           <p:cNvSpPr>
             <a:spLocks noGrp="1"/>
           </p:cNvSpPr>
@@ -3317,13 +2922,7 @@
       </p:sp>
       <p:sp>
         <p:nvSpPr>
-          <p:cNvPr id="6" name="灯片编号占位符 5">
-            <a:extLst>
-              <a:ext uri="{FF2B5EF4-FFF2-40B4-BE49-F238E27FC236}">
-                <a16:creationId xmlns:a16="http://schemas.microsoft.com/office/drawing/2014/main" id="{6B6C5B63-08D9-418E-A687-2990A11ED098}"/>
-              </a:ext>
-            </a:extLst>
-          </p:cNvPr>
+          <p:cNvPr id="6" name="灯片编号占位符 5"/>
           <p:cNvSpPr>
             <a:spLocks noGrp="1"/>
           </p:cNvSpPr>
@@ -3356,18 +2955,12 @@
           <a:p>
             <a:fld id="{FD2755A1-44B9-4946-8C9D-377425FDFE25}" type="slidenum">
               <a:rPr lang="zh-CN" altLang="en-US" smtClean="0"/>
-              <a:t>‹#›</a:t>
             </a:fld>
             <a:endParaRPr lang="zh-CN" altLang="en-US"/>
           </a:p>
         </p:txBody>
       </p:sp>
     </p:spTree>
-    <p:extLst>
-      <p:ext uri="{BB962C8B-B14F-4D97-AF65-F5344CB8AC3E}">
-        <p14:creationId xmlns:p14="http://schemas.microsoft.com/office/powerpoint/2010/main" val="1310499324"/>
-      </p:ext>
-    </p:extLst>
   </p:cSld>
   <p:clrMap bg1="lt1" tx1="dk1" bg2="lt2" tx2="dk2" accent1="accent1" accent2="accent2" accent3="accent3" accent4="accent4" accent5="accent5" accent6="accent6" hlink="hlink" folHlink="folHlink"/>
   <p:sldLayoutIdLst>
@@ -3411,7 +3004,7 @@
         <a:spcBef>
           <a:spcPts val="1000"/>
         </a:spcBef>
-        <a:buFont typeface="Arial" panose="020B0604020202020204" pitchFamily="34" charset="0"/>
+        <a:buFont typeface="Arial" panose="02080604020202020204" pitchFamily="34" charset="0"/>
         <a:buChar char="•"/>
         <a:defRPr sz="2800" kern="1200">
           <a:solidFill>
@@ -3429,7 +3022,7 @@
         <a:spcBef>
           <a:spcPts val="500"/>
         </a:spcBef>
-        <a:buFont typeface="Arial" panose="020B0604020202020204" pitchFamily="34" charset="0"/>
+        <a:buFont typeface="Arial" panose="02080604020202020204" pitchFamily="34" charset="0"/>
         <a:buChar char="•"/>
         <a:defRPr sz="2400" kern="1200">
           <a:solidFill>
@@ -3447,7 +3040,7 @@
         <a:spcBef>
           <a:spcPts val="500"/>
         </a:spcBef>
-        <a:buFont typeface="Arial" panose="020B0604020202020204" pitchFamily="34" charset="0"/>
+        <a:buFont typeface="Arial" panose="02080604020202020204" pitchFamily="34" charset="0"/>
         <a:buChar char="•"/>
         <a:defRPr sz="2000" kern="1200">
           <a:solidFill>
@@ -3465,7 +3058,7 @@
         <a:spcBef>
           <a:spcPts val="500"/>
         </a:spcBef>
-        <a:buFont typeface="Arial" panose="020B0604020202020204" pitchFamily="34" charset="0"/>
+        <a:buFont typeface="Arial" panose="02080604020202020204" pitchFamily="34" charset="0"/>
         <a:buChar char="•"/>
         <a:defRPr sz="1800" kern="1200">
           <a:solidFill>
@@ -3483,7 +3076,7 @@
         <a:spcBef>
           <a:spcPts val="500"/>
         </a:spcBef>
-        <a:buFont typeface="Arial" panose="020B0604020202020204" pitchFamily="34" charset="0"/>
+        <a:buFont typeface="Arial" panose="02080604020202020204" pitchFamily="34" charset="0"/>
         <a:buChar char="•"/>
         <a:defRPr sz="1800" kern="1200">
           <a:solidFill>
@@ -3501,7 +3094,7 @@
         <a:spcBef>
           <a:spcPts val="500"/>
         </a:spcBef>
-        <a:buFont typeface="Arial" panose="020B0604020202020204" pitchFamily="34" charset="0"/>
+        <a:buFont typeface="Arial" panose="02080604020202020204" pitchFamily="34" charset="0"/>
         <a:buChar char="•"/>
         <a:defRPr sz="1800" kern="1200">
           <a:solidFill>
@@ -3519,7 +3112,7 @@
         <a:spcBef>
           <a:spcPts val="500"/>
         </a:spcBef>
-        <a:buFont typeface="Arial" panose="020B0604020202020204" pitchFamily="34" charset="0"/>
+        <a:buFont typeface="Arial" panose="02080604020202020204" pitchFamily="34" charset="0"/>
         <a:buChar char="•"/>
         <a:defRPr sz="1800" kern="1200">
           <a:solidFill>
@@ -3537,7 +3130,7 @@
         <a:spcBef>
           <a:spcPts val="500"/>
         </a:spcBef>
-        <a:buFont typeface="Arial" panose="020B0604020202020204" pitchFamily="34" charset="0"/>
+        <a:buFont typeface="Arial" panose="02080604020202020204" pitchFamily="34" charset="0"/>
         <a:buChar char="•"/>
         <a:defRPr sz="1800" kern="1200">
           <a:solidFill>
@@ -3555,7 +3148,7 @@
         <a:spcBef>
           <a:spcPts val="500"/>
         </a:spcBef>
-        <a:buFont typeface="Arial" panose="020B0604020202020204" pitchFamily="34" charset="0"/>
+        <a:buFont typeface="Arial" panose="02080604020202020204" pitchFamily="34" charset="0"/>
         <a:buChar char="•"/>
         <a:defRPr sz="1800" kern="1200">
           <a:solidFill>
@@ -3685,16 +3278,8 @@
       </p:grpSpPr>
       <p:cxnSp>
         <p:nvCxnSpPr>
-          <p:cNvPr id="17" name="直接箭头连接符 16">
-            <a:extLst>
-              <a:ext uri="{FF2B5EF4-FFF2-40B4-BE49-F238E27FC236}">
-                <a16:creationId xmlns:a16="http://schemas.microsoft.com/office/drawing/2014/main" id="{BACE5493-658A-479D-9B2B-36EA2D4F9CC8}"/>
-              </a:ext>
-            </a:extLst>
-          </p:cNvPr>
-          <p:cNvCxnSpPr>
-            <a:cxnSpLocks/>
-          </p:cNvCxnSpPr>
+          <p:cNvPr id="17" name="直接箭头连接符 16"/>
+          <p:cNvCxnSpPr/>
           <p:nvPr/>
         </p:nvCxnSpPr>
         <p:spPr>
@@ -3729,13 +3314,7 @@
       </p:cxnSp>
       <p:sp>
         <p:nvSpPr>
-          <p:cNvPr id="7" name="矩形 6">
-            <a:extLst>
-              <a:ext uri="{FF2B5EF4-FFF2-40B4-BE49-F238E27FC236}">
-                <a16:creationId xmlns:a16="http://schemas.microsoft.com/office/drawing/2014/main" id="{8DAFB4E9-BD1B-4CC6-AF0B-730DFD9AA888}"/>
-              </a:ext>
-            </a:extLst>
-          </p:cNvPr>
+          <p:cNvPr id="7" name="矩形 6"/>
           <p:cNvSpPr/>
           <p:nvPr/>
         </p:nvSpPr>
@@ -3800,13 +3379,7 @@
       </p:sp>
       <p:sp>
         <p:nvSpPr>
-          <p:cNvPr id="8" name="矩形 7">
-            <a:extLst>
-              <a:ext uri="{FF2B5EF4-FFF2-40B4-BE49-F238E27FC236}">
-                <a16:creationId xmlns:a16="http://schemas.microsoft.com/office/drawing/2014/main" id="{C88C7478-C66E-47A0-806A-BD0105CA9649}"/>
-              </a:ext>
-            </a:extLst>
-          </p:cNvPr>
+          <p:cNvPr id="8" name="矩形 7"/>
           <p:cNvSpPr/>
           <p:nvPr/>
         </p:nvSpPr>
@@ -3871,16 +3444,8 @@
       </p:sp>
       <p:cxnSp>
         <p:nvCxnSpPr>
-          <p:cNvPr id="22" name="直接箭头连接符 21">
-            <a:extLst>
-              <a:ext uri="{FF2B5EF4-FFF2-40B4-BE49-F238E27FC236}">
-                <a16:creationId xmlns:a16="http://schemas.microsoft.com/office/drawing/2014/main" id="{64B07573-A0EF-4006-A5E3-CA86DC9EABC3}"/>
-              </a:ext>
-            </a:extLst>
-          </p:cNvPr>
-          <p:cNvCxnSpPr>
-            <a:cxnSpLocks/>
-          </p:cNvCxnSpPr>
+          <p:cNvPr id="22" name="直接箭头连接符 21"/>
+          <p:cNvCxnSpPr/>
           <p:nvPr/>
         </p:nvCxnSpPr>
         <p:spPr>
@@ -3915,16 +3480,8 @@
       </p:cxnSp>
       <p:cxnSp>
         <p:nvCxnSpPr>
-          <p:cNvPr id="24" name="直接箭头连接符 23">
-            <a:extLst>
-              <a:ext uri="{FF2B5EF4-FFF2-40B4-BE49-F238E27FC236}">
-                <a16:creationId xmlns:a16="http://schemas.microsoft.com/office/drawing/2014/main" id="{3329B2EE-DBA2-43D5-B662-DC3C48545A04}"/>
-              </a:ext>
-            </a:extLst>
-          </p:cNvPr>
-          <p:cNvCxnSpPr>
-            <a:cxnSpLocks/>
-          </p:cNvCxnSpPr>
+          <p:cNvPr id="24" name="直接箭头连接符 23"/>
+          <p:cNvCxnSpPr/>
           <p:nvPr/>
         </p:nvCxnSpPr>
         <p:spPr>
@@ -3959,13 +3516,7 @@
       </p:cxnSp>
       <p:sp>
         <p:nvSpPr>
-          <p:cNvPr id="25" name="矩形 24">
-            <a:extLst>
-              <a:ext uri="{FF2B5EF4-FFF2-40B4-BE49-F238E27FC236}">
-                <a16:creationId xmlns:a16="http://schemas.microsoft.com/office/drawing/2014/main" id="{20D993D8-3782-4D10-B680-C130A24E4D87}"/>
-              </a:ext>
-            </a:extLst>
-          </p:cNvPr>
+          <p:cNvPr id="25" name="矩形 24"/>
           <p:cNvSpPr/>
           <p:nvPr/>
         </p:nvSpPr>
@@ -4030,16 +3581,8 @@
       </p:sp>
       <p:cxnSp>
         <p:nvCxnSpPr>
-          <p:cNvPr id="26" name="直接箭头连接符 25">
-            <a:extLst>
-              <a:ext uri="{FF2B5EF4-FFF2-40B4-BE49-F238E27FC236}">
-                <a16:creationId xmlns:a16="http://schemas.microsoft.com/office/drawing/2014/main" id="{6BFFC3EC-2FC1-45A0-8238-44707F5E89E9}"/>
-              </a:ext>
-            </a:extLst>
-          </p:cNvPr>
-          <p:cNvCxnSpPr>
-            <a:cxnSpLocks/>
-          </p:cNvCxnSpPr>
+          <p:cNvPr id="26" name="直接箭头连接符 25"/>
+          <p:cNvCxnSpPr/>
           <p:nvPr/>
         </p:nvCxnSpPr>
         <p:spPr>
@@ -4074,13 +3617,7 @@
       </p:cxnSp>
       <p:sp>
         <p:nvSpPr>
-          <p:cNvPr id="27" name="矩形 26">
-            <a:extLst>
-              <a:ext uri="{FF2B5EF4-FFF2-40B4-BE49-F238E27FC236}">
-                <a16:creationId xmlns:a16="http://schemas.microsoft.com/office/drawing/2014/main" id="{9DF484BC-DF5F-45DE-8C83-392A6C86C1E3}"/>
-              </a:ext>
-            </a:extLst>
-          </p:cNvPr>
+          <p:cNvPr id="27" name="矩形 26"/>
           <p:cNvSpPr/>
           <p:nvPr/>
         </p:nvSpPr>
@@ -4145,16 +3682,8 @@
       </p:sp>
       <p:cxnSp>
         <p:nvCxnSpPr>
-          <p:cNvPr id="32" name="连接符: 肘形 31">
-            <a:extLst>
-              <a:ext uri="{FF2B5EF4-FFF2-40B4-BE49-F238E27FC236}">
-                <a16:creationId xmlns:a16="http://schemas.microsoft.com/office/drawing/2014/main" id="{FE620F58-668D-48B0-95E4-846A63B2B4A9}"/>
-              </a:ext>
-            </a:extLst>
-          </p:cNvPr>
-          <p:cNvCxnSpPr>
-            <a:cxnSpLocks/>
-          </p:cNvCxnSpPr>
+          <p:cNvPr id="32" name="连接符: 肘形 31"/>
+          <p:cNvCxnSpPr/>
           <p:nvPr/>
         </p:nvCxnSpPr>
         <p:spPr>
@@ -4189,16 +3718,8 @@
       </p:cxnSp>
       <p:cxnSp>
         <p:nvCxnSpPr>
-          <p:cNvPr id="34" name="连接符: 肘形 33">
-            <a:extLst>
-              <a:ext uri="{FF2B5EF4-FFF2-40B4-BE49-F238E27FC236}">
-                <a16:creationId xmlns:a16="http://schemas.microsoft.com/office/drawing/2014/main" id="{AD929B10-C6ED-473C-ABA0-AC3E37A08A5F}"/>
-              </a:ext>
-            </a:extLst>
-          </p:cNvPr>
-          <p:cNvCxnSpPr>
-            <a:cxnSpLocks/>
-          </p:cNvCxnSpPr>
+          <p:cNvPr id="34" name="连接符: 肘形 33"/>
+          <p:cNvCxnSpPr/>
           <p:nvPr/>
         </p:nvCxnSpPr>
         <p:spPr>
@@ -4235,13 +3756,7 @@
       </p:cxnSp>
       <p:sp>
         <p:nvSpPr>
-          <p:cNvPr id="40" name="矩形 39">
-            <a:extLst>
-              <a:ext uri="{FF2B5EF4-FFF2-40B4-BE49-F238E27FC236}">
-                <a16:creationId xmlns:a16="http://schemas.microsoft.com/office/drawing/2014/main" id="{351F8CDD-BEB2-4DAA-96A7-C047EC01A330}"/>
-              </a:ext>
-            </a:extLst>
-          </p:cNvPr>
+          <p:cNvPr id="40" name="矩形 39"/>
           <p:cNvSpPr/>
           <p:nvPr/>
         </p:nvSpPr>
@@ -4306,13 +3821,7 @@
       </p:sp>
       <p:sp>
         <p:nvSpPr>
-          <p:cNvPr id="41" name="矩形 40">
-            <a:extLst>
-              <a:ext uri="{FF2B5EF4-FFF2-40B4-BE49-F238E27FC236}">
-                <a16:creationId xmlns:a16="http://schemas.microsoft.com/office/drawing/2014/main" id="{9B9FC75B-2466-4189-A237-32E33349D81F}"/>
-              </a:ext>
-            </a:extLst>
-          </p:cNvPr>
+          <p:cNvPr id="41" name="矩形 40"/>
           <p:cNvSpPr/>
           <p:nvPr/>
         </p:nvSpPr>
@@ -4377,13 +3886,7 @@
       </p:sp>
       <p:sp>
         <p:nvSpPr>
-          <p:cNvPr id="42" name="文本框 41">
-            <a:extLst>
-              <a:ext uri="{FF2B5EF4-FFF2-40B4-BE49-F238E27FC236}">
-                <a16:creationId xmlns:a16="http://schemas.microsoft.com/office/drawing/2014/main" id="{A8F9CE3E-0D3C-4AAE-9ECB-0F19802F8C57}"/>
-              </a:ext>
-            </a:extLst>
-          </p:cNvPr>
+          <p:cNvPr id="42" name="文本框 41"/>
           <p:cNvSpPr txBox="1"/>
           <p:nvPr/>
         </p:nvSpPr>
@@ -4405,29 +3908,23 @@
           <a:p>
             <a:r>
               <a:rPr lang="en-US" altLang="zh-CN" sz="2200" b="1" i="1" dirty="0">
-                <a:latin typeface="Times New Roman" panose="02020603050405020304" pitchFamily="18" charset="0"/>
+                <a:latin typeface="Times New Roman" panose="02020603050405020304" charset="0"/>
                 <a:ea typeface="宋体" panose="02010600030101010101" pitchFamily="2" charset="-122"/>
-                <a:cs typeface="Times New Roman" panose="02020603050405020304" pitchFamily="18" charset="0"/>
+                <a:cs typeface="Times New Roman" panose="02020603050405020304" charset="0"/>
               </a:rPr>
               <a:t>H×W×256</a:t>
             </a:r>
             <a:endParaRPr lang="zh-CN" altLang="en-US" sz="2200" b="1" i="1" dirty="0">
-              <a:latin typeface="Times New Roman" panose="02020603050405020304" pitchFamily="18" charset="0"/>
+              <a:latin typeface="Times New Roman" panose="02020603050405020304" charset="0"/>
               <a:ea typeface="宋体" panose="02010600030101010101" pitchFamily="2" charset="-122"/>
-              <a:cs typeface="Times New Roman" panose="02020603050405020304" pitchFamily="18" charset="0"/>
+              <a:cs typeface="Times New Roman" panose="02020603050405020304" charset="0"/>
             </a:endParaRPr>
           </a:p>
         </p:txBody>
       </p:sp>
       <p:sp>
         <p:nvSpPr>
-          <p:cNvPr id="61" name="文本框 60">
-            <a:extLst>
-              <a:ext uri="{FF2B5EF4-FFF2-40B4-BE49-F238E27FC236}">
-                <a16:creationId xmlns:a16="http://schemas.microsoft.com/office/drawing/2014/main" id="{401A7EA9-15A0-4436-9198-44E55A884D2B}"/>
-              </a:ext>
-            </a:extLst>
-          </p:cNvPr>
+          <p:cNvPr id="61" name="文本框 60"/>
           <p:cNvSpPr txBox="1"/>
           <p:nvPr/>
         </p:nvSpPr>
@@ -4449,29 +3946,23 @@
           <a:p>
             <a:r>
               <a:rPr lang="en-US" altLang="zh-CN" sz="2200" b="1" i="1" dirty="0">
-                <a:latin typeface="Times New Roman" panose="02020603050405020304" pitchFamily="18" charset="0"/>
+                <a:latin typeface="Times New Roman" panose="02020603050405020304" charset="0"/>
                 <a:ea typeface="宋体" panose="02010600030101010101" pitchFamily="2" charset="-122"/>
-                <a:cs typeface="Times New Roman" panose="02020603050405020304" pitchFamily="18" charset="0"/>
+                <a:cs typeface="Times New Roman" panose="02020603050405020304" charset="0"/>
               </a:rPr>
               <a:t>H×W×256</a:t>
             </a:r>
             <a:endParaRPr lang="zh-CN" altLang="en-US" sz="2200" b="1" i="1" dirty="0">
-              <a:latin typeface="Times New Roman" panose="02020603050405020304" pitchFamily="18" charset="0"/>
+              <a:latin typeface="Times New Roman" panose="02020603050405020304" charset="0"/>
               <a:ea typeface="宋体" panose="02010600030101010101" pitchFamily="2" charset="-122"/>
-              <a:cs typeface="Times New Roman" panose="02020603050405020304" pitchFamily="18" charset="0"/>
+              <a:cs typeface="Times New Roman" panose="02020603050405020304" charset="0"/>
             </a:endParaRPr>
           </a:p>
         </p:txBody>
       </p:sp>
       <p:sp>
         <p:nvSpPr>
-          <p:cNvPr id="62" name="文本框 61">
-            <a:extLst>
-              <a:ext uri="{FF2B5EF4-FFF2-40B4-BE49-F238E27FC236}">
-                <a16:creationId xmlns:a16="http://schemas.microsoft.com/office/drawing/2014/main" id="{914EDD16-B40A-46C6-A11A-BE34E8CDF42D}"/>
-              </a:ext>
-            </a:extLst>
-          </p:cNvPr>
+          <p:cNvPr id="62" name="文本框 61"/>
           <p:cNvSpPr txBox="1"/>
           <p:nvPr/>
         </p:nvSpPr>
@@ -4493,29 +3984,23 @@
           <a:p>
             <a:r>
               <a:rPr lang="en-US" altLang="zh-CN" sz="2200" b="1" i="1" dirty="0">
-                <a:latin typeface="Times New Roman" panose="02020603050405020304" pitchFamily="18" charset="0"/>
+                <a:latin typeface="Times New Roman" panose="02020603050405020304" charset="0"/>
                 <a:ea typeface="宋体" panose="02010600030101010101" pitchFamily="2" charset="-122"/>
-                <a:cs typeface="Times New Roman" panose="02020603050405020304" pitchFamily="18" charset="0"/>
+                <a:cs typeface="Times New Roman" panose="02020603050405020304" charset="0"/>
               </a:rPr>
               <a:t>H×W×256</a:t>
             </a:r>
             <a:endParaRPr lang="zh-CN" altLang="en-US" sz="2200" b="1" i="1" dirty="0">
-              <a:latin typeface="Times New Roman" panose="02020603050405020304" pitchFamily="18" charset="0"/>
+              <a:latin typeface="Times New Roman" panose="02020603050405020304" charset="0"/>
               <a:ea typeface="宋体" panose="02010600030101010101" pitchFamily="2" charset="-122"/>
-              <a:cs typeface="Times New Roman" panose="02020603050405020304" pitchFamily="18" charset="0"/>
+              <a:cs typeface="Times New Roman" panose="02020603050405020304" charset="0"/>
             </a:endParaRPr>
           </a:p>
         </p:txBody>
       </p:sp>
       <p:sp>
         <p:nvSpPr>
-          <p:cNvPr id="63" name="文本框 62">
-            <a:extLst>
-              <a:ext uri="{FF2B5EF4-FFF2-40B4-BE49-F238E27FC236}">
-                <a16:creationId xmlns:a16="http://schemas.microsoft.com/office/drawing/2014/main" id="{3B4C62A1-EDEA-4E32-A138-B59D136A24BB}"/>
-              </a:ext>
-            </a:extLst>
-          </p:cNvPr>
+          <p:cNvPr id="63" name="文本框 62"/>
           <p:cNvSpPr txBox="1"/>
           <p:nvPr/>
         </p:nvSpPr>
@@ -4537,29 +4022,23 @@
           <a:p>
             <a:r>
               <a:rPr lang="en-US" altLang="zh-CN" sz="2200" b="1" i="1" dirty="0">
-                <a:latin typeface="Times New Roman" panose="02020603050405020304" pitchFamily="18" charset="0"/>
+                <a:latin typeface="Times New Roman" panose="02020603050405020304" charset="0"/>
                 <a:ea typeface="宋体" panose="02010600030101010101" pitchFamily="2" charset="-122"/>
-                <a:cs typeface="Times New Roman" panose="02020603050405020304" pitchFamily="18" charset="0"/>
+                <a:cs typeface="Times New Roman" panose="02020603050405020304" charset="0"/>
               </a:rPr>
               <a:t>H×W×256</a:t>
             </a:r>
             <a:endParaRPr lang="zh-CN" altLang="en-US" sz="2200" b="1" i="1" dirty="0">
-              <a:latin typeface="Times New Roman" panose="02020603050405020304" pitchFamily="18" charset="0"/>
+              <a:latin typeface="Times New Roman" panose="02020603050405020304" charset="0"/>
               <a:ea typeface="宋体" panose="02010600030101010101" pitchFamily="2" charset="-122"/>
-              <a:cs typeface="Times New Roman" panose="02020603050405020304" pitchFamily="18" charset="0"/>
+              <a:cs typeface="Times New Roman" panose="02020603050405020304" charset="0"/>
             </a:endParaRPr>
           </a:p>
         </p:txBody>
       </p:sp>
       <p:sp>
         <p:nvSpPr>
-          <p:cNvPr id="78" name="文本框 77">
-            <a:extLst>
-              <a:ext uri="{FF2B5EF4-FFF2-40B4-BE49-F238E27FC236}">
-                <a16:creationId xmlns:a16="http://schemas.microsoft.com/office/drawing/2014/main" id="{751B0E24-9729-4441-BFED-475C4D11BC29}"/>
-              </a:ext>
-            </a:extLst>
-          </p:cNvPr>
+          <p:cNvPr id="78" name="文本框 77"/>
           <p:cNvSpPr txBox="1"/>
           <p:nvPr/>
         </p:nvSpPr>
@@ -4581,29 +4060,23 @@
           <a:p>
             <a:r>
               <a:rPr lang="en-US" altLang="zh-CN" sz="2200" b="1" i="1" dirty="0">
-                <a:latin typeface="Times New Roman" panose="02020603050405020304" pitchFamily="18" charset="0"/>
+                <a:latin typeface="Times New Roman" panose="02020603050405020304" charset="0"/>
                 <a:ea typeface="宋体" panose="02010600030101010101" pitchFamily="2" charset="-122"/>
-                <a:cs typeface="Times New Roman" panose="02020603050405020304" pitchFamily="18" charset="0"/>
+                <a:cs typeface="Times New Roman" panose="02020603050405020304" charset="0"/>
               </a:rPr>
               <a:t>H×W×C</a:t>
             </a:r>
             <a:endParaRPr lang="zh-CN" altLang="en-US" sz="2200" b="1" i="1" dirty="0">
-              <a:latin typeface="Times New Roman" panose="02020603050405020304" pitchFamily="18" charset="0"/>
+              <a:latin typeface="Times New Roman" panose="02020603050405020304" charset="0"/>
               <a:ea typeface="宋体" panose="02010600030101010101" pitchFamily="2" charset="-122"/>
-              <a:cs typeface="Times New Roman" panose="02020603050405020304" pitchFamily="18" charset="0"/>
+              <a:cs typeface="Times New Roman" panose="02020603050405020304" charset="0"/>
             </a:endParaRPr>
           </a:p>
         </p:txBody>
       </p:sp>
       <p:sp>
         <p:nvSpPr>
-          <p:cNvPr id="79" name="文本框 78">
-            <a:extLst>
-              <a:ext uri="{FF2B5EF4-FFF2-40B4-BE49-F238E27FC236}">
-                <a16:creationId xmlns:a16="http://schemas.microsoft.com/office/drawing/2014/main" id="{774A7325-8677-49F1-B62A-1ACC100AD857}"/>
-              </a:ext>
-            </a:extLst>
-          </p:cNvPr>
+          <p:cNvPr id="79" name="文本框 78"/>
           <p:cNvSpPr txBox="1"/>
           <p:nvPr/>
         </p:nvSpPr>
@@ -4625,24 +4098,23 @@
           <a:p>
             <a:r>
               <a:rPr lang="en-US" altLang="zh-CN" sz="2200" b="1" i="1" dirty="0">
-                <a:latin typeface="Times New Roman" panose="02020603050405020304" pitchFamily="18" charset="0"/>
+                <a:latin typeface="Times New Roman" panose="02020603050405020304" charset="0"/>
                 <a:ea typeface="宋体" panose="02010600030101010101" pitchFamily="2" charset="-122"/>
-                <a:cs typeface="Times New Roman" panose="02020603050405020304" pitchFamily="18" charset="0"/>
+                <a:cs typeface="Times New Roman" panose="02020603050405020304" charset="0"/>
               </a:rPr>
               <a:t>H×W×1</a:t>
             </a:r>
-          </a:p>
-        </p:txBody>
-      </p:sp>
-      <p:sp>
-        <p:nvSpPr>
-          <p:cNvPr id="80" name="文本框 79">
-            <a:extLst>
-              <a:ext uri="{FF2B5EF4-FFF2-40B4-BE49-F238E27FC236}">
-                <a16:creationId xmlns:a16="http://schemas.microsoft.com/office/drawing/2014/main" id="{A7E8B1C7-35B2-451E-819C-F9907E84CC17}"/>
-              </a:ext>
-            </a:extLst>
-          </p:cNvPr>
+            <a:endParaRPr lang="en-US" altLang="zh-CN" sz="2200" b="1" i="1" dirty="0">
+              <a:latin typeface="Times New Roman" panose="02020603050405020304" charset="0"/>
+              <a:ea typeface="宋体" panose="02010600030101010101" pitchFamily="2" charset="-122"/>
+              <a:cs typeface="Times New Roman" panose="02020603050405020304" charset="0"/>
+            </a:endParaRPr>
+          </a:p>
+        </p:txBody>
+      </p:sp>
+      <p:sp>
+        <p:nvSpPr>
+          <p:cNvPr id="80" name="文本框 79"/>
           <p:cNvSpPr txBox="1"/>
           <p:nvPr/>
         </p:nvSpPr>
@@ -4664,24 +4136,23 @@
           <a:p>
             <a:r>
               <a:rPr lang="zh-CN" altLang="en-US" sz="2200" b="1" dirty="0">
-                <a:latin typeface="Times New Roman" panose="02020603050405020304" pitchFamily="18" charset="0"/>
+                <a:latin typeface="Times New Roman" panose="02020603050405020304" charset="0"/>
                 <a:ea typeface="宋体" panose="02010600030101010101" pitchFamily="2" charset="-122"/>
-                <a:cs typeface="Times New Roman" panose="02020603050405020304" pitchFamily="18" charset="0"/>
+                <a:cs typeface="Times New Roman" panose="02020603050405020304" charset="0"/>
               </a:rPr>
               <a:t>分类分支</a:t>
             </a:r>
-          </a:p>
-        </p:txBody>
-      </p:sp>
-      <p:sp>
-        <p:nvSpPr>
-          <p:cNvPr id="81" name="文本框 80">
-            <a:extLst>
-              <a:ext uri="{FF2B5EF4-FFF2-40B4-BE49-F238E27FC236}">
-                <a16:creationId xmlns:a16="http://schemas.microsoft.com/office/drawing/2014/main" id="{90664779-3620-420D-8D7A-2CCC9701A2FA}"/>
-              </a:ext>
-            </a:extLst>
-          </p:cNvPr>
+            <a:endParaRPr lang="zh-CN" altLang="en-US" sz="2200" b="1" dirty="0">
+              <a:latin typeface="Times New Roman" panose="02020603050405020304" charset="0"/>
+              <a:ea typeface="宋体" panose="02010600030101010101" pitchFamily="2" charset="-122"/>
+              <a:cs typeface="Times New Roman" panose="02020603050405020304" charset="0"/>
+            </a:endParaRPr>
+          </a:p>
+        </p:txBody>
+      </p:sp>
+      <p:sp>
+        <p:nvSpPr>
+          <p:cNvPr id="81" name="文本框 80"/>
           <p:cNvSpPr txBox="1"/>
           <p:nvPr/>
         </p:nvSpPr>
@@ -4703,21 +4174,21 @@
           <a:p>
             <a:r>
               <a:rPr lang="zh-CN" altLang="en-US" sz="2200" b="1" dirty="0">
-                <a:latin typeface="Times New Roman" panose="02020603050405020304" pitchFamily="18" charset="0"/>
+                <a:latin typeface="Times New Roman" panose="02020603050405020304" charset="0"/>
                 <a:ea typeface="宋体" panose="02010600030101010101" pitchFamily="2" charset="-122"/>
-                <a:cs typeface="Times New Roman" panose="02020603050405020304" pitchFamily="18" charset="0"/>
+                <a:cs typeface="Times New Roman" panose="02020603050405020304" charset="0"/>
               </a:rPr>
               <a:t>中心度分支</a:t>
             </a:r>
+            <a:endParaRPr lang="zh-CN" altLang="en-US" sz="2200" b="1" dirty="0">
+              <a:latin typeface="Times New Roman" panose="02020603050405020304" charset="0"/>
+              <a:ea typeface="宋体" panose="02010600030101010101" pitchFamily="2" charset="-122"/>
+              <a:cs typeface="Times New Roman" panose="02020603050405020304" charset="0"/>
+            </a:endParaRPr>
           </a:p>
         </p:txBody>
       </p:sp>
     </p:spTree>
-    <p:extLst>
-      <p:ext uri="{BB962C8B-B14F-4D97-AF65-F5344CB8AC3E}">
-        <p14:creationId xmlns:p14="http://schemas.microsoft.com/office/powerpoint/2010/main" val="2169261774"/>
-      </p:ext>
-    </p:extLst>
   </p:cSld>
   <p:clrMapOvr>
     <a:masterClrMapping/>
@@ -4744,16 +4215,8 @@
       </p:grpSpPr>
       <p:cxnSp>
         <p:nvCxnSpPr>
-          <p:cNvPr id="17" name="直接箭头连接符 16">
-            <a:extLst>
-              <a:ext uri="{FF2B5EF4-FFF2-40B4-BE49-F238E27FC236}">
-                <a16:creationId xmlns:a16="http://schemas.microsoft.com/office/drawing/2014/main" id="{BACE5493-658A-479D-9B2B-36EA2D4F9CC8}"/>
-              </a:ext>
-            </a:extLst>
-          </p:cNvPr>
-          <p:cNvCxnSpPr>
-            <a:cxnSpLocks/>
-          </p:cNvCxnSpPr>
+          <p:cNvPr id="17" name="直接箭头连接符 16"/>
+          <p:cNvCxnSpPr/>
           <p:nvPr/>
         </p:nvCxnSpPr>
         <p:spPr>
@@ -4788,13 +4251,7 @@
       </p:cxnSp>
       <p:sp>
         <p:nvSpPr>
-          <p:cNvPr id="7" name="矩形 6">
-            <a:extLst>
-              <a:ext uri="{FF2B5EF4-FFF2-40B4-BE49-F238E27FC236}">
-                <a16:creationId xmlns:a16="http://schemas.microsoft.com/office/drawing/2014/main" id="{8DAFB4E9-BD1B-4CC6-AF0B-730DFD9AA888}"/>
-              </a:ext>
-            </a:extLst>
-          </p:cNvPr>
+          <p:cNvPr id="7" name="矩形 6"/>
           <p:cNvSpPr/>
           <p:nvPr/>
         </p:nvSpPr>
@@ -4859,13 +4316,7 @@
       </p:sp>
       <p:sp>
         <p:nvSpPr>
-          <p:cNvPr id="8" name="矩形 7">
-            <a:extLst>
-              <a:ext uri="{FF2B5EF4-FFF2-40B4-BE49-F238E27FC236}">
-                <a16:creationId xmlns:a16="http://schemas.microsoft.com/office/drawing/2014/main" id="{C88C7478-C66E-47A0-806A-BD0105CA9649}"/>
-              </a:ext>
-            </a:extLst>
-          </p:cNvPr>
+          <p:cNvPr id="8" name="矩形 7"/>
           <p:cNvSpPr/>
           <p:nvPr/>
         </p:nvSpPr>
@@ -4930,16 +4381,8 @@
       </p:sp>
       <p:cxnSp>
         <p:nvCxnSpPr>
-          <p:cNvPr id="22" name="直接箭头连接符 21">
-            <a:extLst>
-              <a:ext uri="{FF2B5EF4-FFF2-40B4-BE49-F238E27FC236}">
-                <a16:creationId xmlns:a16="http://schemas.microsoft.com/office/drawing/2014/main" id="{64B07573-A0EF-4006-A5E3-CA86DC9EABC3}"/>
-              </a:ext>
-            </a:extLst>
-          </p:cNvPr>
-          <p:cNvCxnSpPr>
-            <a:cxnSpLocks/>
-          </p:cNvCxnSpPr>
+          <p:cNvPr id="22" name="直接箭头连接符 21"/>
+          <p:cNvCxnSpPr/>
           <p:nvPr/>
         </p:nvCxnSpPr>
         <p:spPr>
@@ -4974,16 +4417,8 @@
       </p:cxnSp>
       <p:cxnSp>
         <p:nvCxnSpPr>
-          <p:cNvPr id="24" name="直接箭头连接符 23">
-            <a:extLst>
-              <a:ext uri="{FF2B5EF4-FFF2-40B4-BE49-F238E27FC236}">
-                <a16:creationId xmlns:a16="http://schemas.microsoft.com/office/drawing/2014/main" id="{3329B2EE-DBA2-43D5-B662-DC3C48545A04}"/>
-              </a:ext>
-            </a:extLst>
-          </p:cNvPr>
-          <p:cNvCxnSpPr>
-            <a:cxnSpLocks/>
-          </p:cNvCxnSpPr>
+          <p:cNvPr id="24" name="直接箭头连接符 23"/>
+          <p:cNvCxnSpPr/>
           <p:nvPr/>
         </p:nvCxnSpPr>
         <p:spPr>
@@ -5018,13 +4453,7 @@
       </p:cxnSp>
       <p:sp>
         <p:nvSpPr>
-          <p:cNvPr id="25" name="矩形 24">
-            <a:extLst>
-              <a:ext uri="{FF2B5EF4-FFF2-40B4-BE49-F238E27FC236}">
-                <a16:creationId xmlns:a16="http://schemas.microsoft.com/office/drawing/2014/main" id="{20D993D8-3782-4D10-B680-C130A24E4D87}"/>
-              </a:ext>
-            </a:extLst>
-          </p:cNvPr>
+          <p:cNvPr id="25" name="矩形 24"/>
           <p:cNvSpPr/>
           <p:nvPr/>
         </p:nvSpPr>
@@ -5089,16 +4518,8 @@
       </p:sp>
       <p:cxnSp>
         <p:nvCxnSpPr>
-          <p:cNvPr id="26" name="直接箭头连接符 25">
-            <a:extLst>
-              <a:ext uri="{FF2B5EF4-FFF2-40B4-BE49-F238E27FC236}">
-                <a16:creationId xmlns:a16="http://schemas.microsoft.com/office/drawing/2014/main" id="{6BFFC3EC-2FC1-45A0-8238-44707F5E89E9}"/>
-              </a:ext>
-            </a:extLst>
-          </p:cNvPr>
-          <p:cNvCxnSpPr>
-            <a:cxnSpLocks/>
-          </p:cNvCxnSpPr>
+          <p:cNvPr id="26" name="直接箭头连接符 25"/>
+          <p:cNvCxnSpPr/>
           <p:nvPr/>
         </p:nvCxnSpPr>
         <p:spPr>
@@ -5133,13 +4554,7 @@
       </p:cxnSp>
       <p:sp>
         <p:nvSpPr>
-          <p:cNvPr id="27" name="矩形 26">
-            <a:extLst>
-              <a:ext uri="{FF2B5EF4-FFF2-40B4-BE49-F238E27FC236}">
-                <a16:creationId xmlns:a16="http://schemas.microsoft.com/office/drawing/2014/main" id="{9DF484BC-DF5F-45DE-8C83-392A6C86C1E3}"/>
-              </a:ext>
-            </a:extLst>
-          </p:cNvPr>
+          <p:cNvPr id="27" name="矩形 26"/>
           <p:cNvSpPr/>
           <p:nvPr/>
         </p:nvSpPr>
@@ -5204,16 +4619,8 @@
       </p:sp>
       <p:cxnSp>
         <p:nvCxnSpPr>
-          <p:cNvPr id="14" name="直接箭头连接符 13">
-            <a:extLst>
-              <a:ext uri="{FF2B5EF4-FFF2-40B4-BE49-F238E27FC236}">
-                <a16:creationId xmlns:a16="http://schemas.microsoft.com/office/drawing/2014/main" id="{7C7E18DE-5A6B-43AE-B577-09A7ADA4C983}"/>
-              </a:ext>
-            </a:extLst>
-          </p:cNvPr>
-          <p:cNvCxnSpPr>
-            <a:cxnSpLocks/>
-          </p:cNvCxnSpPr>
+          <p:cNvPr id="14" name="直接箭头连接符 13"/>
+          <p:cNvCxnSpPr/>
           <p:nvPr/>
         </p:nvCxnSpPr>
         <p:spPr>
@@ -5248,13 +4655,7 @@
       </p:cxnSp>
       <p:sp>
         <p:nvSpPr>
-          <p:cNvPr id="15" name="矩形 14">
-            <a:extLst>
-              <a:ext uri="{FF2B5EF4-FFF2-40B4-BE49-F238E27FC236}">
-                <a16:creationId xmlns:a16="http://schemas.microsoft.com/office/drawing/2014/main" id="{F66FCFB7-2929-4E96-B6D9-19A8A3029F4A}"/>
-              </a:ext>
-            </a:extLst>
-          </p:cNvPr>
+          <p:cNvPr id="15" name="矩形 14"/>
           <p:cNvSpPr/>
           <p:nvPr/>
         </p:nvSpPr>
@@ -5319,13 +4720,7 @@
       </p:sp>
       <p:sp>
         <p:nvSpPr>
-          <p:cNvPr id="18" name="文本框 17">
-            <a:extLst>
-              <a:ext uri="{FF2B5EF4-FFF2-40B4-BE49-F238E27FC236}">
-                <a16:creationId xmlns:a16="http://schemas.microsoft.com/office/drawing/2014/main" id="{898F6426-9488-4A46-A89D-CF92969F4B07}"/>
-              </a:ext>
-            </a:extLst>
-          </p:cNvPr>
+          <p:cNvPr id="18" name="文本框 17"/>
           <p:cNvSpPr txBox="1"/>
           <p:nvPr/>
         </p:nvSpPr>
@@ -5347,29 +4742,23 @@
           <a:p>
             <a:r>
               <a:rPr lang="en-US" altLang="zh-CN" sz="2200" b="1" i="1" dirty="0">
-                <a:latin typeface="Times New Roman" panose="02020603050405020304" pitchFamily="18" charset="0"/>
+                <a:latin typeface="Times New Roman" panose="02020603050405020304" charset="0"/>
                 <a:ea typeface="宋体" panose="02010600030101010101" pitchFamily="2" charset="-122"/>
-                <a:cs typeface="Times New Roman" panose="02020603050405020304" pitchFamily="18" charset="0"/>
+                <a:cs typeface="Times New Roman" panose="02020603050405020304" charset="0"/>
               </a:rPr>
               <a:t>H×W×256</a:t>
             </a:r>
             <a:endParaRPr lang="zh-CN" altLang="en-US" sz="2200" b="1" i="1" dirty="0">
-              <a:latin typeface="Times New Roman" panose="02020603050405020304" pitchFamily="18" charset="0"/>
+              <a:latin typeface="Times New Roman" panose="02020603050405020304" charset="0"/>
               <a:ea typeface="宋体" panose="02010600030101010101" pitchFamily="2" charset="-122"/>
-              <a:cs typeface="Times New Roman" panose="02020603050405020304" pitchFamily="18" charset="0"/>
+              <a:cs typeface="Times New Roman" panose="02020603050405020304" charset="0"/>
             </a:endParaRPr>
           </a:p>
         </p:txBody>
       </p:sp>
       <p:sp>
         <p:nvSpPr>
-          <p:cNvPr id="19" name="文本框 18">
-            <a:extLst>
-              <a:ext uri="{FF2B5EF4-FFF2-40B4-BE49-F238E27FC236}">
-                <a16:creationId xmlns:a16="http://schemas.microsoft.com/office/drawing/2014/main" id="{AD05B11B-D6B3-4BC7-A265-82086B97D84C}"/>
-              </a:ext>
-            </a:extLst>
-          </p:cNvPr>
+          <p:cNvPr id="19" name="文本框 18"/>
           <p:cNvSpPr txBox="1"/>
           <p:nvPr/>
         </p:nvSpPr>
@@ -5391,29 +4780,23 @@
           <a:p>
             <a:r>
               <a:rPr lang="en-US" altLang="zh-CN" sz="2200" b="1" i="1" dirty="0">
-                <a:latin typeface="Times New Roman" panose="02020603050405020304" pitchFamily="18" charset="0"/>
+                <a:latin typeface="Times New Roman" panose="02020603050405020304" charset="0"/>
                 <a:ea typeface="宋体" panose="02010600030101010101" pitchFamily="2" charset="-122"/>
-                <a:cs typeface="Times New Roman" panose="02020603050405020304" pitchFamily="18" charset="0"/>
+                <a:cs typeface="Times New Roman" panose="02020603050405020304" charset="0"/>
               </a:rPr>
               <a:t>H×W×256</a:t>
             </a:r>
             <a:endParaRPr lang="zh-CN" altLang="en-US" sz="2200" b="1" i="1" dirty="0">
-              <a:latin typeface="Times New Roman" panose="02020603050405020304" pitchFamily="18" charset="0"/>
+              <a:latin typeface="Times New Roman" panose="02020603050405020304" charset="0"/>
               <a:ea typeface="宋体" panose="02010600030101010101" pitchFamily="2" charset="-122"/>
-              <a:cs typeface="Times New Roman" panose="02020603050405020304" pitchFamily="18" charset="0"/>
+              <a:cs typeface="Times New Roman" panose="02020603050405020304" charset="0"/>
             </a:endParaRPr>
           </a:p>
         </p:txBody>
       </p:sp>
       <p:sp>
         <p:nvSpPr>
-          <p:cNvPr id="20" name="文本框 19">
-            <a:extLst>
-              <a:ext uri="{FF2B5EF4-FFF2-40B4-BE49-F238E27FC236}">
-                <a16:creationId xmlns:a16="http://schemas.microsoft.com/office/drawing/2014/main" id="{6ED5BE45-6D85-4130-985E-13E9E57142B1}"/>
-              </a:ext>
-            </a:extLst>
-          </p:cNvPr>
+          <p:cNvPr id="20" name="文本框 19"/>
           <p:cNvSpPr txBox="1"/>
           <p:nvPr/>
         </p:nvSpPr>
@@ -5435,29 +4818,23 @@
           <a:p>
             <a:r>
               <a:rPr lang="en-US" altLang="zh-CN" sz="2200" b="1" i="1" dirty="0">
-                <a:latin typeface="Times New Roman" panose="02020603050405020304" pitchFamily="18" charset="0"/>
+                <a:latin typeface="Times New Roman" panose="02020603050405020304" charset="0"/>
                 <a:ea typeface="宋体" panose="02010600030101010101" pitchFamily="2" charset="-122"/>
-                <a:cs typeface="Times New Roman" panose="02020603050405020304" pitchFamily="18" charset="0"/>
+                <a:cs typeface="Times New Roman" panose="02020603050405020304" charset="0"/>
               </a:rPr>
               <a:t>H×W×256</a:t>
             </a:r>
             <a:endParaRPr lang="zh-CN" altLang="en-US" sz="2200" b="1" i="1" dirty="0">
-              <a:latin typeface="Times New Roman" panose="02020603050405020304" pitchFamily="18" charset="0"/>
+              <a:latin typeface="Times New Roman" panose="02020603050405020304" charset="0"/>
               <a:ea typeface="宋体" panose="02010600030101010101" pitchFamily="2" charset="-122"/>
-              <a:cs typeface="Times New Roman" panose="02020603050405020304" pitchFamily="18" charset="0"/>
+              <a:cs typeface="Times New Roman" panose="02020603050405020304" charset="0"/>
             </a:endParaRPr>
           </a:p>
         </p:txBody>
       </p:sp>
       <p:sp>
         <p:nvSpPr>
-          <p:cNvPr id="21" name="文本框 20">
-            <a:extLst>
-              <a:ext uri="{FF2B5EF4-FFF2-40B4-BE49-F238E27FC236}">
-                <a16:creationId xmlns:a16="http://schemas.microsoft.com/office/drawing/2014/main" id="{4C37E936-C3AD-4154-9AB4-C1AC2A05590F}"/>
-              </a:ext>
-            </a:extLst>
-          </p:cNvPr>
+          <p:cNvPr id="21" name="文本框 20"/>
           <p:cNvSpPr txBox="1"/>
           <p:nvPr/>
         </p:nvSpPr>
@@ -5479,29 +4856,23 @@
           <a:p>
             <a:r>
               <a:rPr lang="en-US" altLang="zh-CN" sz="2200" b="1" i="1" dirty="0">
-                <a:latin typeface="Times New Roman" panose="02020603050405020304" pitchFamily="18" charset="0"/>
+                <a:latin typeface="Times New Roman" panose="02020603050405020304" charset="0"/>
                 <a:ea typeface="宋体" panose="02010600030101010101" pitchFamily="2" charset="-122"/>
-                <a:cs typeface="Times New Roman" panose="02020603050405020304" pitchFamily="18" charset="0"/>
+                <a:cs typeface="Times New Roman" panose="02020603050405020304" charset="0"/>
               </a:rPr>
               <a:t>H×W×256</a:t>
             </a:r>
             <a:endParaRPr lang="zh-CN" altLang="en-US" sz="2200" b="1" i="1" dirty="0">
-              <a:latin typeface="Times New Roman" panose="02020603050405020304" pitchFamily="18" charset="0"/>
+              <a:latin typeface="Times New Roman" panose="02020603050405020304" charset="0"/>
               <a:ea typeface="宋体" panose="02010600030101010101" pitchFamily="2" charset="-122"/>
-              <a:cs typeface="Times New Roman" panose="02020603050405020304" pitchFamily="18" charset="0"/>
+              <a:cs typeface="Times New Roman" panose="02020603050405020304" charset="0"/>
             </a:endParaRPr>
           </a:p>
         </p:txBody>
       </p:sp>
       <p:sp>
         <p:nvSpPr>
-          <p:cNvPr id="28" name="文本框 27">
-            <a:extLst>
-              <a:ext uri="{FF2B5EF4-FFF2-40B4-BE49-F238E27FC236}">
-                <a16:creationId xmlns:a16="http://schemas.microsoft.com/office/drawing/2014/main" id="{84101224-B3EF-4F41-9546-56363CA34CED}"/>
-              </a:ext>
-            </a:extLst>
-          </p:cNvPr>
+          <p:cNvPr id="28" name="文本框 27"/>
           <p:cNvSpPr txBox="1"/>
           <p:nvPr/>
         </p:nvSpPr>
@@ -5523,29 +4894,23 @@
           <a:p>
             <a:r>
               <a:rPr lang="en-US" altLang="zh-CN" sz="2200" b="1" i="1" dirty="0">
-                <a:latin typeface="Times New Roman" panose="02020603050405020304" pitchFamily="18" charset="0"/>
+                <a:latin typeface="Times New Roman" panose="02020603050405020304" charset="0"/>
                 <a:ea typeface="宋体" panose="02010600030101010101" pitchFamily="2" charset="-122"/>
-                <a:cs typeface="Times New Roman" panose="02020603050405020304" pitchFamily="18" charset="0"/>
+                <a:cs typeface="Times New Roman" panose="02020603050405020304" charset="0"/>
               </a:rPr>
               <a:t>H×W×4</a:t>
             </a:r>
             <a:endParaRPr lang="zh-CN" altLang="en-US" sz="2200" b="1" i="1" dirty="0">
-              <a:latin typeface="Times New Roman" panose="02020603050405020304" pitchFamily="18" charset="0"/>
+              <a:latin typeface="Times New Roman" panose="02020603050405020304" charset="0"/>
               <a:ea typeface="宋体" panose="02010600030101010101" pitchFamily="2" charset="-122"/>
-              <a:cs typeface="Times New Roman" panose="02020603050405020304" pitchFamily="18" charset="0"/>
+              <a:cs typeface="Times New Roman" panose="02020603050405020304" charset="0"/>
             </a:endParaRPr>
           </a:p>
         </p:txBody>
       </p:sp>
       <p:sp>
         <p:nvSpPr>
-          <p:cNvPr id="29" name="文本框 28">
-            <a:extLst>
-              <a:ext uri="{FF2B5EF4-FFF2-40B4-BE49-F238E27FC236}">
-                <a16:creationId xmlns:a16="http://schemas.microsoft.com/office/drawing/2014/main" id="{3B31AC3E-2FC2-4A85-8303-254E72E32D4C}"/>
-              </a:ext>
-            </a:extLst>
-          </p:cNvPr>
+          <p:cNvPr id="29" name="文本框 28"/>
           <p:cNvSpPr txBox="1"/>
           <p:nvPr/>
         </p:nvSpPr>
@@ -5567,21 +4932,21 @@
           <a:p>
             <a:r>
               <a:rPr lang="zh-CN" altLang="en-US" sz="2200" b="1" dirty="0">
-                <a:latin typeface="Times New Roman" panose="02020603050405020304" pitchFamily="18" charset="0"/>
+                <a:latin typeface="Times New Roman" panose="02020603050405020304" charset="0"/>
                 <a:ea typeface="宋体" panose="02010600030101010101" pitchFamily="2" charset="-122"/>
-                <a:cs typeface="Times New Roman" panose="02020603050405020304" pitchFamily="18" charset="0"/>
+                <a:cs typeface="Times New Roman" panose="02020603050405020304" charset="0"/>
               </a:rPr>
               <a:t>回归分支</a:t>
             </a:r>
+            <a:endParaRPr lang="zh-CN" altLang="en-US" sz="2200" b="1" dirty="0">
+              <a:latin typeface="Times New Roman" panose="02020603050405020304" charset="0"/>
+              <a:ea typeface="宋体" panose="02010600030101010101" pitchFamily="2" charset="-122"/>
+              <a:cs typeface="Times New Roman" panose="02020603050405020304" charset="0"/>
+            </a:endParaRPr>
           </a:p>
         </p:txBody>
       </p:sp>
     </p:spTree>
-    <p:extLst>
-      <p:ext uri="{BB962C8B-B14F-4D97-AF65-F5344CB8AC3E}">
-        <p14:creationId xmlns:p14="http://schemas.microsoft.com/office/powerpoint/2010/main" val="1582544192"/>
-      </p:ext>
-    </p:extLst>
   </p:cSld>
   <p:clrMapOvr>
     <a:masterClrMapping/>
@@ -5608,13 +4973,7 @@
       </p:grpSpPr>
       <p:sp>
         <p:nvSpPr>
-          <p:cNvPr id="5" name="平行四边形 4">
-            <a:extLst>
-              <a:ext uri="{FF2B5EF4-FFF2-40B4-BE49-F238E27FC236}">
-                <a16:creationId xmlns:a16="http://schemas.microsoft.com/office/drawing/2014/main" id="{C674E2ED-435C-4E48-B68B-8DADA5316FC0}"/>
-              </a:ext>
-            </a:extLst>
-          </p:cNvPr>
+          <p:cNvPr id="5" name="平行四边形 4"/>
           <p:cNvSpPr/>
           <p:nvPr/>
         </p:nvSpPr>
@@ -5677,13 +5036,7 @@
       </p:sp>
       <p:sp>
         <p:nvSpPr>
-          <p:cNvPr id="20" name="平行四边形 19">
-            <a:extLst>
-              <a:ext uri="{FF2B5EF4-FFF2-40B4-BE49-F238E27FC236}">
-                <a16:creationId xmlns:a16="http://schemas.microsoft.com/office/drawing/2014/main" id="{A12D3CDE-5BBD-4019-9869-4943E5D624CE}"/>
-              </a:ext>
-            </a:extLst>
-          </p:cNvPr>
+          <p:cNvPr id="20" name="平行四边形 19"/>
           <p:cNvSpPr/>
           <p:nvPr/>
         </p:nvSpPr>
@@ -5744,21 +5097,15 @@
               <a:solidFill>
                 <a:schemeClr val="tx1"/>
               </a:solidFill>
-              <a:latin typeface="Times New Roman" panose="02020603050405020304" pitchFamily="18" charset="0"/>
-              <a:cs typeface="Times New Roman" panose="02020603050405020304" pitchFamily="18" charset="0"/>
+              <a:latin typeface="Times New Roman" panose="02020603050405020304" charset="0"/>
+              <a:cs typeface="Times New Roman" panose="02020603050405020304" charset="0"/>
             </a:endParaRPr>
           </a:p>
         </p:txBody>
       </p:sp>
       <p:sp>
         <p:nvSpPr>
-          <p:cNvPr id="25" name="平行四边形 24">
-            <a:extLst>
-              <a:ext uri="{FF2B5EF4-FFF2-40B4-BE49-F238E27FC236}">
-                <a16:creationId xmlns:a16="http://schemas.microsoft.com/office/drawing/2014/main" id="{946726C7-8B33-4E64-A7D2-CB36A15E48BD}"/>
-              </a:ext>
-            </a:extLst>
-          </p:cNvPr>
+          <p:cNvPr id="25" name="平行四边形 24"/>
           <p:cNvSpPr/>
           <p:nvPr/>
         </p:nvSpPr>
@@ -5819,21 +5166,15 @@
               <a:solidFill>
                 <a:schemeClr val="tx1"/>
               </a:solidFill>
-              <a:latin typeface="Times New Roman" panose="02020603050405020304" pitchFamily="18" charset="0"/>
-              <a:cs typeface="Times New Roman" panose="02020603050405020304" pitchFamily="18" charset="0"/>
+              <a:latin typeface="Times New Roman" panose="02020603050405020304" charset="0"/>
+              <a:cs typeface="Times New Roman" panose="02020603050405020304" charset="0"/>
             </a:endParaRPr>
           </a:p>
         </p:txBody>
       </p:sp>
       <p:sp>
         <p:nvSpPr>
-          <p:cNvPr id="40" name="平行四边形 39">
-            <a:extLst>
-              <a:ext uri="{FF2B5EF4-FFF2-40B4-BE49-F238E27FC236}">
-                <a16:creationId xmlns:a16="http://schemas.microsoft.com/office/drawing/2014/main" id="{D20CC2DE-7DA3-4628-8909-41EDB707E737}"/>
-              </a:ext>
-            </a:extLst>
-          </p:cNvPr>
+          <p:cNvPr id="40" name="平行四边形 39"/>
           <p:cNvSpPr/>
           <p:nvPr/>
         </p:nvSpPr>
@@ -5887,9 +5228,6 @@
         </p:style>
         <p:txBody>
           <a:bodyPr rot="0" spcFirstLastPara="0" vertOverflow="overflow" horzOverflow="overflow" vert="horz" wrap="square" lIns="91440" tIns="45720" rIns="91440" bIns="45720" numCol="1" spcCol="0" rtlCol="0" fromWordArt="0" anchor="ctr" anchorCtr="0" forceAA="0" compatLnSpc="1">
-            <a:prstTxWarp prst="textNoShape">
-              <a:avLst/>
-            </a:prstTxWarp>
             <a:noAutofit/>
           </a:bodyPr>
           <a:lstStyle/>
@@ -5899,21 +5237,15 @@
               <a:solidFill>
                 <a:schemeClr val="tx1"/>
               </a:solidFill>
-              <a:latin typeface="Times New Roman" panose="02020603050405020304" pitchFamily="18" charset="0"/>
-              <a:cs typeface="Times New Roman" panose="02020603050405020304" pitchFamily="18" charset="0"/>
+              <a:latin typeface="Times New Roman" panose="02020603050405020304" charset="0"/>
+              <a:cs typeface="Times New Roman" panose="02020603050405020304" charset="0"/>
             </a:endParaRPr>
           </a:p>
         </p:txBody>
       </p:sp>
       <p:sp>
         <p:nvSpPr>
-          <p:cNvPr id="42" name="平行四边形 41">
-            <a:extLst>
-              <a:ext uri="{FF2B5EF4-FFF2-40B4-BE49-F238E27FC236}">
-                <a16:creationId xmlns:a16="http://schemas.microsoft.com/office/drawing/2014/main" id="{6A4725FA-7741-4645-8096-D55AD1C97F59}"/>
-              </a:ext>
-            </a:extLst>
-          </p:cNvPr>
+          <p:cNvPr id="42" name="平行四边形 41"/>
           <p:cNvSpPr/>
           <p:nvPr/>
         </p:nvSpPr>
@@ -5967,9 +5299,6 @@
         </p:style>
         <p:txBody>
           <a:bodyPr rot="0" spcFirstLastPara="0" vertOverflow="overflow" horzOverflow="overflow" vert="horz" wrap="square" lIns="91440" tIns="45720" rIns="91440" bIns="45720" numCol="1" spcCol="0" rtlCol="0" fromWordArt="0" anchor="ctr" anchorCtr="0" forceAA="0" compatLnSpc="1">
-            <a:prstTxWarp prst="textNoShape">
-              <a:avLst/>
-            </a:prstTxWarp>
             <a:noAutofit/>
           </a:bodyPr>
           <a:lstStyle/>
@@ -5979,24 +5308,16 @@
               <a:solidFill>
                 <a:schemeClr val="tx1"/>
               </a:solidFill>
-              <a:latin typeface="Times New Roman" panose="02020603050405020304" pitchFamily="18" charset="0"/>
-              <a:cs typeface="Times New Roman" panose="02020603050405020304" pitchFamily="18" charset="0"/>
+              <a:latin typeface="Times New Roman" panose="02020603050405020304" charset="0"/>
+              <a:cs typeface="Times New Roman" panose="02020603050405020304" charset="0"/>
             </a:endParaRPr>
           </a:p>
         </p:txBody>
       </p:sp>
       <p:cxnSp>
         <p:nvCxnSpPr>
-          <p:cNvPr id="43" name="直接箭头连接符 42">
-            <a:extLst>
-              <a:ext uri="{FF2B5EF4-FFF2-40B4-BE49-F238E27FC236}">
-                <a16:creationId xmlns:a16="http://schemas.microsoft.com/office/drawing/2014/main" id="{CD3C696D-A434-4B23-A6EB-C8EFA1B5B23C}"/>
-              </a:ext>
-            </a:extLst>
-          </p:cNvPr>
-          <p:cNvCxnSpPr>
-            <a:cxnSpLocks/>
-          </p:cNvCxnSpPr>
+          <p:cNvPr id="43" name="直接箭头连接符 42"/>
+          <p:cNvCxnSpPr/>
           <p:nvPr/>
         </p:nvCxnSpPr>
         <p:spPr>
@@ -6033,13 +5354,7 @@
       </p:cxnSp>
       <p:sp>
         <p:nvSpPr>
-          <p:cNvPr id="44" name="平行四边形 43">
-            <a:extLst>
-              <a:ext uri="{FF2B5EF4-FFF2-40B4-BE49-F238E27FC236}">
-                <a16:creationId xmlns:a16="http://schemas.microsoft.com/office/drawing/2014/main" id="{C3148DB8-19E5-4788-A6A1-4BFA1306C803}"/>
-              </a:ext>
-            </a:extLst>
-          </p:cNvPr>
+          <p:cNvPr id="44" name="平行四边形 43"/>
           <p:cNvSpPr/>
           <p:nvPr/>
         </p:nvSpPr>
@@ -6100,21 +5415,15 @@
               <a:solidFill>
                 <a:schemeClr val="tx1"/>
               </a:solidFill>
-              <a:latin typeface="Times New Roman" panose="02020603050405020304" pitchFamily="18" charset="0"/>
-              <a:cs typeface="Times New Roman" panose="02020603050405020304" pitchFamily="18" charset="0"/>
+              <a:latin typeface="Times New Roman" panose="02020603050405020304" charset="0"/>
+              <a:cs typeface="Times New Roman" panose="02020603050405020304" charset="0"/>
             </a:endParaRPr>
           </a:p>
         </p:txBody>
       </p:sp>
       <p:sp>
         <p:nvSpPr>
-          <p:cNvPr id="45" name="平行四边形 44">
-            <a:extLst>
-              <a:ext uri="{FF2B5EF4-FFF2-40B4-BE49-F238E27FC236}">
-                <a16:creationId xmlns:a16="http://schemas.microsoft.com/office/drawing/2014/main" id="{97E26BF5-4C6B-4D5F-A702-3958E51D681F}"/>
-              </a:ext>
-            </a:extLst>
-          </p:cNvPr>
+          <p:cNvPr id="45" name="平行四边形 44"/>
           <p:cNvSpPr/>
           <p:nvPr/>
         </p:nvSpPr>
@@ -6177,13 +5486,7 @@
       </p:sp>
       <p:sp>
         <p:nvSpPr>
-          <p:cNvPr id="47" name="平行四边形 46">
-            <a:extLst>
-              <a:ext uri="{FF2B5EF4-FFF2-40B4-BE49-F238E27FC236}">
-                <a16:creationId xmlns:a16="http://schemas.microsoft.com/office/drawing/2014/main" id="{A76E9C23-7A8B-4D4F-8CD3-365078DB4C1B}"/>
-              </a:ext>
-            </a:extLst>
-          </p:cNvPr>
+          <p:cNvPr id="47" name="平行四边形 46"/>
           <p:cNvSpPr/>
           <p:nvPr/>
         </p:nvSpPr>
@@ -6237,9 +5540,6 @@
         </p:style>
         <p:txBody>
           <a:bodyPr rot="0" spcFirstLastPara="0" vertOverflow="overflow" horzOverflow="overflow" vert="horz" wrap="square" lIns="91440" tIns="45720" rIns="91440" bIns="45720" numCol="1" spcCol="0" rtlCol="0" fromWordArt="0" anchor="ctr" anchorCtr="0" forceAA="0" compatLnSpc="1">
-            <a:prstTxWarp prst="textNoShape">
-              <a:avLst/>
-            </a:prstTxWarp>
             <a:noAutofit/>
           </a:bodyPr>
           <a:lstStyle/>
@@ -6251,13 +5551,7 @@
       </p:sp>
       <p:sp>
         <p:nvSpPr>
-          <p:cNvPr id="49" name="平行四边形 48">
-            <a:extLst>
-              <a:ext uri="{FF2B5EF4-FFF2-40B4-BE49-F238E27FC236}">
-                <a16:creationId xmlns:a16="http://schemas.microsoft.com/office/drawing/2014/main" id="{ABC92EA1-2D1F-4F41-B827-9CA6FF34B637}"/>
-              </a:ext>
-            </a:extLst>
-          </p:cNvPr>
+          <p:cNvPr id="49" name="平行四边形 48"/>
           <p:cNvSpPr/>
           <p:nvPr/>
         </p:nvSpPr>
@@ -6311,9 +5605,6 @@
         </p:style>
         <p:txBody>
           <a:bodyPr rot="0" spcFirstLastPara="0" vertOverflow="overflow" horzOverflow="overflow" vert="horz" wrap="square" lIns="91440" tIns="45720" rIns="91440" bIns="45720" numCol="1" spcCol="0" rtlCol="0" fromWordArt="0" anchor="ctr" anchorCtr="0" forceAA="0" compatLnSpc="1">
-            <a:prstTxWarp prst="textNoShape">
-              <a:avLst/>
-            </a:prstTxWarp>
             <a:noAutofit/>
           </a:bodyPr>
           <a:lstStyle/>
@@ -6325,13 +5616,7 @@
       </p:sp>
       <p:sp>
         <p:nvSpPr>
-          <p:cNvPr id="54" name="平行四边形 53">
-            <a:extLst>
-              <a:ext uri="{FF2B5EF4-FFF2-40B4-BE49-F238E27FC236}">
-                <a16:creationId xmlns:a16="http://schemas.microsoft.com/office/drawing/2014/main" id="{2F6D03A7-842A-4C15-B25D-6F3632FF27A9}"/>
-              </a:ext>
-            </a:extLst>
-          </p:cNvPr>
+          <p:cNvPr id="54" name="平行四边形 53"/>
           <p:cNvSpPr/>
           <p:nvPr/>
         </p:nvSpPr>
@@ -6385,9 +5670,6 @@
         </p:style>
         <p:txBody>
           <a:bodyPr rot="0" spcFirstLastPara="0" vertOverflow="overflow" horzOverflow="overflow" vert="horz" wrap="square" lIns="91440" tIns="45720" rIns="91440" bIns="45720" numCol="1" spcCol="0" rtlCol="0" fromWordArt="0" anchor="ctr" anchorCtr="0" forceAA="0" compatLnSpc="1">
-            <a:prstTxWarp prst="textNoShape">
-              <a:avLst/>
-            </a:prstTxWarp>
             <a:noAutofit/>
           </a:bodyPr>
           <a:lstStyle/>
@@ -6399,13 +5681,7 @@
       </p:sp>
       <p:sp>
         <p:nvSpPr>
-          <p:cNvPr id="56" name="平行四边形 55">
-            <a:extLst>
-              <a:ext uri="{FF2B5EF4-FFF2-40B4-BE49-F238E27FC236}">
-                <a16:creationId xmlns:a16="http://schemas.microsoft.com/office/drawing/2014/main" id="{CFE41329-6207-40F4-864F-528C2DA5DF0F}"/>
-              </a:ext>
-            </a:extLst>
-          </p:cNvPr>
+          <p:cNvPr id="56" name="平行四边形 55"/>
           <p:cNvSpPr/>
           <p:nvPr/>
         </p:nvSpPr>
@@ -6459,9 +5735,6 @@
         </p:style>
         <p:txBody>
           <a:bodyPr rot="0" spcFirstLastPara="0" vertOverflow="overflow" horzOverflow="overflow" vert="horz" wrap="square" lIns="91440" tIns="45720" rIns="91440" bIns="45720" numCol="1" spcCol="0" rtlCol="0" fromWordArt="0" anchor="ctr" anchorCtr="0" forceAA="0" compatLnSpc="1">
-            <a:prstTxWarp prst="textNoShape">
-              <a:avLst/>
-            </a:prstTxWarp>
             <a:noAutofit/>
           </a:bodyPr>
           <a:lstStyle/>
@@ -6473,15 +5746,8 @@
       </p:sp>
       <p:cxnSp>
         <p:nvCxnSpPr>
-          <p:cNvPr id="59" name="直接箭头连接符 58">
-            <a:extLst>
-              <a:ext uri="{FF2B5EF4-FFF2-40B4-BE49-F238E27FC236}">
-                <a16:creationId xmlns:a16="http://schemas.microsoft.com/office/drawing/2014/main" id="{61EF610D-4D92-45ED-9D20-238E12EFD7CD}"/>
-              </a:ext>
-            </a:extLst>
-          </p:cNvPr>
+          <p:cNvPr id="59" name="直接箭头连接符 58"/>
           <p:cNvCxnSpPr>
-            <a:cxnSpLocks/>
             <a:stCxn id="25" idx="2"/>
             <a:endCxn id="44" idx="5"/>
           </p:cNvCxnSpPr>
@@ -6521,15 +5787,8 @@
       </p:cxnSp>
       <p:cxnSp>
         <p:nvCxnSpPr>
-          <p:cNvPr id="64" name="直接箭头连接符 63">
-            <a:extLst>
-              <a:ext uri="{FF2B5EF4-FFF2-40B4-BE49-F238E27FC236}">
-                <a16:creationId xmlns:a16="http://schemas.microsoft.com/office/drawing/2014/main" id="{C31C242C-41F1-45AC-AD3E-D4E8B65D8FBA}"/>
-              </a:ext>
-            </a:extLst>
-          </p:cNvPr>
+          <p:cNvPr id="64" name="直接箭头连接符 63"/>
           <p:cNvCxnSpPr>
-            <a:cxnSpLocks/>
             <a:stCxn id="20" idx="2"/>
             <a:endCxn id="42" idx="5"/>
           </p:cNvCxnSpPr>
@@ -6569,15 +5828,8 @@
       </p:cxnSp>
       <p:cxnSp>
         <p:nvCxnSpPr>
-          <p:cNvPr id="67" name="直接箭头连接符 66">
-            <a:extLst>
-              <a:ext uri="{FF2B5EF4-FFF2-40B4-BE49-F238E27FC236}">
-                <a16:creationId xmlns:a16="http://schemas.microsoft.com/office/drawing/2014/main" id="{1B8F1A08-D845-443E-9566-136F410E4E2A}"/>
-              </a:ext>
-            </a:extLst>
-          </p:cNvPr>
+          <p:cNvPr id="67" name="直接箭头连接符 66"/>
           <p:cNvCxnSpPr>
-            <a:cxnSpLocks/>
             <a:stCxn id="5" idx="2"/>
             <a:endCxn id="40" idx="5"/>
           </p:cNvCxnSpPr>
@@ -6617,15 +5869,8 @@
       </p:cxnSp>
       <p:cxnSp>
         <p:nvCxnSpPr>
-          <p:cNvPr id="70" name="直接箭头连接符 69">
-            <a:extLst>
-              <a:ext uri="{FF2B5EF4-FFF2-40B4-BE49-F238E27FC236}">
-                <a16:creationId xmlns:a16="http://schemas.microsoft.com/office/drawing/2014/main" id="{B83C7773-4C05-424F-8999-493E3E69B8F0}"/>
-              </a:ext>
-            </a:extLst>
-          </p:cNvPr>
+          <p:cNvPr id="70" name="直接箭头连接符 69"/>
           <p:cNvCxnSpPr>
-            <a:cxnSpLocks/>
             <a:stCxn id="44" idx="2"/>
             <a:endCxn id="49" idx="5"/>
           </p:cNvCxnSpPr>
@@ -6665,16 +5910,8 @@
       </p:cxnSp>
       <p:cxnSp>
         <p:nvCxnSpPr>
-          <p:cNvPr id="79" name="直接箭头连接符 78">
-            <a:extLst>
-              <a:ext uri="{FF2B5EF4-FFF2-40B4-BE49-F238E27FC236}">
-                <a16:creationId xmlns:a16="http://schemas.microsoft.com/office/drawing/2014/main" id="{5A08AFB6-BCAF-4562-8097-D0672AEBC6A6}"/>
-              </a:ext>
-            </a:extLst>
-          </p:cNvPr>
-          <p:cNvCxnSpPr>
-            <a:cxnSpLocks/>
-          </p:cNvCxnSpPr>
+          <p:cNvPr id="79" name="直接箭头连接符 78"/>
+          <p:cNvCxnSpPr/>
           <p:nvPr/>
         </p:nvCxnSpPr>
         <p:spPr>
@@ -6711,15 +5948,8 @@
       </p:cxnSp>
       <p:cxnSp>
         <p:nvCxnSpPr>
-          <p:cNvPr id="82" name="直接箭头连接符 81">
-            <a:extLst>
-              <a:ext uri="{FF2B5EF4-FFF2-40B4-BE49-F238E27FC236}">
-                <a16:creationId xmlns:a16="http://schemas.microsoft.com/office/drawing/2014/main" id="{034C2100-760F-4837-A2CE-921F927142D3}"/>
-              </a:ext>
-            </a:extLst>
-          </p:cNvPr>
+          <p:cNvPr id="82" name="直接箭头连接符 81"/>
           <p:cNvCxnSpPr>
-            <a:cxnSpLocks/>
             <a:stCxn id="40" idx="2"/>
             <a:endCxn id="45" idx="5"/>
           </p:cNvCxnSpPr>
@@ -6759,15 +5989,8 @@
       </p:cxnSp>
       <p:cxnSp>
         <p:nvCxnSpPr>
-          <p:cNvPr id="83" name="直接箭头连接符 82">
-            <a:extLst>
-              <a:ext uri="{FF2B5EF4-FFF2-40B4-BE49-F238E27FC236}">
-                <a16:creationId xmlns:a16="http://schemas.microsoft.com/office/drawing/2014/main" id="{D55DF261-0530-4F5A-AC58-B1AB4ACA58CA}"/>
-              </a:ext>
-            </a:extLst>
-          </p:cNvPr>
+          <p:cNvPr id="83" name="直接箭头连接符 82"/>
           <p:cNvCxnSpPr>
-            <a:cxnSpLocks/>
             <a:stCxn id="42" idx="2"/>
             <a:endCxn id="47" idx="5"/>
           </p:cNvCxnSpPr>
@@ -6807,13 +6030,7 @@
       </p:cxnSp>
       <p:sp>
         <p:nvSpPr>
-          <p:cNvPr id="103" name="文本框 102">
-            <a:extLst>
-              <a:ext uri="{FF2B5EF4-FFF2-40B4-BE49-F238E27FC236}">
-                <a16:creationId xmlns:a16="http://schemas.microsoft.com/office/drawing/2014/main" id="{2EAB2CAC-3B10-4BE8-B10E-B26881340A4B}"/>
-              </a:ext>
-            </a:extLst>
-          </p:cNvPr>
+          <p:cNvPr id="103" name="文本框 102"/>
           <p:cNvSpPr txBox="1"/>
           <p:nvPr/>
         </p:nvSpPr>
@@ -6835,27 +6052,21 @@
           <a:p>
             <a:r>
               <a:rPr lang="en-US" altLang="zh-CN" b="1" dirty="0">
-                <a:latin typeface="Times New Roman" panose="02020603050405020304" pitchFamily="18" charset="0"/>
-                <a:cs typeface="Times New Roman" panose="02020603050405020304" pitchFamily="18" charset="0"/>
+                <a:latin typeface="Times New Roman" panose="02020603050405020304" charset="0"/>
+                <a:cs typeface="Times New Roman" panose="02020603050405020304" charset="0"/>
               </a:rPr>
               <a:t>C5</a:t>
             </a:r>
             <a:endParaRPr lang="zh-CN" altLang="en-US" b="1" dirty="0">
-              <a:latin typeface="Times New Roman" panose="02020603050405020304" pitchFamily="18" charset="0"/>
-              <a:cs typeface="Times New Roman" panose="02020603050405020304" pitchFamily="18" charset="0"/>
+              <a:latin typeface="Times New Roman" panose="02020603050405020304" charset="0"/>
+              <a:cs typeface="Times New Roman" panose="02020603050405020304" charset="0"/>
             </a:endParaRPr>
           </a:p>
         </p:txBody>
       </p:sp>
       <p:sp>
         <p:nvSpPr>
-          <p:cNvPr id="104" name="文本框 103">
-            <a:extLst>
-              <a:ext uri="{FF2B5EF4-FFF2-40B4-BE49-F238E27FC236}">
-                <a16:creationId xmlns:a16="http://schemas.microsoft.com/office/drawing/2014/main" id="{1DE7F44A-FF92-4542-B980-FA7214053897}"/>
-              </a:ext>
-            </a:extLst>
-          </p:cNvPr>
+          <p:cNvPr id="104" name="文本框 103"/>
           <p:cNvSpPr txBox="1"/>
           <p:nvPr/>
         </p:nvSpPr>
@@ -6877,27 +6088,21 @@
           <a:p>
             <a:r>
               <a:rPr lang="en-US" altLang="zh-CN" b="1" dirty="0">
-                <a:latin typeface="Times New Roman" panose="02020603050405020304" pitchFamily="18" charset="0"/>
-                <a:cs typeface="Times New Roman" panose="02020603050405020304" pitchFamily="18" charset="0"/>
+                <a:latin typeface="Times New Roman" panose="02020603050405020304" charset="0"/>
+                <a:cs typeface="Times New Roman" panose="02020603050405020304" charset="0"/>
               </a:rPr>
               <a:t>D5</a:t>
             </a:r>
             <a:endParaRPr lang="zh-CN" altLang="en-US" b="1" dirty="0">
-              <a:latin typeface="Times New Roman" panose="02020603050405020304" pitchFamily="18" charset="0"/>
-              <a:cs typeface="Times New Roman" panose="02020603050405020304" pitchFamily="18" charset="0"/>
+              <a:latin typeface="Times New Roman" panose="02020603050405020304" charset="0"/>
+              <a:cs typeface="Times New Roman" panose="02020603050405020304" charset="0"/>
             </a:endParaRPr>
           </a:p>
         </p:txBody>
       </p:sp>
       <p:sp>
         <p:nvSpPr>
-          <p:cNvPr id="105" name="文本框 104">
-            <a:extLst>
-              <a:ext uri="{FF2B5EF4-FFF2-40B4-BE49-F238E27FC236}">
-                <a16:creationId xmlns:a16="http://schemas.microsoft.com/office/drawing/2014/main" id="{D85895F0-070C-476A-A284-66382DB5CC18}"/>
-              </a:ext>
-            </a:extLst>
-          </p:cNvPr>
+          <p:cNvPr id="105" name="文本框 104"/>
           <p:cNvSpPr txBox="1"/>
           <p:nvPr/>
         </p:nvSpPr>
@@ -6919,27 +6124,21 @@
           <a:p>
             <a:r>
               <a:rPr lang="en-US" altLang="zh-CN" b="1" dirty="0">
-                <a:latin typeface="Times New Roman" panose="02020603050405020304" pitchFamily="18" charset="0"/>
-                <a:cs typeface="Times New Roman" panose="02020603050405020304" pitchFamily="18" charset="0"/>
+                <a:latin typeface="Times New Roman" panose="02020603050405020304" charset="0"/>
+                <a:cs typeface="Times New Roman" panose="02020603050405020304" charset="0"/>
               </a:rPr>
               <a:t>P5</a:t>
             </a:r>
             <a:endParaRPr lang="zh-CN" altLang="en-US" b="1" dirty="0">
-              <a:latin typeface="Times New Roman" panose="02020603050405020304" pitchFamily="18" charset="0"/>
-              <a:cs typeface="Times New Roman" panose="02020603050405020304" pitchFamily="18" charset="0"/>
+              <a:latin typeface="Times New Roman" panose="02020603050405020304" charset="0"/>
+              <a:cs typeface="Times New Roman" panose="02020603050405020304" charset="0"/>
             </a:endParaRPr>
           </a:p>
         </p:txBody>
       </p:sp>
       <p:sp>
         <p:nvSpPr>
-          <p:cNvPr id="112" name="文本框 111">
-            <a:extLst>
-              <a:ext uri="{FF2B5EF4-FFF2-40B4-BE49-F238E27FC236}">
-                <a16:creationId xmlns:a16="http://schemas.microsoft.com/office/drawing/2014/main" id="{8C2C20F8-2977-430C-AAE0-D96C06D1698C}"/>
-              </a:ext>
-            </a:extLst>
-          </p:cNvPr>
+          <p:cNvPr id="112" name="文本框 111"/>
           <p:cNvSpPr txBox="1"/>
           <p:nvPr/>
         </p:nvSpPr>
@@ -6961,27 +6160,21 @@
           <a:p>
             <a:r>
               <a:rPr lang="en-US" altLang="zh-CN" b="1" dirty="0">
-                <a:latin typeface="Times New Roman" panose="02020603050405020304" pitchFamily="18" charset="0"/>
-                <a:cs typeface="Times New Roman" panose="02020603050405020304" pitchFamily="18" charset="0"/>
+                <a:latin typeface="Times New Roman" panose="02020603050405020304" charset="0"/>
+                <a:cs typeface="Times New Roman" panose="02020603050405020304" charset="0"/>
               </a:rPr>
               <a:t>C4</a:t>
             </a:r>
             <a:endParaRPr lang="zh-CN" altLang="en-US" b="1" dirty="0">
-              <a:latin typeface="Times New Roman" panose="02020603050405020304" pitchFamily="18" charset="0"/>
-              <a:cs typeface="Times New Roman" panose="02020603050405020304" pitchFamily="18" charset="0"/>
+              <a:latin typeface="Times New Roman" panose="02020603050405020304" charset="0"/>
+              <a:cs typeface="Times New Roman" panose="02020603050405020304" charset="0"/>
             </a:endParaRPr>
           </a:p>
         </p:txBody>
       </p:sp>
       <p:sp>
         <p:nvSpPr>
-          <p:cNvPr id="113" name="文本框 112">
-            <a:extLst>
-              <a:ext uri="{FF2B5EF4-FFF2-40B4-BE49-F238E27FC236}">
-                <a16:creationId xmlns:a16="http://schemas.microsoft.com/office/drawing/2014/main" id="{3FC652A3-C469-4562-A16F-6BD1C4964292}"/>
-              </a:ext>
-            </a:extLst>
-          </p:cNvPr>
+          <p:cNvPr id="113" name="文本框 112"/>
           <p:cNvSpPr txBox="1"/>
           <p:nvPr/>
         </p:nvSpPr>
@@ -7003,27 +6196,21 @@
           <a:p>
             <a:r>
               <a:rPr lang="en-US" altLang="zh-CN" b="1" dirty="0">
-                <a:latin typeface="Times New Roman" panose="02020603050405020304" pitchFamily="18" charset="0"/>
-                <a:cs typeface="Times New Roman" panose="02020603050405020304" pitchFamily="18" charset="0"/>
+                <a:latin typeface="Times New Roman" panose="02020603050405020304" charset="0"/>
+                <a:cs typeface="Times New Roman" panose="02020603050405020304" charset="0"/>
               </a:rPr>
               <a:t>D4</a:t>
             </a:r>
             <a:endParaRPr lang="zh-CN" altLang="en-US" b="1" dirty="0">
-              <a:latin typeface="Times New Roman" panose="02020603050405020304" pitchFamily="18" charset="0"/>
-              <a:cs typeface="Times New Roman" panose="02020603050405020304" pitchFamily="18" charset="0"/>
+              <a:latin typeface="Times New Roman" panose="02020603050405020304" charset="0"/>
+              <a:cs typeface="Times New Roman" panose="02020603050405020304" charset="0"/>
             </a:endParaRPr>
           </a:p>
         </p:txBody>
       </p:sp>
       <p:sp>
         <p:nvSpPr>
-          <p:cNvPr id="114" name="文本框 113">
-            <a:extLst>
-              <a:ext uri="{FF2B5EF4-FFF2-40B4-BE49-F238E27FC236}">
-                <a16:creationId xmlns:a16="http://schemas.microsoft.com/office/drawing/2014/main" id="{743FFCE9-BF7A-49E3-B549-D9412D241A68}"/>
-              </a:ext>
-            </a:extLst>
-          </p:cNvPr>
+          <p:cNvPr id="114" name="文本框 113"/>
           <p:cNvSpPr txBox="1"/>
           <p:nvPr/>
         </p:nvSpPr>
@@ -7045,27 +6232,21 @@
           <a:p>
             <a:r>
               <a:rPr lang="en-US" altLang="zh-CN" b="1" dirty="0">
-                <a:latin typeface="Times New Roman" panose="02020603050405020304" pitchFamily="18" charset="0"/>
-                <a:cs typeface="Times New Roman" panose="02020603050405020304" pitchFamily="18" charset="0"/>
+                <a:latin typeface="Times New Roman" panose="02020603050405020304" charset="0"/>
+                <a:cs typeface="Times New Roman" panose="02020603050405020304" charset="0"/>
               </a:rPr>
               <a:t>P4</a:t>
             </a:r>
             <a:endParaRPr lang="zh-CN" altLang="en-US" b="1" dirty="0">
-              <a:latin typeface="Times New Roman" panose="02020603050405020304" pitchFamily="18" charset="0"/>
-              <a:cs typeface="Times New Roman" panose="02020603050405020304" pitchFamily="18" charset="0"/>
+              <a:latin typeface="Times New Roman" panose="02020603050405020304" charset="0"/>
+              <a:cs typeface="Times New Roman" panose="02020603050405020304" charset="0"/>
             </a:endParaRPr>
           </a:p>
         </p:txBody>
       </p:sp>
       <p:sp>
         <p:nvSpPr>
-          <p:cNvPr id="115" name="文本框 114">
-            <a:extLst>
-              <a:ext uri="{FF2B5EF4-FFF2-40B4-BE49-F238E27FC236}">
-                <a16:creationId xmlns:a16="http://schemas.microsoft.com/office/drawing/2014/main" id="{36B87D68-9FAA-4D10-B267-88E154B61BD5}"/>
-              </a:ext>
-            </a:extLst>
-          </p:cNvPr>
+          <p:cNvPr id="115" name="文本框 114"/>
           <p:cNvSpPr txBox="1"/>
           <p:nvPr/>
         </p:nvSpPr>
@@ -7087,27 +6268,21 @@
           <a:p>
             <a:r>
               <a:rPr lang="en-US" altLang="zh-CN" b="1" dirty="0">
-                <a:latin typeface="Times New Roman" panose="02020603050405020304" pitchFamily="18" charset="0"/>
-                <a:cs typeface="Times New Roman" panose="02020603050405020304" pitchFamily="18" charset="0"/>
+                <a:latin typeface="Times New Roman" panose="02020603050405020304" charset="0"/>
+                <a:cs typeface="Times New Roman" panose="02020603050405020304" charset="0"/>
               </a:rPr>
               <a:t>C3</a:t>
             </a:r>
             <a:endParaRPr lang="zh-CN" altLang="en-US" b="1" dirty="0">
-              <a:latin typeface="Times New Roman" panose="02020603050405020304" pitchFamily="18" charset="0"/>
-              <a:cs typeface="Times New Roman" panose="02020603050405020304" pitchFamily="18" charset="0"/>
+              <a:latin typeface="Times New Roman" panose="02020603050405020304" charset="0"/>
+              <a:cs typeface="Times New Roman" panose="02020603050405020304" charset="0"/>
             </a:endParaRPr>
           </a:p>
         </p:txBody>
       </p:sp>
       <p:sp>
         <p:nvSpPr>
-          <p:cNvPr id="116" name="文本框 115">
-            <a:extLst>
-              <a:ext uri="{FF2B5EF4-FFF2-40B4-BE49-F238E27FC236}">
-                <a16:creationId xmlns:a16="http://schemas.microsoft.com/office/drawing/2014/main" id="{5016956E-7361-4F42-9099-634D07D62821}"/>
-              </a:ext>
-            </a:extLst>
-          </p:cNvPr>
+          <p:cNvPr id="116" name="文本框 115"/>
           <p:cNvSpPr txBox="1"/>
           <p:nvPr/>
         </p:nvSpPr>
@@ -7129,27 +6304,21 @@
           <a:p>
             <a:r>
               <a:rPr lang="en-US" altLang="zh-CN" b="1" dirty="0">
-                <a:latin typeface="Times New Roman" panose="02020603050405020304" pitchFamily="18" charset="0"/>
-                <a:cs typeface="Times New Roman" panose="02020603050405020304" pitchFamily="18" charset="0"/>
+                <a:latin typeface="Times New Roman" panose="02020603050405020304" charset="0"/>
+                <a:cs typeface="Times New Roman" panose="02020603050405020304" charset="0"/>
               </a:rPr>
               <a:t>D3</a:t>
             </a:r>
             <a:endParaRPr lang="zh-CN" altLang="en-US" b="1" dirty="0">
-              <a:latin typeface="Times New Roman" panose="02020603050405020304" pitchFamily="18" charset="0"/>
-              <a:cs typeface="Times New Roman" panose="02020603050405020304" pitchFamily="18" charset="0"/>
+              <a:latin typeface="Times New Roman" panose="02020603050405020304" charset="0"/>
+              <a:cs typeface="Times New Roman" panose="02020603050405020304" charset="0"/>
             </a:endParaRPr>
           </a:p>
         </p:txBody>
       </p:sp>
       <p:sp>
         <p:nvSpPr>
-          <p:cNvPr id="117" name="文本框 116">
-            <a:extLst>
-              <a:ext uri="{FF2B5EF4-FFF2-40B4-BE49-F238E27FC236}">
-                <a16:creationId xmlns:a16="http://schemas.microsoft.com/office/drawing/2014/main" id="{6651654B-7E27-4FD5-B81E-1BB2CD1CE709}"/>
-              </a:ext>
-            </a:extLst>
-          </p:cNvPr>
+          <p:cNvPr id="117" name="文本框 116"/>
           <p:cNvSpPr txBox="1"/>
           <p:nvPr/>
         </p:nvSpPr>
@@ -7171,27 +6340,21 @@
           <a:p>
             <a:r>
               <a:rPr lang="en-US" altLang="zh-CN" b="1" dirty="0">
-                <a:latin typeface="Times New Roman" panose="02020603050405020304" pitchFamily="18" charset="0"/>
-                <a:cs typeface="Times New Roman" panose="02020603050405020304" pitchFamily="18" charset="0"/>
+                <a:latin typeface="Times New Roman" panose="02020603050405020304" charset="0"/>
+                <a:cs typeface="Times New Roman" panose="02020603050405020304" charset="0"/>
               </a:rPr>
               <a:t>P3</a:t>
             </a:r>
             <a:endParaRPr lang="zh-CN" altLang="en-US" b="1" dirty="0">
-              <a:latin typeface="Times New Roman" panose="02020603050405020304" pitchFamily="18" charset="0"/>
-              <a:cs typeface="Times New Roman" panose="02020603050405020304" pitchFamily="18" charset="0"/>
+              <a:latin typeface="Times New Roman" panose="02020603050405020304" charset="0"/>
+              <a:cs typeface="Times New Roman" panose="02020603050405020304" charset="0"/>
             </a:endParaRPr>
           </a:p>
         </p:txBody>
       </p:sp>
       <p:sp>
         <p:nvSpPr>
-          <p:cNvPr id="118" name="文本框 117">
-            <a:extLst>
-              <a:ext uri="{FF2B5EF4-FFF2-40B4-BE49-F238E27FC236}">
-                <a16:creationId xmlns:a16="http://schemas.microsoft.com/office/drawing/2014/main" id="{031E3B42-76E8-4D67-B4E4-6247322A7466}"/>
-              </a:ext>
-            </a:extLst>
-          </p:cNvPr>
+          <p:cNvPr id="118" name="文本框 117"/>
           <p:cNvSpPr txBox="1"/>
           <p:nvPr/>
         </p:nvSpPr>
@@ -7213,27 +6376,21 @@
           <a:p>
             <a:r>
               <a:rPr lang="en-US" altLang="zh-CN" b="1" dirty="0">
-                <a:latin typeface="Times New Roman" panose="02020603050405020304" pitchFamily="18" charset="0"/>
-                <a:cs typeface="Times New Roman" panose="02020603050405020304" pitchFamily="18" charset="0"/>
+                <a:latin typeface="Times New Roman" panose="02020603050405020304" charset="0"/>
+                <a:cs typeface="Times New Roman" panose="02020603050405020304" charset="0"/>
               </a:rPr>
               <a:t>P6</a:t>
             </a:r>
             <a:endParaRPr lang="zh-CN" altLang="en-US" b="1" dirty="0">
-              <a:latin typeface="Times New Roman" panose="02020603050405020304" pitchFamily="18" charset="0"/>
-              <a:cs typeface="Times New Roman" panose="02020603050405020304" pitchFamily="18" charset="0"/>
+              <a:latin typeface="Times New Roman" panose="02020603050405020304" charset="0"/>
+              <a:cs typeface="Times New Roman" panose="02020603050405020304" charset="0"/>
             </a:endParaRPr>
           </a:p>
         </p:txBody>
       </p:sp>
       <p:sp>
         <p:nvSpPr>
-          <p:cNvPr id="119" name="文本框 118">
-            <a:extLst>
-              <a:ext uri="{FF2B5EF4-FFF2-40B4-BE49-F238E27FC236}">
-                <a16:creationId xmlns:a16="http://schemas.microsoft.com/office/drawing/2014/main" id="{F937A691-2956-411A-8575-831D79831BA9}"/>
-              </a:ext>
-            </a:extLst>
-          </p:cNvPr>
+          <p:cNvPr id="119" name="文本框 118"/>
           <p:cNvSpPr txBox="1"/>
           <p:nvPr/>
         </p:nvSpPr>
@@ -7255,27 +6412,21 @@
           <a:p>
             <a:r>
               <a:rPr lang="en-US" altLang="zh-CN" b="1" dirty="0">
-                <a:latin typeface="Times New Roman" panose="02020603050405020304" pitchFamily="18" charset="0"/>
-                <a:cs typeface="Times New Roman" panose="02020603050405020304" pitchFamily="18" charset="0"/>
+                <a:latin typeface="Times New Roman" panose="02020603050405020304" charset="0"/>
+                <a:cs typeface="Times New Roman" panose="02020603050405020304" charset="0"/>
               </a:rPr>
               <a:t>P7</a:t>
             </a:r>
             <a:endParaRPr lang="zh-CN" altLang="en-US" b="1" dirty="0">
-              <a:latin typeface="Times New Roman" panose="02020603050405020304" pitchFamily="18" charset="0"/>
-              <a:cs typeface="Times New Roman" panose="02020603050405020304" pitchFamily="18" charset="0"/>
+              <a:latin typeface="Times New Roman" panose="02020603050405020304" charset="0"/>
+              <a:cs typeface="Times New Roman" panose="02020603050405020304" charset="0"/>
             </a:endParaRPr>
           </a:p>
         </p:txBody>
       </p:sp>
       <p:sp>
         <p:nvSpPr>
-          <p:cNvPr id="120" name="文本框 119">
-            <a:extLst>
-              <a:ext uri="{FF2B5EF4-FFF2-40B4-BE49-F238E27FC236}">
-                <a16:creationId xmlns:a16="http://schemas.microsoft.com/office/drawing/2014/main" id="{3F27937E-4794-43BC-BA05-28E42E0ED664}"/>
-              </a:ext>
-            </a:extLst>
-          </p:cNvPr>
+          <p:cNvPr id="120" name="文本框 119"/>
           <p:cNvSpPr txBox="1"/>
           <p:nvPr/>
         </p:nvSpPr>
@@ -7297,27 +6448,21 @@
           <a:p>
             <a:r>
               <a:rPr lang="en-US" altLang="zh-CN" b="1" dirty="0">
-                <a:latin typeface="Times New Roman" panose="02020603050405020304" pitchFamily="18" charset="0"/>
-                <a:cs typeface="Times New Roman" panose="02020603050405020304" pitchFamily="18" charset="0"/>
+                <a:latin typeface="Times New Roman" panose="02020603050405020304" charset="0"/>
+                <a:cs typeface="Times New Roman" panose="02020603050405020304" charset="0"/>
               </a:rPr>
               <a:t>H/32×W/32×2048</a:t>
             </a:r>
             <a:endParaRPr lang="zh-CN" altLang="en-US" b="1" dirty="0">
-              <a:latin typeface="Times New Roman" panose="02020603050405020304" pitchFamily="18" charset="0"/>
-              <a:cs typeface="Times New Roman" panose="02020603050405020304" pitchFamily="18" charset="0"/>
+              <a:latin typeface="Times New Roman" panose="02020603050405020304" charset="0"/>
+              <a:cs typeface="Times New Roman" panose="02020603050405020304" charset="0"/>
             </a:endParaRPr>
           </a:p>
         </p:txBody>
       </p:sp>
       <p:sp>
         <p:nvSpPr>
-          <p:cNvPr id="122" name="文本框 121">
-            <a:extLst>
-              <a:ext uri="{FF2B5EF4-FFF2-40B4-BE49-F238E27FC236}">
-                <a16:creationId xmlns:a16="http://schemas.microsoft.com/office/drawing/2014/main" id="{E46E3A13-9B5F-45C3-93DF-1BCBBD6FAFA2}"/>
-              </a:ext>
-            </a:extLst>
-          </p:cNvPr>
+          <p:cNvPr id="122" name="文本框 121"/>
           <p:cNvSpPr txBox="1"/>
           <p:nvPr/>
         </p:nvSpPr>
@@ -7339,27 +6484,21 @@
           <a:p>
             <a:r>
               <a:rPr lang="en-US" altLang="zh-CN" b="1" dirty="0">
-                <a:latin typeface="Times New Roman" panose="02020603050405020304" pitchFamily="18" charset="0"/>
-                <a:cs typeface="Times New Roman" panose="02020603050405020304" pitchFamily="18" charset="0"/>
+                <a:latin typeface="Times New Roman" panose="02020603050405020304" charset="0"/>
+                <a:cs typeface="Times New Roman" panose="02020603050405020304" charset="0"/>
               </a:rPr>
               <a:t>H/16×W/16×1024</a:t>
             </a:r>
             <a:endParaRPr lang="zh-CN" altLang="en-US" b="1" dirty="0">
-              <a:latin typeface="Times New Roman" panose="02020603050405020304" pitchFamily="18" charset="0"/>
-              <a:cs typeface="Times New Roman" panose="02020603050405020304" pitchFamily="18" charset="0"/>
+              <a:latin typeface="Times New Roman" panose="02020603050405020304" charset="0"/>
+              <a:cs typeface="Times New Roman" panose="02020603050405020304" charset="0"/>
             </a:endParaRPr>
           </a:p>
         </p:txBody>
       </p:sp>
       <p:sp>
         <p:nvSpPr>
-          <p:cNvPr id="123" name="矩形 122">
-            <a:extLst>
-              <a:ext uri="{FF2B5EF4-FFF2-40B4-BE49-F238E27FC236}">
-                <a16:creationId xmlns:a16="http://schemas.microsoft.com/office/drawing/2014/main" id="{CB887471-BCA9-45DB-B84A-16566776B137}"/>
-              </a:ext>
-            </a:extLst>
-          </p:cNvPr>
+          <p:cNvPr id="123" name="矩形 122"/>
           <p:cNvSpPr/>
           <p:nvPr/>
         </p:nvSpPr>
@@ -7393,13 +6532,7 @@
       </p:sp>
       <p:sp>
         <p:nvSpPr>
-          <p:cNvPr id="124" name="文本框 123">
-            <a:extLst>
-              <a:ext uri="{FF2B5EF4-FFF2-40B4-BE49-F238E27FC236}">
-                <a16:creationId xmlns:a16="http://schemas.microsoft.com/office/drawing/2014/main" id="{765E8CE0-CC8A-4EB8-A5C8-D4321B8D8288}"/>
-              </a:ext>
-            </a:extLst>
-          </p:cNvPr>
+          <p:cNvPr id="124" name="文本框 123"/>
           <p:cNvSpPr txBox="1"/>
           <p:nvPr/>
         </p:nvSpPr>
@@ -7421,27 +6554,21 @@
           <a:p>
             <a:r>
               <a:rPr lang="en-US" altLang="zh-CN" b="1" dirty="0">
-                <a:latin typeface="Times New Roman" panose="02020603050405020304" pitchFamily="18" charset="0"/>
-                <a:cs typeface="Times New Roman" panose="02020603050405020304" pitchFamily="18" charset="0"/>
+                <a:latin typeface="Times New Roman" panose="02020603050405020304" charset="0"/>
+                <a:cs typeface="Times New Roman" panose="02020603050405020304" charset="0"/>
               </a:rPr>
               <a:t>H/8×W/8×512</a:t>
             </a:r>
             <a:endParaRPr lang="zh-CN" altLang="en-US" b="1" dirty="0">
-              <a:latin typeface="Times New Roman" panose="02020603050405020304" pitchFamily="18" charset="0"/>
-              <a:cs typeface="Times New Roman" panose="02020603050405020304" pitchFamily="18" charset="0"/>
+              <a:latin typeface="Times New Roman" panose="02020603050405020304" charset="0"/>
+              <a:cs typeface="Times New Roman" panose="02020603050405020304" charset="0"/>
             </a:endParaRPr>
           </a:p>
         </p:txBody>
       </p:sp>
       <p:sp>
         <p:nvSpPr>
-          <p:cNvPr id="128" name="文本框 127">
-            <a:extLst>
-              <a:ext uri="{FF2B5EF4-FFF2-40B4-BE49-F238E27FC236}">
-                <a16:creationId xmlns:a16="http://schemas.microsoft.com/office/drawing/2014/main" id="{1D6EA116-265B-4CBA-9D27-E759DEC7A36A}"/>
-              </a:ext>
-            </a:extLst>
-          </p:cNvPr>
+          <p:cNvPr id="128" name="文本框 127"/>
           <p:cNvSpPr txBox="1"/>
           <p:nvPr/>
         </p:nvSpPr>
@@ -7463,27 +6590,21 @@
           <a:p>
             <a:r>
               <a:rPr lang="en-US" altLang="zh-CN" b="1" dirty="0">
-                <a:latin typeface="Times New Roman" panose="02020603050405020304" pitchFamily="18" charset="0"/>
-                <a:cs typeface="Times New Roman" panose="02020603050405020304" pitchFamily="18" charset="0"/>
+                <a:latin typeface="Times New Roman" panose="02020603050405020304" charset="0"/>
+                <a:cs typeface="Times New Roman" panose="02020603050405020304" charset="0"/>
               </a:rPr>
               <a:t>H/8×W/8×256</a:t>
             </a:r>
             <a:endParaRPr lang="zh-CN" altLang="en-US" b="1" dirty="0">
-              <a:latin typeface="Times New Roman" panose="02020603050405020304" pitchFamily="18" charset="0"/>
-              <a:cs typeface="Times New Roman" panose="02020603050405020304" pitchFamily="18" charset="0"/>
+              <a:latin typeface="Times New Roman" panose="02020603050405020304" charset="0"/>
+              <a:cs typeface="Times New Roman" panose="02020603050405020304" charset="0"/>
             </a:endParaRPr>
           </a:p>
         </p:txBody>
       </p:sp>
       <p:sp>
         <p:nvSpPr>
-          <p:cNvPr id="129" name="文本框 128">
-            <a:extLst>
-              <a:ext uri="{FF2B5EF4-FFF2-40B4-BE49-F238E27FC236}">
-                <a16:creationId xmlns:a16="http://schemas.microsoft.com/office/drawing/2014/main" id="{1AEA989C-A7FE-4E99-81BC-2DDB2F2FCEA8}"/>
-              </a:ext>
-            </a:extLst>
-          </p:cNvPr>
+          <p:cNvPr id="129" name="文本框 128"/>
           <p:cNvSpPr txBox="1"/>
           <p:nvPr/>
         </p:nvSpPr>
@@ -7505,27 +6626,21 @@
           <a:p>
             <a:r>
               <a:rPr lang="en-US" altLang="zh-CN" b="1" dirty="0">
-                <a:latin typeface="Times New Roman" panose="02020603050405020304" pitchFamily="18" charset="0"/>
-                <a:cs typeface="Times New Roman" panose="02020603050405020304" pitchFamily="18" charset="0"/>
+                <a:latin typeface="Times New Roman" panose="02020603050405020304" charset="0"/>
+                <a:cs typeface="Times New Roman" panose="02020603050405020304" charset="0"/>
               </a:rPr>
               <a:t>H/8×W/8×256</a:t>
             </a:r>
             <a:endParaRPr lang="zh-CN" altLang="en-US" b="1" dirty="0">
-              <a:latin typeface="Times New Roman" panose="02020603050405020304" pitchFamily="18" charset="0"/>
-              <a:cs typeface="Times New Roman" panose="02020603050405020304" pitchFamily="18" charset="0"/>
+              <a:latin typeface="Times New Roman" panose="02020603050405020304" charset="0"/>
+              <a:cs typeface="Times New Roman" panose="02020603050405020304" charset="0"/>
             </a:endParaRPr>
           </a:p>
         </p:txBody>
       </p:sp>
       <p:sp>
         <p:nvSpPr>
-          <p:cNvPr id="134" name="文本框 133">
-            <a:extLst>
-              <a:ext uri="{FF2B5EF4-FFF2-40B4-BE49-F238E27FC236}">
-                <a16:creationId xmlns:a16="http://schemas.microsoft.com/office/drawing/2014/main" id="{F0F18C5C-73B1-4604-BFD6-0158C807B81E}"/>
-              </a:ext>
-            </a:extLst>
-          </p:cNvPr>
+          <p:cNvPr id="134" name="文本框 133"/>
           <p:cNvSpPr txBox="1"/>
           <p:nvPr/>
         </p:nvSpPr>
@@ -7547,30 +6662,22 @@
           <a:p>
             <a:r>
               <a:rPr lang="en-US" altLang="zh-CN" b="1" dirty="0">
-                <a:latin typeface="Times New Roman" panose="02020603050405020304" pitchFamily="18" charset="0"/>
-                <a:cs typeface="Times New Roman" panose="02020603050405020304" pitchFamily="18" charset="0"/>
+                <a:latin typeface="Times New Roman" panose="02020603050405020304" charset="0"/>
+                <a:cs typeface="Times New Roman" panose="02020603050405020304" charset="0"/>
               </a:rPr>
               <a:t>H/64×W/64×256</a:t>
             </a:r>
             <a:endParaRPr lang="zh-CN" altLang="en-US" b="1" dirty="0">
-              <a:latin typeface="Times New Roman" panose="02020603050405020304" pitchFamily="18" charset="0"/>
-              <a:cs typeface="Times New Roman" panose="02020603050405020304" pitchFamily="18" charset="0"/>
+              <a:latin typeface="Times New Roman" panose="02020603050405020304" charset="0"/>
+              <a:cs typeface="Times New Roman" panose="02020603050405020304" charset="0"/>
             </a:endParaRPr>
           </a:p>
         </p:txBody>
       </p:sp>
       <p:cxnSp>
         <p:nvCxnSpPr>
-          <p:cNvPr id="140" name="直接箭头连接符 139">
-            <a:extLst>
-              <a:ext uri="{FF2B5EF4-FFF2-40B4-BE49-F238E27FC236}">
-                <a16:creationId xmlns:a16="http://schemas.microsoft.com/office/drawing/2014/main" id="{5C6661FA-1D98-4CEB-9B9F-D1C1B7004B29}"/>
-              </a:ext>
-            </a:extLst>
-          </p:cNvPr>
-          <p:cNvCxnSpPr>
-            <a:cxnSpLocks/>
-          </p:cNvCxnSpPr>
+          <p:cNvPr id="140" name="直接箭头连接符 139"/>
+          <p:cNvCxnSpPr/>
           <p:nvPr/>
         </p:nvCxnSpPr>
         <p:spPr>
@@ -7607,13 +6714,7 @@
       </p:cxnSp>
       <p:sp>
         <p:nvSpPr>
-          <p:cNvPr id="141" name="文本框 140">
-            <a:extLst>
-              <a:ext uri="{FF2B5EF4-FFF2-40B4-BE49-F238E27FC236}">
-                <a16:creationId xmlns:a16="http://schemas.microsoft.com/office/drawing/2014/main" id="{E4970E96-7612-4CB6-B0BB-CE1541F7C39D}"/>
-              </a:ext>
-            </a:extLst>
-          </p:cNvPr>
+          <p:cNvPr id="141" name="文本框 140"/>
           <p:cNvSpPr txBox="1"/>
           <p:nvPr/>
         </p:nvSpPr>
@@ -7635,27 +6736,21 @@
           <a:p>
             <a:r>
               <a:rPr lang="en-US" altLang="zh-CN" b="1" dirty="0">
-                <a:latin typeface="Times New Roman" panose="02020603050405020304" pitchFamily="18" charset="0"/>
-                <a:cs typeface="Times New Roman" panose="02020603050405020304" pitchFamily="18" charset="0"/>
+                <a:latin typeface="Times New Roman" panose="02020603050405020304" charset="0"/>
+                <a:cs typeface="Times New Roman" panose="02020603050405020304" charset="0"/>
               </a:rPr>
               <a:t>H/128×W/128×256</a:t>
             </a:r>
             <a:endParaRPr lang="zh-CN" altLang="en-US" b="1" dirty="0">
-              <a:latin typeface="Times New Roman" panose="02020603050405020304" pitchFamily="18" charset="0"/>
-              <a:cs typeface="Times New Roman" panose="02020603050405020304" pitchFamily="18" charset="0"/>
+              <a:latin typeface="Times New Roman" panose="02020603050405020304" charset="0"/>
+              <a:cs typeface="Times New Roman" panose="02020603050405020304" charset="0"/>
             </a:endParaRPr>
           </a:p>
         </p:txBody>
       </p:sp>
       <p:sp>
         <p:nvSpPr>
-          <p:cNvPr id="150" name="文本框 149">
-            <a:extLst>
-              <a:ext uri="{FF2B5EF4-FFF2-40B4-BE49-F238E27FC236}">
-                <a16:creationId xmlns:a16="http://schemas.microsoft.com/office/drawing/2014/main" id="{85941077-4610-445F-943B-F71BEEEA73EE}"/>
-              </a:ext>
-            </a:extLst>
-          </p:cNvPr>
+          <p:cNvPr id="150" name="文本框 149"/>
           <p:cNvSpPr txBox="1"/>
           <p:nvPr/>
         </p:nvSpPr>
@@ -7677,27 +6772,21 @@
           <a:p>
             <a:r>
               <a:rPr lang="en-US" altLang="zh-CN" b="1" dirty="0">
-                <a:latin typeface="Times New Roman" panose="02020603050405020304" pitchFamily="18" charset="0"/>
-                <a:cs typeface="Times New Roman" panose="02020603050405020304" pitchFamily="18" charset="0"/>
+                <a:latin typeface="Times New Roman" panose="02020603050405020304" charset="0"/>
+                <a:cs typeface="Times New Roman" panose="02020603050405020304" charset="0"/>
               </a:rPr>
               <a:t>H/32×W/32×256</a:t>
             </a:r>
             <a:endParaRPr lang="zh-CN" altLang="en-US" b="1" dirty="0">
-              <a:latin typeface="Times New Roman" panose="02020603050405020304" pitchFamily="18" charset="0"/>
-              <a:cs typeface="Times New Roman" panose="02020603050405020304" pitchFamily="18" charset="0"/>
+              <a:latin typeface="Times New Roman" panose="02020603050405020304" charset="0"/>
+              <a:cs typeface="Times New Roman" panose="02020603050405020304" charset="0"/>
             </a:endParaRPr>
           </a:p>
         </p:txBody>
       </p:sp>
       <p:sp>
         <p:nvSpPr>
-          <p:cNvPr id="151" name="文本框 150">
-            <a:extLst>
-              <a:ext uri="{FF2B5EF4-FFF2-40B4-BE49-F238E27FC236}">
-                <a16:creationId xmlns:a16="http://schemas.microsoft.com/office/drawing/2014/main" id="{A08EB700-0964-420D-827C-311FC46FAABE}"/>
-              </a:ext>
-            </a:extLst>
-          </p:cNvPr>
+          <p:cNvPr id="151" name="文本框 150"/>
           <p:cNvSpPr txBox="1"/>
           <p:nvPr/>
         </p:nvSpPr>
@@ -7719,27 +6808,21 @@
           <a:p>
             <a:r>
               <a:rPr lang="en-US" altLang="zh-CN" b="1" dirty="0">
-                <a:latin typeface="Times New Roman" panose="02020603050405020304" pitchFamily="18" charset="0"/>
-                <a:cs typeface="Times New Roman" panose="02020603050405020304" pitchFamily="18" charset="0"/>
+                <a:latin typeface="Times New Roman" panose="02020603050405020304" charset="0"/>
+                <a:cs typeface="Times New Roman" panose="02020603050405020304" charset="0"/>
               </a:rPr>
               <a:t>H/16×W/16×256</a:t>
             </a:r>
             <a:endParaRPr lang="zh-CN" altLang="en-US" b="1" dirty="0">
-              <a:latin typeface="Times New Roman" panose="02020603050405020304" pitchFamily="18" charset="0"/>
-              <a:cs typeface="Times New Roman" panose="02020603050405020304" pitchFamily="18" charset="0"/>
+              <a:latin typeface="Times New Roman" panose="02020603050405020304" charset="0"/>
+              <a:cs typeface="Times New Roman" panose="02020603050405020304" charset="0"/>
             </a:endParaRPr>
           </a:p>
         </p:txBody>
       </p:sp>
       <p:sp>
         <p:nvSpPr>
-          <p:cNvPr id="152" name="文本框 151">
-            <a:extLst>
-              <a:ext uri="{FF2B5EF4-FFF2-40B4-BE49-F238E27FC236}">
-                <a16:creationId xmlns:a16="http://schemas.microsoft.com/office/drawing/2014/main" id="{BEF2AF74-9254-4131-9665-77C7EAB62ED2}"/>
-              </a:ext>
-            </a:extLst>
-          </p:cNvPr>
+          <p:cNvPr id="152" name="文本框 151"/>
           <p:cNvSpPr txBox="1"/>
           <p:nvPr/>
         </p:nvSpPr>
@@ -7761,27 +6844,21 @@
           <a:p>
             <a:r>
               <a:rPr lang="en-US" altLang="zh-CN" b="1" dirty="0">
-                <a:latin typeface="Times New Roman" panose="02020603050405020304" pitchFamily="18" charset="0"/>
-                <a:cs typeface="Times New Roman" panose="02020603050405020304" pitchFamily="18" charset="0"/>
+                <a:latin typeface="Times New Roman" panose="02020603050405020304" charset="0"/>
+                <a:cs typeface="Times New Roman" panose="02020603050405020304" charset="0"/>
               </a:rPr>
               <a:t>H/32×W/32×256</a:t>
             </a:r>
             <a:endParaRPr lang="zh-CN" altLang="en-US" b="1" dirty="0">
-              <a:latin typeface="Times New Roman" panose="02020603050405020304" pitchFamily="18" charset="0"/>
-              <a:cs typeface="Times New Roman" panose="02020603050405020304" pitchFamily="18" charset="0"/>
+              <a:latin typeface="Times New Roman" panose="02020603050405020304" charset="0"/>
+              <a:cs typeface="Times New Roman" panose="02020603050405020304" charset="0"/>
             </a:endParaRPr>
           </a:p>
         </p:txBody>
       </p:sp>
       <p:sp>
         <p:nvSpPr>
-          <p:cNvPr id="153" name="文本框 152">
-            <a:extLst>
-              <a:ext uri="{FF2B5EF4-FFF2-40B4-BE49-F238E27FC236}">
-                <a16:creationId xmlns:a16="http://schemas.microsoft.com/office/drawing/2014/main" id="{F90464F2-6785-421F-95B7-E1D68106F0CC}"/>
-              </a:ext>
-            </a:extLst>
-          </p:cNvPr>
+          <p:cNvPr id="153" name="文本框 152"/>
           <p:cNvSpPr txBox="1"/>
           <p:nvPr/>
         </p:nvSpPr>
@@ -7803,27 +6880,21 @@
           <a:p>
             <a:r>
               <a:rPr lang="en-US" altLang="zh-CN" b="1" dirty="0">
-                <a:latin typeface="Times New Roman" panose="02020603050405020304" pitchFamily="18" charset="0"/>
-                <a:cs typeface="Times New Roman" panose="02020603050405020304" pitchFamily="18" charset="0"/>
+                <a:latin typeface="Times New Roman" panose="02020603050405020304" charset="0"/>
+                <a:cs typeface="Times New Roman" panose="02020603050405020304" charset="0"/>
               </a:rPr>
               <a:t>H/16×W/16×256</a:t>
             </a:r>
             <a:endParaRPr lang="zh-CN" altLang="en-US" b="1" dirty="0">
-              <a:latin typeface="Times New Roman" panose="02020603050405020304" pitchFamily="18" charset="0"/>
-              <a:cs typeface="Times New Roman" panose="02020603050405020304" pitchFamily="18" charset="0"/>
+              <a:latin typeface="Times New Roman" panose="02020603050405020304" charset="0"/>
+              <a:cs typeface="Times New Roman" panose="02020603050405020304" charset="0"/>
             </a:endParaRPr>
           </a:p>
         </p:txBody>
       </p:sp>
       <p:sp>
         <p:nvSpPr>
-          <p:cNvPr id="154" name="文本框 153">
-            <a:extLst>
-              <a:ext uri="{FF2B5EF4-FFF2-40B4-BE49-F238E27FC236}">
-                <a16:creationId xmlns:a16="http://schemas.microsoft.com/office/drawing/2014/main" id="{1CD14F3E-2A79-4417-B7F8-F3A5EA40D39D}"/>
-              </a:ext>
-            </a:extLst>
-          </p:cNvPr>
+          <p:cNvPr id="154" name="文本框 153"/>
           <p:cNvSpPr txBox="1"/>
           <p:nvPr/>
         </p:nvSpPr>
@@ -7845,27 +6916,21 @@
           <a:p>
             <a:r>
               <a:rPr lang="en-US" altLang="zh-CN" sz="2400" b="1" dirty="0">
-                <a:latin typeface="Times New Roman" panose="02020603050405020304" pitchFamily="18" charset="0"/>
-                <a:cs typeface="Times New Roman" panose="02020603050405020304" pitchFamily="18" charset="0"/>
+                <a:latin typeface="Times New Roman" panose="02020603050405020304" charset="0"/>
+                <a:cs typeface="Times New Roman" panose="02020603050405020304" charset="0"/>
               </a:rPr>
               <a:t>1×1</a:t>
             </a:r>
             <a:endParaRPr lang="zh-CN" altLang="en-US" sz="2400" b="1" dirty="0">
-              <a:latin typeface="Times New Roman" panose="02020603050405020304" pitchFamily="18" charset="0"/>
-              <a:cs typeface="Times New Roman" panose="02020603050405020304" pitchFamily="18" charset="0"/>
+              <a:latin typeface="Times New Roman" panose="02020603050405020304" charset="0"/>
+              <a:cs typeface="Times New Roman" panose="02020603050405020304" charset="0"/>
             </a:endParaRPr>
           </a:p>
         </p:txBody>
       </p:sp>
       <p:sp>
         <p:nvSpPr>
-          <p:cNvPr id="155" name="文本框 154">
-            <a:extLst>
-              <a:ext uri="{FF2B5EF4-FFF2-40B4-BE49-F238E27FC236}">
-                <a16:creationId xmlns:a16="http://schemas.microsoft.com/office/drawing/2014/main" id="{D5BEE796-000F-484E-85F4-675EBD4E8B33}"/>
-              </a:ext>
-            </a:extLst>
-          </p:cNvPr>
+          <p:cNvPr id="155" name="文本框 154"/>
           <p:cNvSpPr txBox="1"/>
           <p:nvPr/>
         </p:nvSpPr>
@@ -7887,27 +6952,21 @@
           <a:p>
             <a:r>
               <a:rPr lang="en-US" altLang="zh-CN" sz="2400" b="1" dirty="0">
-                <a:latin typeface="Times New Roman" panose="02020603050405020304" pitchFamily="18" charset="0"/>
-                <a:cs typeface="Times New Roman" panose="02020603050405020304" pitchFamily="18" charset="0"/>
+                <a:latin typeface="Times New Roman" panose="02020603050405020304" charset="0"/>
+                <a:cs typeface="Times New Roman" panose="02020603050405020304" charset="0"/>
               </a:rPr>
               <a:t>1×1</a:t>
             </a:r>
             <a:endParaRPr lang="zh-CN" altLang="en-US" sz="2400" b="1" dirty="0">
-              <a:latin typeface="Times New Roman" panose="02020603050405020304" pitchFamily="18" charset="0"/>
-              <a:cs typeface="Times New Roman" panose="02020603050405020304" pitchFamily="18" charset="0"/>
+              <a:latin typeface="Times New Roman" panose="02020603050405020304" charset="0"/>
+              <a:cs typeface="Times New Roman" panose="02020603050405020304" charset="0"/>
             </a:endParaRPr>
           </a:p>
         </p:txBody>
       </p:sp>
       <p:sp>
         <p:nvSpPr>
-          <p:cNvPr id="156" name="文本框 155">
-            <a:extLst>
-              <a:ext uri="{FF2B5EF4-FFF2-40B4-BE49-F238E27FC236}">
-                <a16:creationId xmlns:a16="http://schemas.microsoft.com/office/drawing/2014/main" id="{08019DEF-E5C7-4736-BC8F-6C6178B3F45F}"/>
-              </a:ext>
-            </a:extLst>
-          </p:cNvPr>
+          <p:cNvPr id="156" name="文本框 155"/>
           <p:cNvSpPr txBox="1"/>
           <p:nvPr/>
         </p:nvSpPr>
@@ -7929,27 +6988,21 @@
           <a:p>
             <a:r>
               <a:rPr lang="en-US" altLang="zh-CN" sz="2400" b="1" dirty="0">
-                <a:latin typeface="Times New Roman" panose="02020603050405020304" pitchFamily="18" charset="0"/>
-                <a:cs typeface="Times New Roman" panose="02020603050405020304" pitchFamily="18" charset="0"/>
+                <a:latin typeface="Times New Roman" panose="02020603050405020304" charset="0"/>
+                <a:cs typeface="Times New Roman" panose="02020603050405020304" charset="0"/>
               </a:rPr>
               <a:t>1×1</a:t>
             </a:r>
             <a:endParaRPr lang="zh-CN" altLang="en-US" sz="2400" b="1" dirty="0">
-              <a:latin typeface="Times New Roman" panose="02020603050405020304" pitchFamily="18" charset="0"/>
-              <a:cs typeface="Times New Roman" panose="02020603050405020304" pitchFamily="18" charset="0"/>
+              <a:latin typeface="Times New Roman" panose="02020603050405020304" charset="0"/>
+              <a:cs typeface="Times New Roman" panose="02020603050405020304" charset="0"/>
             </a:endParaRPr>
           </a:p>
         </p:txBody>
       </p:sp>
       <p:sp>
         <p:nvSpPr>
-          <p:cNvPr id="157" name="文本框 156">
-            <a:extLst>
-              <a:ext uri="{FF2B5EF4-FFF2-40B4-BE49-F238E27FC236}">
-                <a16:creationId xmlns:a16="http://schemas.microsoft.com/office/drawing/2014/main" id="{0F21668A-2433-43AA-94B3-9F843F4D0E78}"/>
-              </a:ext>
-            </a:extLst>
-          </p:cNvPr>
+          <p:cNvPr id="157" name="文本框 156"/>
           <p:cNvSpPr txBox="1"/>
           <p:nvPr/>
         </p:nvSpPr>
@@ -7971,27 +7024,21 @@
           <a:p>
             <a:r>
               <a:rPr lang="en-US" altLang="zh-CN" sz="2400" b="1" dirty="0">
-                <a:latin typeface="Times New Roman" panose="02020603050405020304" pitchFamily="18" charset="0"/>
-                <a:cs typeface="Times New Roman" panose="02020603050405020304" pitchFamily="18" charset="0"/>
+                <a:latin typeface="Times New Roman" panose="02020603050405020304" charset="0"/>
+                <a:cs typeface="Times New Roman" panose="02020603050405020304" charset="0"/>
               </a:rPr>
               <a:t>3×3</a:t>
             </a:r>
             <a:endParaRPr lang="zh-CN" altLang="en-US" sz="2400" b="1" dirty="0">
-              <a:latin typeface="Times New Roman" panose="02020603050405020304" pitchFamily="18" charset="0"/>
-              <a:cs typeface="Times New Roman" panose="02020603050405020304" pitchFamily="18" charset="0"/>
+              <a:latin typeface="Times New Roman" panose="02020603050405020304" charset="0"/>
+              <a:cs typeface="Times New Roman" panose="02020603050405020304" charset="0"/>
             </a:endParaRPr>
           </a:p>
         </p:txBody>
       </p:sp>
       <p:sp>
         <p:nvSpPr>
-          <p:cNvPr id="158" name="文本框 157">
-            <a:extLst>
-              <a:ext uri="{FF2B5EF4-FFF2-40B4-BE49-F238E27FC236}">
-                <a16:creationId xmlns:a16="http://schemas.microsoft.com/office/drawing/2014/main" id="{25816F4B-5AC9-4635-9DE9-60272D239594}"/>
-              </a:ext>
-            </a:extLst>
-          </p:cNvPr>
+          <p:cNvPr id="158" name="文本框 157"/>
           <p:cNvSpPr txBox="1"/>
           <p:nvPr/>
         </p:nvSpPr>
@@ -8013,27 +7060,21 @@
           <a:p>
             <a:r>
               <a:rPr lang="en-US" altLang="zh-CN" sz="2400" b="1" dirty="0">
-                <a:latin typeface="Times New Roman" panose="02020603050405020304" pitchFamily="18" charset="0"/>
-                <a:cs typeface="Times New Roman" panose="02020603050405020304" pitchFamily="18" charset="0"/>
+                <a:latin typeface="Times New Roman" panose="02020603050405020304" charset="0"/>
+                <a:cs typeface="Times New Roman" panose="02020603050405020304" charset="0"/>
               </a:rPr>
               <a:t>3×3</a:t>
             </a:r>
             <a:endParaRPr lang="zh-CN" altLang="en-US" sz="2400" b="1" dirty="0">
-              <a:latin typeface="Times New Roman" panose="02020603050405020304" pitchFamily="18" charset="0"/>
-              <a:cs typeface="Times New Roman" panose="02020603050405020304" pitchFamily="18" charset="0"/>
+              <a:latin typeface="Times New Roman" panose="02020603050405020304" charset="0"/>
+              <a:cs typeface="Times New Roman" panose="02020603050405020304" charset="0"/>
             </a:endParaRPr>
           </a:p>
         </p:txBody>
       </p:sp>
       <p:sp>
         <p:nvSpPr>
-          <p:cNvPr id="159" name="文本框 158">
-            <a:extLst>
-              <a:ext uri="{FF2B5EF4-FFF2-40B4-BE49-F238E27FC236}">
-                <a16:creationId xmlns:a16="http://schemas.microsoft.com/office/drawing/2014/main" id="{BD43B5B3-B65B-469A-8E5F-DA757817A680}"/>
-              </a:ext>
-            </a:extLst>
-          </p:cNvPr>
+          <p:cNvPr id="159" name="文本框 158"/>
           <p:cNvSpPr txBox="1"/>
           <p:nvPr/>
         </p:nvSpPr>
@@ -8055,27 +7096,21 @@
           <a:p>
             <a:r>
               <a:rPr lang="en-US" altLang="zh-CN" sz="2400" b="1" dirty="0">
-                <a:latin typeface="Times New Roman" panose="02020603050405020304" pitchFamily="18" charset="0"/>
-                <a:cs typeface="Times New Roman" panose="02020603050405020304" pitchFamily="18" charset="0"/>
+                <a:latin typeface="Times New Roman" panose="02020603050405020304" charset="0"/>
+                <a:cs typeface="Times New Roman" panose="02020603050405020304" charset="0"/>
               </a:rPr>
               <a:t>3×3</a:t>
             </a:r>
             <a:endParaRPr lang="zh-CN" altLang="en-US" sz="2400" b="1" dirty="0">
-              <a:latin typeface="Times New Roman" panose="02020603050405020304" pitchFamily="18" charset="0"/>
-              <a:cs typeface="Times New Roman" panose="02020603050405020304" pitchFamily="18" charset="0"/>
+              <a:latin typeface="Times New Roman" panose="02020603050405020304" charset="0"/>
+              <a:cs typeface="Times New Roman" panose="02020603050405020304" charset="0"/>
             </a:endParaRPr>
           </a:p>
         </p:txBody>
       </p:sp>
       <p:sp>
         <p:nvSpPr>
-          <p:cNvPr id="160" name="文本框 159">
-            <a:extLst>
-              <a:ext uri="{FF2B5EF4-FFF2-40B4-BE49-F238E27FC236}">
-                <a16:creationId xmlns:a16="http://schemas.microsoft.com/office/drawing/2014/main" id="{116DE435-9A71-486C-B1F0-CE9F419F6CF3}"/>
-              </a:ext>
-            </a:extLst>
-          </p:cNvPr>
+          <p:cNvPr id="160" name="文本框 159"/>
           <p:cNvSpPr txBox="1"/>
           <p:nvPr/>
         </p:nvSpPr>
@@ -8097,27 +7132,21 @@
           <a:p>
             <a:r>
               <a:rPr lang="en-US" altLang="zh-CN" sz="2400" b="1" dirty="0">
-                <a:latin typeface="Times New Roman" panose="02020603050405020304" pitchFamily="18" charset="0"/>
-                <a:cs typeface="Times New Roman" panose="02020603050405020304" pitchFamily="18" charset="0"/>
+                <a:latin typeface="Times New Roman" panose="02020603050405020304" charset="0"/>
+                <a:cs typeface="Times New Roman" panose="02020603050405020304" charset="0"/>
               </a:rPr>
               <a:t>stride=1</a:t>
             </a:r>
             <a:endParaRPr lang="zh-CN" altLang="en-US" sz="2400" b="1" dirty="0">
-              <a:latin typeface="Times New Roman" panose="02020603050405020304" pitchFamily="18" charset="0"/>
-              <a:cs typeface="Times New Roman" panose="02020603050405020304" pitchFamily="18" charset="0"/>
+              <a:latin typeface="Times New Roman" panose="02020603050405020304" charset="0"/>
+              <a:cs typeface="Times New Roman" panose="02020603050405020304" charset="0"/>
             </a:endParaRPr>
           </a:p>
         </p:txBody>
       </p:sp>
       <p:sp>
         <p:nvSpPr>
-          <p:cNvPr id="161" name="文本框 160">
-            <a:extLst>
-              <a:ext uri="{FF2B5EF4-FFF2-40B4-BE49-F238E27FC236}">
-                <a16:creationId xmlns:a16="http://schemas.microsoft.com/office/drawing/2014/main" id="{F751EBF5-F73D-4274-8C14-566CBD6C8642}"/>
-              </a:ext>
-            </a:extLst>
-          </p:cNvPr>
+          <p:cNvPr id="161" name="文本框 160"/>
           <p:cNvSpPr txBox="1"/>
           <p:nvPr/>
         </p:nvSpPr>
@@ -8139,27 +7168,21 @@
           <a:p>
             <a:r>
               <a:rPr lang="en-US" altLang="zh-CN" sz="2400" b="1" dirty="0">
-                <a:latin typeface="Times New Roman" panose="02020603050405020304" pitchFamily="18" charset="0"/>
-                <a:cs typeface="Times New Roman" panose="02020603050405020304" pitchFamily="18" charset="0"/>
+                <a:latin typeface="Times New Roman" panose="02020603050405020304" charset="0"/>
+                <a:cs typeface="Times New Roman" panose="02020603050405020304" charset="0"/>
               </a:rPr>
               <a:t>stride=1</a:t>
             </a:r>
             <a:endParaRPr lang="zh-CN" altLang="en-US" sz="2400" b="1" dirty="0">
-              <a:latin typeface="Times New Roman" panose="02020603050405020304" pitchFamily="18" charset="0"/>
-              <a:cs typeface="Times New Roman" panose="02020603050405020304" pitchFamily="18" charset="0"/>
+              <a:latin typeface="Times New Roman" panose="02020603050405020304" charset="0"/>
+              <a:cs typeface="Times New Roman" panose="02020603050405020304" charset="0"/>
             </a:endParaRPr>
           </a:p>
         </p:txBody>
       </p:sp>
       <p:sp>
         <p:nvSpPr>
-          <p:cNvPr id="162" name="文本框 161">
-            <a:extLst>
-              <a:ext uri="{FF2B5EF4-FFF2-40B4-BE49-F238E27FC236}">
-                <a16:creationId xmlns:a16="http://schemas.microsoft.com/office/drawing/2014/main" id="{B2FEA305-CF62-4340-8025-CFDCB71AD8E6}"/>
-              </a:ext>
-            </a:extLst>
-          </p:cNvPr>
+          <p:cNvPr id="162" name="文本框 161"/>
           <p:cNvSpPr txBox="1"/>
           <p:nvPr/>
         </p:nvSpPr>
@@ -8181,27 +7204,21 @@
           <a:p>
             <a:r>
               <a:rPr lang="en-US" altLang="zh-CN" sz="2400" b="1" dirty="0">
-                <a:latin typeface="Times New Roman" panose="02020603050405020304" pitchFamily="18" charset="0"/>
-                <a:cs typeface="Times New Roman" panose="02020603050405020304" pitchFamily="18" charset="0"/>
+                <a:latin typeface="Times New Roman" panose="02020603050405020304" charset="0"/>
+                <a:cs typeface="Times New Roman" panose="02020603050405020304" charset="0"/>
               </a:rPr>
               <a:t>stride=1</a:t>
             </a:r>
             <a:endParaRPr lang="zh-CN" altLang="en-US" sz="2400" b="1" dirty="0">
-              <a:latin typeface="Times New Roman" panose="02020603050405020304" pitchFamily="18" charset="0"/>
-              <a:cs typeface="Times New Roman" panose="02020603050405020304" pitchFamily="18" charset="0"/>
+              <a:latin typeface="Times New Roman" panose="02020603050405020304" charset="0"/>
+              <a:cs typeface="Times New Roman" panose="02020603050405020304" charset="0"/>
             </a:endParaRPr>
           </a:p>
         </p:txBody>
       </p:sp>
       <p:sp>
         <p:nvSpPr>
-          <p:cNvPr id="181" name="文本框 180">
-            <a:extLst>
-              <a:ext uri="{FF2B5EF4-FFF2-40B4-BE49-F238E27FC236}">
-                <a16:creationId xmlns:a16="http://schemas.microsoft.com/office/drawing/2014/main" id="{32179DBA-23BF-458D-8B73-459E4A4160C3}"/>
-              </a:ext>
-            </a:extLst>
-          </p:cNvPr>
+          <p:cNvPr id="181" name="文本框 180"/>
           <p:cNvSpPr txBox="1"/>
           <p:nvPr/>
         </p:nvSpPr>
@@ -8223,27 +7240,21 @@
           <a:p>
             <a:r>
               <a:rPr lang="en-US" altLang="zh-CN" sz="2400" b="1" dirty="0">
-                <a:latin typeface="Times New Roman" panose="02020603050405020304" pitchFamily="18" charset="0"/>
-                <a:cs typeface="Times New Roman" panose="02020603050405020304" pitchFamily="18" charset="0"/>
+                <a:latin typeface="Times New Roman" panose="02020603050405020304" charset="0"/>
+                <a:cs typeface="Times New Roman" panose="02020603050405020304" charset="0"/>
               </a:rPr>
               <a:t>stride=1</a:t>
             </a:r>
             <a:endParaRPr lang="zh-CN" altLang="en-US" sz="2400" b="1" dirty="0">
-              <a:latin typeface="Times New Roman" panose="02020603050405020304" pitchFamily="18" charset="0"/>
-              <a:cs typeface="Times New Roman" panose="02020603050405020304" pitchFamily="18" charset="0"/>
+              <a:latin typeface="Times New Roman" panose="02020603050405020304" charset="0"/>
+              <a:cs typeface="Times New Roman" panose="02020603050405020304" charset="0"/>
             </a:endParaRPr>
           </a:p>
         </p:txBody>
       </p:sp>
       <p:sp>
         <p:nvSpPr>
-          <p:cNvPr id="182" name="文本框 181">
-            <a:extLst>
-              <a:ext uri="{FF2B5EF4-FFF2-40B4-BE49-F238E27FC236}">
-                <a16:creationId xmlns:a16="http://schemas.microsoft.com/office/drawing/2014/main" id="{FA8B8468-CAB7-4100-A9DB-8A4107BE01CC}"/>
-              </a:ext>
-            </a:extLst>
-          </p:cNvPr>
+          <p:cNvPr id="182" name="文本框 181"/>
           <p:cNvSpPr txBox="1"/>
           <p:nvPr/>
         </p:nvSpPr>
@@ -8265,27 +7276,21 @@
           <a:p>
             <a:r>
               <a:rPr lang="en-US" altLang="zh-CN" sz="2400" b="1" dirty="0">
-                <a:latin typeface="Times New Roman" panose="02020603050405020304" pitchFamily="18" charset="0"/>
-                <a:cs typeface="Times New Roman" panose="02020603050405020304" pitchFamily="18" charset="0"/>
+                <a:latin typeface="Times New Roman" panose="02020603050405020304" charset="0"/>
+                <a:cs typeface="Times New Roman" panose="02020603050405020304" charset="0"/>
               </a:rPr>
               <a:t>stride=1</a:t>
             </a:r>
             <a:endParaRPr lang="zh-CN" altLang="en-US" sz="2400" b="1" dirty="0">
-              <a:latin typeface="Times New Roman" panose="02020603050405020304" pitchFamily="18" charset="0"/>
-              <a:cs typeface="Times New Roman" panose="02020603050405020304" pitchFamily="18" charset="0"/>
+              <a:latin typeface="Times New Roman" panose="02020603050405020304" charset="0"/>
+              <a:cs typeface="Times New Roman" panose="02020603050405020304" charset="0"/>
             </a:endParaRPr>
           </a:p>
         </p:txBody>
       </p:sp>
       <p:sp>
         <p:nvSpPr>
-          <p:cNvPr id="183" name="文本框 182">
-            <a:extLst>
-              <a:ext uri="{FF2B5EF4-FFF2-40B4-BE49-F238E27FC236}">
-                <a16:creationId xmlns:a16="http://schemas.microsoft.com/office/drawing/2014/main" id="{18976181-71AD-445F-96DD-E46D64C548CB}"/>
-              </a:ext>
-            </a:extLst>
-          </p:cNvPr>
+          <p:cNvPr id="183" name="文本框 182"/>
           <p:cNvSpPr txBox="1"/>
           <p:nvPr/>
         </p:nvSpPr>
@@ -8307,27 +7312,21 @@
           <a:p>
             <a:r>
               <a:rPr lang="en-US" altLang="zh-CN" sz="2400" b="1" dirty="0">
-                <a:latin typeface="Times New Roman" panose="02020603050405020304" pitchFamily="18" charset="0"/>
-                <a:cs typeface="Times New Roman" panose="02020603050405020304" pitchFamily="18" charset="0"/>
+                <a:latin typeface="Times New Roman" panose="02020603050405020304" charset="0"/>
+                <a:cs typeface="Times New Roman" panose="02020603050405020304" charset="0"/>
               </a:rPr>
               <a:t>stride=1</a:t>
             </a:r>
             <a:endParaRPr lang="zh-CN" altLang="en-US" sz="2400" b="1" dirty="0">
-              <a:latin typeface="Times New Roman" panose="02020603050405020304" pitchFamily="18" charset="0"/>
-              <a:cs typeface="Times New Roman" panose="02020603050405020304" pitchFamily="18" charset="0"/>
+              <a:latin typeface="Times New Roman" panose="02020603050405020304" charset="0"/>
+              <a:cs typeface="Times New Roman" panose="02020603050405020304" charset="0"/>
             </a:endParaRPr>
           </a:p>
         </p:txBody>
       </p:sp>
       <p:sp>
         <p:nvSpPr>
-          <p:cNvPr id="61" name="文本框 60">
-            <a:extLst>
-              <a:ext uri="{FF2B5EF4-FFF2-40B4-BE49-F238E27FC236}">
-                <a16:creationId xmlns:a16="http://schemas.microsoft.com/office/drawing/2014/main" id="{895CD90C-EC0E-4DCE-B8D0-17F52E2B349D}"/>
-              </a:ext>
-            </a:extLst>
-          </p:cNvPr>
+          <p:cNvPr id="61" name="文本框 60"/>
           <p:cNvSpPr txBox="1"/>
           <p:nvPr/>
         </p:nvSpPr>
@@ -8349,27 +7348,21 @@
           <a:p>
             <a:r>
               <a:rPr lang="en-US" altLang="zh-CN" b="1" dirty="0">
-                <a:latin typeface="Times New Roman" panose="02020603050405020304" pitchFamily="18" charset="0"/>
-                <a:cs typeface="Times New Roman" panose="02020603050405020304" pitchFamily="18" charset="0"/>
+                <a:latin typeface="Times New Roman" panose="02020603050405020304" charset="0"/>
+                <a:cs typeface="Times New Roman" panose="02020603050405020304" charset="0"/>
               </a:rPr>
               <a:t>3×3, stride=2</a:t>
             </a:r>
             <a:endParaRPr lang="zh-CN" altLang="en-US" b="1" dirty="0">
-              <a:latin typeface="Times New Roman" panose="02020603050405020304" pitchFamily="18" charset="0"/>
-              <a:cs typeface="Times New Roman" panose="02020603050405020304" pitchFamily="18" charset="0"/>
+              <a:latin typeface="Times New Roman" panose="02020603050405020304" charset="0"/>
+              <a:cs typeface="Times New Roman" panose="02020603050405020304" charset="0"/>
             </a:endParaRPr>
           </a:p>
         </p:txBody>
       </p:sp>
       <p:sp>
         <p:nvSpPr>
-          <p:cNvPr id="68" name="文本框 67">
-            <a:extLst>
-              <a:ext uri="{FF2B5EF4-FFF2-40B4-BE49-F238E27FC236}">
-                <a16:creationId xmlns:a16="http://schemas.microsoft.com/office/drawing/2014/main" id="{E61FE8EC-E2F7-41B7-9838-CDF98EFEA431}"/>
-              </a:ext>
-            </a:extLst>
-          </p:cNvPr>
+          <p:cNvPr id="68" name="文本框 67"/>
           <p:cNvSpPr txBox="1"/>
           <p:nvPr/>
         </p:nvSpPr>
@@ -8391,27 +7384,21 @@
           <a:p>
             <a:r>
               <a:rPr lang="en-US" altLang="zh-CN" sz="2000" b="1" dirty="0">
-                <a:latin typeface="Times New Roman" panose="02020603050405020304" pitchFamily="18" charset="0"/>
-                <a:cs typeface="Times New Roman" panose="02020603050405020304" pitchFamily="18" charset="0"/>
+                <a:latin typeface="Times New Roman" panose="02020603050405020304" charset="0"/>
+                <a:cs typeface="Times New Roman" panose="02020603050405020304" charset="0"/>
               </a:rPr>
               <a:t>upsample</a:t>
             </a:r>
             <a:endParaRPr lang="zh-CN" altLang="en-US" sz="2000" b="1" dirty="0">
-              <a:latin typeface="Times New Roman" panose="02020603050405020304" pitchFamily="18" charset="0"/>
-              <a:cs typeface="Times New Roman" panose="02020603050405020304" pitchFamily="18" charset="0"/>
+              <a:latin typeface="Times New Roman" panose="02020603050405020304" charset="0"/>
+              <a:cs typeface="Times New Roman" panose="02020603050405020304" charset="0"/>
             </a:endParaRPr>
           </a:p>
         </p:txBody>
       </p:sp>
       <p:sp>
         <p:nvSpPr>
-          <p:cNvPr id="69" name="文本框 68">
-            <a:extLst>
-              <a:ext uri="{FF2B5EF4-FFF2-40B4-BE49-F238E27FC236}">
-                <a16:creationId xmlns:a16="http://schemas.microsoft.com/office/drawing/2014/main" id="{648DDA61-0D43-45BC-B66E-C3598F4C9CF4}"/>
-              </a:ext>
-            </a:extLst>
-          </p:cNvPr>
+          <p:cNvPr id="69" name="文本框 68"/>
           <p:cNvSpPr txBox="1"/>
           <p:nvPr/>
         </p:nvSpPr>
@@ -8433,29 +7420,22 @@
           <a:p>
             <a:r>
               <a:rPr lang="en-US" altLang="zh-CN" sz="2000" b="1" dirty="0">
-                <a:latin typeface="Times New Roman" panose="02020603050405020304" pitchFamily="18" charset="0"/>
-                <a:cs typeface="Times New Roman" panose="02020603050405020304" pitchFamily="18" charset="0"/>
+                <a:latin typeface="Times New Roman" panose="02020603050405020304" charset="0"/>
+                <a:cs typeface="Times New Roman" panose="02020603050405020304" charset="0"/>
               </a:rPr>
               <a:t>upsample</a:t>
             </a:r>
             <a:endParaRPr lang="zh-CN" altLang="en-US" sz="2000" b="1" dirty="0">
-              <a:latin typeface="Times New Roman" panose="02020603050405020304" pitchFamily="18" charset="0"/>
-              <a:cs typeface="Times New Roman" panose="02020603050405020304" pitchFamily="18" charset="0"/>
+              <a:latin typeface="Times New Roman" panose="02020603050405020304" charset="0"/>
+              <a:cs typeface="Times New Roman" panose="02020603050405020304" charset="0"/>
             </a:endParaRPr>
           </a:p>
         </p:txBody>
       </p:sp>
       <p:cxnSp>
         <p:nvCxnSpPr>
-          <p:cNvPr id="6" name="连接符: 肘形 5">
-            <a:extLst>
-              <a:ext uri="{FF2B5EF4-FFF2-40B4-BE49-F238E27FC236}">
-                <a16:creationId xmlns:a16="http://schemas.microsoft.com/office/drawing/2014/main" id="{9D682C05-5834-4BB8-8802-BA56425A4FE5}"/>
-              </a:ext>
-            </a:extLst>
-          </p:cNvPr>
+          <p:cNvPr id="6" name="连接符: 肘形 5"/>
           <p:cNvCxnSpPr>
-            <a:cxnSpLocks/>
             <a:stCxn id="25" idx="0"/>
             <a:endCxn id="54" idx="5"/>
           </p:cNvCxnSpPr>
@@ -8495,13 +7475,7 @@
       </p:cxnSp>
       <p:sp>
         <p:nvSpPr>
-          <p:cNvPr id="72" name="文本框 71">
-            <a:extLst>
-              <a:ext uri="{FF2B5EF4-FFF2-40B4-BE49-F238E27FC236}">
-                <a16:creationId xmlns:a16="http://schemas.microsoft.com/office/drawing/2014/main" id="{4D2EBAD4-1679-42A9-BF26-E5C688955F17}"/>
-              </a:ext>
-            </a:extLst>
-          </p:cNvPr>
+          <p:cNvPr id="72" name="文本框 71"/>
           <p:cNvSpPr txBox="1"/>
           <p:nvPr/>
         </p:nvSpPr>
@@ -8523,27 +7497,21 @@
           <a:p>
             <a:r>
               <a:rPr lang="en-US" altLang="zh-CN" sz="2400" b="1" dirty="0">
-                <a:latin typeface="Times New Roman" panose="02020603050405020304" pitchFamily="18" charset="0"/>
-                <a:cs typeface="Times New Roman" panose="02020603050405020304" pitchFamily="18" charset="0"/>
+                <a:latin typeface="Times New Roman" panose="02020603050405020304" charset="0"/>
+                <a:cs typeface="Times New Roman" panose="02020603050405020304" charset="0"/>
               </a:rPr>
               <a:t>3×3</a:t>
             </a:r>
             <a:endParaRPr lang="zh-CN" altLang="en-US" sz="2400" b="1" dirty="0">
-              <a:latin typeface="Times New Roman" panose="02020603050405020304" pitchFamily="18" charset="0"/>
-              <a:cs typeface="Times New Roman" panose="02020603050405020304" pitchFamily="18" charset="0"/>
+              <a:latin typeface="Times New Roman" panose="02020603050405020304" charset="0"/>
+              <a:cs typeface="Times New Roman" panose="02020603050405020304" charset="0"/>
             </a:endParaRPr>
           </a:p>
         </p:txBody>
       </p:sp>
       <p:sp>
         <p:nvSpPr>
-          <p:cNvPr id="73" name="文本框 72">
-            <a:extLst>
-              <a:ext uri="{FF2B5EF4-FFF2-40B4-BE49-F238E27FC236}">
-                <a16:creationId xmlns:a16="http://schemas.microsoft.com/office/drawing/2014/main" id="{6115D675-036B-40B2-8B9A-F577DA97028D}"/>
-              </a:ext>
-            </a:extLst>
-          </p:cNvPr>
+          <p:cNvPr id="73" name="文本框 72"/>
           <p:cNvSpPr txBox="1"/>
           <p:nvPr/>
         </p:nvSpPr>
@@ -8565,24 +7533,19 @@
           <a:p>
             <a:r>
               <a:rPr lang="en-US" altLang="zh-CN" sz="2400" b="1" dirty="0">
-                <a:latin typeface="Times New Roman" panose="02020603050405020304" pitchFamily="18" charset="0"/>
-                <a:cs typeface="Times New Roman" panose="02020603050405020304" pitchFamily="18" charset="0"/>
+                <a:latin typeface="Times New Roman" panose="02020603050405020304" charset="0"/>
+                <a:cs typeface="Times New Roman" panose="02020603050405020304" charset="0"/>
               </a:rPr>
               <a:t>stride=2</a:t>
             </a:r>
             <a:endParaRPr lang="zh-CN" altLang="en-US" sz="2400" b="1" dirty="0">
-              <a:latin typeface="Times New Roman" panose="02020603050405020304" pitchFamily="18" charset="0"/>
-              <a:cs typeface="Times New Roman" panose="02020603050405020304" pitchFamily="18" charset="0"/>
+              <a:latin typeface="Times New Roman" panose="02020603050405020304" charset="0"/>
+              <a:cs typeface="Times New Roman" panose="02020603050405020304" charset="0"/>
             </a:endParaRPr>
           </a:p>
         </p:txBody>
       </p:sp>
     </p:spTree>
-    <p:extLst>
-      <p:ext uri="{BB962C8B-B14F-4D97-AF65-F5344CB8AC3E}">
-        <p14:creationId xmlns:p14="http://schemas.microsoft.com/office/powerpoint/2010/main" val="404323175"/>
-      </p:ext>
-    </p:extLst>
   </p:cSld>
   <p:clrMapOvr>
     <a:masterClrMapping/>
@@ -8609,13 +7572,37 @@
       </p:grpSpPr>
       <p:pic>
         <p:nvPicPr>
-          <p:cNvPr id="5" name="图片 4">
+          <p:cNvPr id="5" name="图片 4"/>
+          <p:cNvPicPr>
+            <a:picLocks noChangeAspect="1"/>
+          </p:cNvPicPr>
+          <p:nvPr/>
+        </p:nvPicPr>
+        <p:blipFill>
+          <a:blip r:embed="rId1">
             <a:extLst>
-              <a:ext uri="{FF2B5EF4-FFF2-40B4-BE49-F238E27FC236}">
-                <a16:creationId xmlns:a16="http://schemas.microsoft.com/office/drawing/2014/main" id="{FB35CE81-A7BB-4F13-AD7C-D4F525F4E1C7}"/>
+              <a:ext uri="{28A0092B-C50C-407E-A947-70E740481C1C}">
+                <a14:useLocalDpi xmlns:a14="http://schemas.microsoft.com/office/drawing/2010/main" val="0"/>
               </a:ext>
             </a:extLst>
-          </p:cNvPr>
+          </a:blip>
+          <a:stretch>
+            <a:fillRect/>
+          </a:stretch>
+        </p:blipFill>
+        <p:spPr>
+          <a:xfrm>
+            <a:off x="-2" y="373874"/>
+            <a:ext cx="4045005" cy="3033754"/>
+          </a:xfrm>
+          <a:prstGeom prst="rect">
+            <a:avLst/>
+          </a:prstGeom>
+        </p:spPr>
+      </p:pic>
+      <p:pic>
+        <p:nvPicPr>
+          <p:cNvPr id="7" name="图片 6"/>
           <p:cNvPicPr>
             <a:picLocks noChangeAspect="1"/>
           </p:cNvPicPr>
@@ -8635,7 +7622,7 @@
         </p:blipFill>
         <p:spPr>
           <a:xfrm>
-            <a:off x="-2" y="373874"/>
+            <a:off x="4073497" y="373874"/>
             <a:ext cx="4045005" cy="3033754"/>
           </a:xfrm>
           <a:prstGeom prst="rect">
@@ -8645,13 +7632,7 @@
       </p:pic>
       <p:pic>
         <p:nvPicPr>
-          <p:cNvPr id="7" name="图片 6">
-            <a:extLst>
-              <a:ext uri="{FF2B5EF4-FFF2-40B4-BE49-F238E27FC236}">
-                <a16:creationId xmlns:a16="http://schemas.microsoft.com/office/drawing/2014/main" id="{CE695867-01C6-48D2-8E2D-C24AD96C2243}"/>
-              </a:ext>
-            </a:extLst>
-          </p:cNvPr>
+          <p:cNvPr id="9" name="图片 8"/>
           <p:cNvPicPr>
             <a:picLocks noChangeAspect="1"/>
           </p:cNvPicPr>
@@ -8671,8 +7652,8 @@
         </p:blipFill>
         <p:spPr>
           <a:xfrm>
-            <a:off x="4073497" y="373874"/>
-            <a:ext cx="4045005" cy="3033754"/>
+            <a:off x="8146995" y="373873"/>
+            <a:ext cx="4045004" cy="3033753"/>
           </a:xfrm>
           <a:prstGeom prst="rect">
             <a:avLst/>
@@ -8681,13 +7662,7 @@
       </p:pic>
       <p:pic>
         <p:nvPicPr>
-          <p:cNvPr id="9" name="图片 8">
-            <a:extLst>
-              <a:ext uri="{FF2B5EF4-FFF2-40B4-BE49-F238E27FC236}">
-                <a16:creationId xmlns:a16="http://schemas.microsoft.com/office/drawing/2014/main" id="{79DDA454-144D-4BF8-A7CA-61954EFEA014}"/>
-              </a:ext>
-            </a:extLst>
-          </p:cNvPr>
+          <p:cNvPr id="11" name="图片 10"/>
           <p:cNvPicPr>
             <a:picLocks noChangeAspect="1"/>
           </p:cNvPicPr>
@@ -8707,7 +7682,7 @@
         </p:blipFill>
         <p:spPr>
           <a:xfrm>
-            <a:off x="8146995" y="373873"/>
+            <a:off x="0" y="3429001"/>
             <a:ext cx="4045004" cy="3033753"/>
           </a:xfrm>
           <a:prstGeom prst="rect">
@@ -8717,13 +7692,7 @@
       </p:pic>
       <p:pic>
         <p:nvPicPr>
-          <p:cNvPr id="11" name="图片 10">
-            <a:extLst>
-              <a:ext uri="{FF2B5EF4-FFF2-40B4-BE49-F238E27FC236}">
-                <a16:creationId xmlns:a16="http://schemas.microsoft.com/office/drawing/2014/main" id="{FF38EA56-1015-40B0-B50E-434A01684F30}"/>
-              </a:ext>
-            </a:extLst>
-          </p:cNvPr>
+          <p:cNvPr id="13" name="图片 12"/>
           <p:cNvPicPr>
             <a:picLocks noChangeAspect="1"/>
           </p:cNvPicPr>
@@ -8743,8 +7712,8 @@
         </p:blipFill>
         <p:spPr>
           <a:xfrm>
-            <a:off x="0" y="3429001"/>
-            <a:ext cx="4045004" cy="3033753"/>
+            <a:off x="4073498" y="3429000"/>
+            <a:ext cx="4045003" cy="3033753"/>
           </a:xfrm>
           <a:prstGeom prst="rect">
             <a:avLst/>
@@ -8753,13 +7722,7 @@
       </p:pic>
       <p:pic>
         <p:nvPicPr>
-          <p:cNvPr id="13" name="图片 12">
-            <a:extLst>
-              <a:ext uri="{FF2B5EF4-FFF2-40B4-BE49-F238E27FC236}">
-                <a16:creationId xmlns:a16="http://schemas.microsoft.com/office/drawing/2014/main" id="{9FC527F3-AF8D-47F3-8BCB-BD22A2E20308}"/>
-              </a:ext>
-            </a:extLst>
-          </p:cNvPr>
+          <p:cNvPr id="15" name="图片 14"/>
           <p:cNvPicPr>
             <a:picLocks noChangeAspect="1"/>
           </p:cNvPicPr>
@@ -8779,42 +7742,6 @@
         </p:blipFill>
         <p:spPr>
           <a:xfrm>
-            <a:off x="4073498" y="3429000"/>
-            <a:ext cx="4045003" cy="3033753"/>
-          </a:xfrm>
-          <a:prstGeom prst="rect">
-            <a:avLst/>
-          </a:prstGeom>
-        </p:spPr>
-      </p:pic>
-      <p:pic>
-        <p:nvPicPr>
-          <p:cNvPr id="15" name="图片 14">
-            <a:extLst>
-              <a:ext uri="{FF2B5EF4-FFF2-40B4-BE49-F238E27FC236}">
-                <a16:creationId xmlns:a16="http://schemas.microsoft.com/office/drawing/2014/main" id="{A49A44E2-2673-4472-A63A-18ED151A749B}"/>
-              </a:ext>
-            </a:extLst>
-          </p:cNvPr>
-          <p:cNvPicPr>
-            <a:picLocks noChangeAspect="1"/>
-          </p:cNvPicPr>
-          <p:nvPr/>
-        </p:nvPicPr>
-        <p:blipFill>
-          <a:blip r:embed="rId7">
-            <a:extLst>
-              <a:ext uri="{28A0092B-C50C-407E-A947-70E740481C1C}">
-                <a14:useLocalDpi xmlns:a14="http://schemas.microsoft.com/office/drawing/2010/main" val="0"/>
-              </a:ext>
-            </a:extLst>
-          </a:blip>
-          <a:stretch>
-            <a:fillRect/>
-          </a:stretch>
-        </p:blipFill>
-        <p:spPr>
-          <a:xfrm>
             <a:off x="8146995" y="3428997"/>
             <a:ext cx="4045003" cy="3033753"/>
           </a:xfrm>
@@ -8825,13 +7752,7 @@
       </p:pic>
       <p:sp>
         <p:nvSpPr>
-          <p:cNvPr id="17" name="文本框 16">
-            <a:extLst>
-              <a:ext uri="{FF2B5EF4-FFF2-40B4-BE49-F238E27FC236}">
-                <a16:creationId xmlns:a16="http://schemas.microsoft.com/office/drawing/2014/main" id="{4C8AF6EC-424E-4BBD-AE3E-1A45D0C5EF75}"/>
-              </a:ext>
-            </a:extLst>
-          </p:cNvPr>
+          <p:cNvPr id="17" name="文本框 16"/>
           <p:cNvSpPr txBox="1"/>
           <p:nvPr/>
         </p:nvSpPr>
@@ -8853,9 +7774,9 @@
           <a:p>
             <a:r>
               <a:rPr lang="en-US" altLang="zh-CN" dirty="0">
-                <a:latin typeface="Times New Roman" panose="02020603050405020304" pitchFamily="18" charset="0"/>
+                <a:latin typeface="Times New Roman" panose="02020603050405020304" charset="0"/>
                 <a:ea typeface="宋体" panose="02010600030101010101" pitchFamily="2" charset="-122"/>
-                <a:cs typeface="Times New Roman" panose="02020603050405020304" pitchFamily="18" charset="0"/>
+                <a:cs typeface="Times New Roman" panose="02020603050405020304" charset="0"/>
               </a:rPr>
               <a:t>a)</a:t>
             </a:r>
@@ -8866,18 +7787,16 @@
               </a:rPr>
               <a:t>原图</a:t>
             </a:r>
-          </a:p>
-        </p:txBody>
-      </p:sp>
-      <p:sp>
-        <p:nvSpPr>
-          <p:cNvPr id="18" name="文本框 17">
-            <a:extLst>
-              <a:ext uri="{FF2B5EF4-FFF2-40B4-BE49-F238E27FC236}">
-                <a16:creationId xmlns:a16="http://schemas.microsoft.com/office/drawing/2014/main" id="{FF39619D-5BBA-4511-B502-C378106E6801}"/>
-              </a:ext>
-            </a:extLst>
-          </p:cNvPr>
+            <a:endParaRPr lang="zh-CN" altLang="en-US" dirty="0">
+              <a:latin typeface="宋体" panose="02010600030101010101" pitchFamily="2" charset="-122"/>
+              <a:ea typeface="宋体" panose="02010600030101010101" pitchFamily="2" charset="-122"/>
+            </a:endParaRPr>
+          </a:p>
+        </p:txBody>
+      </p:sp>
+      <p:sp>
+        <p:nvSpPr>
+          <p:cNvPr id="18" name="文本框 17"/>
           <p:cNvSpPr txBox="1"/>
           <p:nvPr/>
         </p:nvSpPr>
@@ -8899,9 +7818,9 @@
           <a:p>
             <a:r>
               <a:rPr lang="en-US" altLang="zh-CN" dirty="0">
-                <a:latin typeface="Times New Roman" panose="02020603050405020304" pitchFamily="18" charset="0"/>
+                <a:latin typeface="Times New Roman" panose="02020603050405020304" charset="0"/>
                 <a:ea typeface="宋体" panose="02010600030101010101" pitchFamily="2" charset="-122"/>
-                <a:cs typeface="Times New Roman" panose="02020603050405020304" pitchFamily="18" charset="0"/>
+                <a:cs typeface="Times New Roman" panose="02020603050405020304" charset="0"/>
               </a:rPr>
               <a:t>b)</a:t>
             </a:r>
@@ -8912,18 +7831,16 @@
               </a:rPr>
               <a:t>调整尺寸</a:t>
             </a:r>
-          </a:p>
-        </p:txBody>
-      </p:sp>
-      <p:sp>
-        <p:nvSpPr>
-          <p:cNvPr id="19" name="文本框 18">
-            <a:extLst>
-              <a:ext uri="{FF2B5EF4-FFF2-40B4-BE49-F238E27FC236}">
-                <a16:creationId xmlns:a16="http://schemas.microsoft.com/office/drawing/2014/main" id="{25E6B13C-9446-4AA0-952B-53825DBA2C6B}"/>
-              </a:ext>
-            </a:extLst>
-          </p:cNvPr>
+            <a:endParaRPr lang="zh-CN" altLang="en-US" dirty="0">
+              <a:latin typeface="宋体" panose="02010600030101010101" pitchFamily="2" charset="-122"/>
+              <a:ea typeface="宋体" panose="02010600030101010101" pitchFamily="2" charset="-122"/>
+            </a:endParaRPr>
+          </a:p>
+        </p:txBody>
+      </p:sp>
+      <p:sp>
+        <p:nvSpPr>
+          <p:cNvPr id="19" name="文本框 18"/>
           <p:cNvSpPr txBox="1"/>
           <p:nvPr/>
         </p:nvSpPr>
@@ -8945,9 +7862,9 @@
           <a:p>
             <a:r>
               <a:rPr lang="en-US" altLang="zh-CN" dirty="0">
-                <a:latin typeface="Times New Roman" panose="02020603050405020304" pitchFamily="18" charset="0"/>
+                <a:latin typeface="Times New Roman" panose="02020603050405020304" charset="0"/>
                 <a:ea typeface="宋体" panose="02010600030101010101" pitchFamily="2" charset="-122"/>
-                <a:cs typeface="Times New Roman" panose="02020603050405020304" pitchFamily="18" charset="0"/>
+                <a:cs typeface="Times New Roman" panose="02020603050405020304" charset="0"/>
               </a:rPr>
               <a:t>c)</a:t>
             </a:r>
@@ -8958,53 +7875,6 @@
               </a:rPr>
               <a:t>缩放平移</a:t>
             </a:r>
-          </a:p>
-        </p:txBody>
-      </p:sp>
-      <p:sp>
-        <p:nvSpPr>
-          <p:cNvPr id="20" name="文本框 19">
-            <a:extLst>
-              <a:ext uri="{FF2B5EF4-FFF2-40B4-BE49-F238E27FC236}">
-                <a16:creationId xmlns:a16="http://schemas.microsoft.com/office/drawing/2014/main" id="{29CF2894-3594-4C4F-9749-C522E791531F}"/>
-              </a:ext>
-            </a:extLst>
-          </p:cNvPr>
-          <p:cNvSpPr txBox="1"/>
-          <p:nvPr/>
-        </p:nvSpPr>
-        <p:spPr>
-          <a:xfrm>
-            <a:off x="1353185" y="6342206"/>
-            <a:ext cx="1338630" cy="369332"/>
-          </a:xfrm>
-          <a:prstGeom prst="rect">
-            <a:avLst/>
-          </a:prstGeom>
-          <a:noFill/>
-        </p:spPr>
-        <p:txBody>
-          <a:bodyPr wrap="square" rtlCol="0">
-            <a:spAutoFit/>
-          </a:bodyPr>
-          <a:lstStyle/>
-          <a:p>
-            <a:r>
-              <a:rPr lang="en-US" altLang="zh-CN" dirty="0">
-                <a:latin typeface="Times New Roman" panose="02020603050405020304" pitchFamily="18" charset="0"/>
-                <a:ea typeface="宋体" panose="02010600030101010101" pitchFamily="2" charset="-122"/>
-                <a:cs typeface="Times New Roman" panose="02020603050405020304" pitchFamily="18" charset="0"/>
-              </a:rPr>
-              <a:t>d)</a:t>
-            </a:r>
-            <a:r>
-              <a:rPr lang="zh-CN" altLang="en-US" dirty="0">
-                <a:latin typeface="宋体" panose="02010600030101010101" pitchFamily="2" charset="-122"/>
-                <a:ea typeface="宋体" panose="02010600030101010101" pitchFamily="2" charset="-122"/>
-                <a:cs typeface="Times New Roman" panose="02020603050405020304" pitchFamily="18" charset="0"/>
-              </a:rPr>
-              <a:t>左右翻转</a:t>
-            </a:r>
             <a:endParaRPr lang="zh-CN" altLang="en-US" dirty="0">
               <a:latin typeface="宋体" panose="02010600030101010101" pitchFamily="2" charset="-122"/>
               <a:ea typeface="宋体" panose="02010600030101010101" pitchFamily="2" charset="-122"/>
@@ -9014,19 +7884,13 @@
       </p:sp>
       <p:sp>
         <p:nvSpPr>
-          <p:cNvPr id="21" name="文本框 20">
-            <a:extLst>
-              <a:ext uri="{FF2B5EF4-FFF2-40B4-BE49-F238E27FC236}">
-                <a16:creationId xmlns:a16="http://schemas.microsoft.com/office/drawing/2014/main" id="{71E45020-1D29-4688-85E8-787C9A3640C3}"/>
-              </a:ext>
-            </a:extLst>
-          </p:cNvPr>
+          <p:cNvPr id="20" name="文本框 19"/>
           <p:cNvSpPr txBox="1"/>
           <p:nvPr/>
         </p:nvSpPr>
         <p:spPr>
           <a:xfrm>
-            <a:off x="5426684" y="6342206"/>
+            <a:off x="1353185" y="6342206"/>
             <a:ext cx="1338630" cy="369332"/>
           </a:xfrm>
           <a:prstGeom prst="rect">
@@ -9042,19 +7906,19 @@
           <a:p>
             <a:r>
               <a:rPr lang="en-US" altLang="zh-CN" dirty="0">
-                <a:latin typeface="Times New Roman" panose="02020603050405020304" pitchFamily="18" charset="0"/>
+                <a:latin typeface="Times New Roman" panose="02020603050405020304" charset="0"/>
                 <a:ea typeface="宋体" panose="02010600030101010101" pitchFamily="2" charset="-122"/>
-                <a:cs typeface="Times New Roman" panose="02020603050405020304" pitchFamily="18" charset="0"/>
+                <a:cs typeface="Times New Roman" panose="02020603050405020304" charset="0"/>
               </a:rPr>
-              <a:t>e)</a:t>
+              <a:t>d)</a:t>
             </a:r>
             <a:r>
               <a:rPr lang="zh-CN" altLang="en-US" dirty="0">
                 <a:latin typeface="宋体" panose="02010600030101010101" pitchFamily="2" charset="-122"/>
                 <a:ea typeface="宋体" panose="02010600030101010101" pitchFamily="2" charset="-122"/>
-                <a:cs typeface="Times New Roman" panose="02020603050405020304" pitchFamily="18" charset="0"/>
+                <a:cs typeface="Times New Roman" panose="02020603050405020304" charset="0"/>
               </a:rPr>
-              <a:t>上下翻转</a:t>
+              <a:t>左右翻转</a:t>
             </a:r>
             <a:endParaRPr lang="zh-CN" altLang="en-US" dirty="0">
               <a:latin typeface="宋体" panose="02010600030101010101" pitchFamily="2" charset="-122"/>
@@ -9065,19 +7929,13 @@
       </p:sp>
       <p:sp>
         <p:nvSpPr>
-          <p:cNvPr id="22" name="文本框 21">
-            <a:extLst>
-              <a:ext uri="{FF2B5EF4-FFF2-40B4-BE49-F238E27FC236}">
-                <a16:creationId xmlns:a16="http://schemas.microsoft.com/office/drawing/2014/main" id="{B14B7F86-1465-460D-A8FB-F32995D74347}"/>
-              </a:ext>
-            </a:extLst>
-          </p:cNvPr>
+          <p:cNvPr id="21" name="文本框 20"/>
           <p:cNvSpPr txBox="1"/>
           <p:nvPr/>
         </p:nvSpPr>
         <p:spPr>
           <a:xfrm>
-            <a:off x="9500181" y="6342206"/>
+            <a:off x="5426684" y="6342206"/>
             <a:ext cx="1338630" cy="369332"/>
           </a:xfrm>
           <a:prstGeom prst="rect">
@@ -9093,19 +7951,19 @@
           <a:p>
             <a:r>
               <a:rPr lang="en-US" altLang="zh-CN" dirty="0">
-                <a:latin typeface="Times New Roman" panose="02020603050405020304" pitchFamily="18" charset="0"/>
+                <a:latin typeface="Times New Roman" panose="02020603050405020304" charset="0"/>
                 <a:ea typeface="宋体" panose="02010600030101010101" pitchFamily="2" charset="-122"/>
-                <a:cs typeface="Times New Roman" panose="02020603050405020304" pitchFamily="18" charset="0"/>
+                <a:cs typeface="Times New Roman" panose="02020603050405020304" charset="0"/>
               </a:rPr>
-              <a:t>f)</a:t>
+              <a:t>e)</a:t>
             </a:r>
             <a:r>
               <a:rPr lang="zh-CN" altLang="en-US" dirty="0">
                 <a:latin typeface="宋体" panose="02010600030101010101" pitchFamily="2" charset="-122"/>
                 <a:ea typeface="宋体" panose="02010600030101010101" pitchFamily="2" charset="-122"/>
-                <a:cs typeface="Times New Roman" panose="02020603050405020304" pitchFamily="18" charset="0"/>
+                <a:cs typeface="Times New Roman" panose="02020603050405020304" charset="0"/>
               </a:rPr>
-              <a:t>色彩变换</a:t>
+              <a:t>上下翻转</a:t>
             </a:r>
             <a:endParaRPr lang="zh-CN" altLang="en-US" dirty="0">
               <a:latin typeface="宋体" panose="02010600030101010101" pitchFamily="2" charset="-122"/>
@@ -9114,12 +7972,52 @@
           </a:p>
         </p:txBody>
       </p:sp>
+      <p:sp>
+        <p:nvSpPr>
+          <p:cNvPr id="22" name="文本框 21"/>
+          <p:cNvSpPr txBox="1"/>
+          <p:nvPr/>
+        </p:nvSpPr>
+        <p:spPr>
+          <a:xfrm>
+            <a:off x="9500181" y="6342206"/>
+            <a:ext cx="1338630" cy="369332"/>
+          </a:xfrm>
+          <a:prstGeom prst="rect">
+            <a:avLst/>
+          </a:prstGeom>
+          <a:noFill/>
+        </p:spPr>
+        <p:txBody>
+          <a:bodyPr wrap="square" rtlCol="0">
+            <a:spAutoFit/>
+          </a:bodyPr>
+          <a:lstStyle/>
+          <a:p>
+            <a:r>
+              <a:rPr lang="en-US" altLang="zh-CN" dirty="0">
+                <a:latin typeface="Times New Roman" panose="02020603050405020304" charset="0"/>
+                <a:ea typeface="宋体" panose="02010600030101010101" pitchFamily="2" charset="-122"/>
+                <a:cs typeface="Times New Roman" panose="02020603050405020304" charset="0"/>
+              </a:rPr>
+              <a:t>f)</a:t>
+            </a:r>
+            <a:r>
+              <a:rPr lang="zh-CN" altLang="en-US" dirty="0">
+                <a:latin typeface="宋体" panose="02010600030101010101" pitchFamily="2" charset="-122"/>
+                <a:ea typeface="宋体" panose="02010600030101010101" pitchFamily="2" charset="-122"/>
+                <a:cs typeface="Times New Roman" panose="02020603050405020304" charset="0"/>
+              </a:rPr>
+              <a:t>色彩变换</a:t>
+            </a:r>
+            <a:endParaRPr lang="zh-CN" altLang="en-US" dirty="0">
+              <a:latin typeface="宋体" panose="02010600030101010101" pitchFamily="2" charset="-122"/>
+              <a:ea typeface="宋体" panose="02010600030101010101" pitchFamily="2" charset="-122"/>
+            </a:endParaRPr>
+          </a:p>
+        </p:txBody>
+      </p:sp>
     </p:spTree>
-    <p:extLst>
-      <p:ext uri="{BB962C8B-B14F-4D97-AF65-F5344CB8AC3E}">
-        <p14:creationId xmlns:p14="http://schemas.microsoft.com/office/powerpoint/2010/main" val="3226024779"/>
-      </p:ext>
-    </p:extLst>
   </p:cSld>
   <p:clrMapOvr>
     <a:masterClrMapping/>
@@ -9144,161 +8042,137 @@
           <a:chExt cx="0" cy="0"/>
         </a:xfrm>
       </p:grpSpPr>
+      <p:sp>
+        <p:nvSpPr>
+          <p:cNvPr id="7" name="文本框 6"/>
+          <p:cNvSpPr txBox="1"/>
+          <p:nvPr/>
+        </p:nvSpPr>
+        <p:spPr>
+          <a:xfrm>
+            <a:off x="2468288" y="6104700"/>
+            <a:ext cx="1658679" cy="369332"/>
+          </a:xfrm>
+          <a:prstGeom prst="rect">
+            <a:avLst/>
+          </a:prstGeom>
+          <a:noFill/>
+        </p:spPr>
+        <p:txBody>
+          <a:bodyPr wrap="square" rtlCol="0">
+            <a:spAutoFit/>
+          </a:bodyPr>
+          <a:lstStyle/>
+          <a:p>
+            <a:r>
+              <a:rPr lang="en-US" altLang="zh-CN" dirty="0">
+                <a:latin typeface="Times New Roman" panose="02020603050405020304" charset="0"/>
+                <a:cs typeface="Times New Roman" panose="02020603050405020304" charset="0"/>
+              </a:rPr>
+              <a:t>a)</a:t>
+            </a:r>
+            <a:r>
+              <a:rPr lang="en-US" altLang="zh-CN" dirty="0">
+                <a:latin typeface="Times New Roman" panose="02020603050405020304" charset="0"/>
+                <a:ea typeface="宋体" panose="02010600030101010101" pitchFamily="2" charset="-122"/>
+                <a:cs typeface="Times New Roman" panose="02020603050405020304" charset="0"/>
+              </a:rPr>
+              <a:t>AP</a:t>
+            </a:r>
+            <a:r>
+              <a:rPr lang="zh-CN" altLang="en-US" dirty="0">
+                <a:latin typeface="宋体" panose="02010600030101010101" pitchFamily="2" charset="-122"/>
+                <a:ea typeface="宋体" panose="02010600030101010101" pitchFamily="2" charset="-122"/>
+                <a:cs typeface="Times New Roman" panose="02020603050405020304" charset="0"/>
+              </a:rPr>
+              <a:t>变化曲线</a:t>
+            </a:r>
+            <a:endParaRPr lang="zh-CN" altLang="en-US" dirty="0">
+              <a:latin typeface="宋体" panose="02010600030101010101" pitchFamily="2" charset="-122"/>
+              <a:ea typeface="宋体" panose="02010600030101010101" pitchFamily="2" charset="-122"/>
+              <a:cs typeface="Times New Roman" panose="02020603050405020304" charset="0"/>
+            </a:endParaRPr>
+          </a:p>
+        </p:txBody>
+      </p:sp>
+      <p:sp>
+        <p:nvSpPr>
+          <p:cNvPr id="8" name="文本框 7"/>
+          <p:cNvSpPr txBox="1"/>
+          <p:nvPr/>
+        </p:nvSpPr>
+        <p:spPr>
+          <a:xfrm>
+            <a:off x="7961824" y="6104700"/>
+            <a:ext cx="2002464" cy="369332"/>
+          </a:xfrm>
+          <a:prstGeom prst="rect">
+            <a:avLst/>
+          </a:prstGeom>
+          <a:noFill/>
+        </p:spPr>
+        <p:txBody>
+          <a:bodyPr wrap="square" rtlCol="0">
+            <a:spAutoFit/>
+          </a:bodyPr>
+          <a:lstStyle/>
+          <a:p>
+            <a:r>
+              <a:rPr lang="en-US" altLang="zh-CN" dirty="0">
+                <a:latin typeface="Times New Roman" panose="02020603050405020304" charset="0"/>
+                <a:cs typeface="Times New Roman" panose="02020603050405020304" charset="0"/>
+              </a:rPr>
+              <a:t>b)</a:t>
+            </a:r>
+            <a:r>
+              <a:rPr lang="zh-CN" altLang="en-US">
+                <a:latin typeface="Times New Roman" panose="02020603050405020304" charset="0"/>
+                <a:ea typeface="宋体" panose="02010600030101010101" pitchFamily="2" charset="-122"/>
+                <a:cs typeface="Times New Roman" panose="02020603050405020304" charset="0"/>
+              </a:rPr>
+              <a:t>损失值</a:t>
+            </a:r>
+            <a:r>
+              <a:rPr lang="zh-CN" altLang="en-US">
+                <a:latin typeface="宋体" panose="02010600030101010101" pitchFamily="2" charset="-122"/>
+                <a:ea typeface="宋体" panose="02010600030101010101" pitchFamily="2" charset="-122"/>
+                <a:cs typeface="Times New Roman" panose="02020603050405020304" charset="0"/>
+              </a:rPr>
+              <a:t>变化曲线</a:t>
+            </a:r>
+            <a:endParaRPr lang="zh-CN" altLang="en-US" dirty="0">
+              <a:latin typeface="宋体" panose="02010600030101010101" pitchFamily="2" charset="-122"/>
+              <a:ea typeface="宋体" panose="02010600030101010101" pitchFamily="2" charset="-122"/>
+              <a:cs typeface="Times New Roman" panose="02020603050405020304" charset="0"/>
+            </a:endParaRPr>
+          </a:p>
+        </p:txBody>
+      </p:sp>
       <p:pic>
         <p:nvPicPr>
-          <p:cNvPr id="6" name="图片 5">
-            <a:extLst>
-              <a:ext uri="{FF2B5EF4-FFF2-40B4-BE49-F238E27FC236}">
-                <a16:creationId xmlns:a16="http://schemas.microsoft.com/office/drawing/2014/main" id="{B0DE4FFA-5D71-4780-BDD7-36D0CC244905}"/>
-              </a:ext>
-            </a:extLst>
-          </p:cNvPr>
+          <p:cNvPr id="2" name="图片 1" descr="analyze"/>
           <p:cNvPicPr>
             <a:picLocks noChangeAspect="1"/>
           </p:cNvPicPr>
           <p:nvPr/>
         </p:nvPicPr>
         <p:blipFill>
-          <a:blip r:embed="rId2">
-            <a:extLst>
-              <a:ext uri="{28A0092B-C50C-407E-A947-70E740481C1C}">
-                <a14:useLocalDpi xmlns:a14="http://schemas.microsoft.com/office/drawing/2010/main" val="0"/>
-              </a:ext>
-            </a:extLst>
-          </a:blip>
+          <a:blip r:embed="rId1"/>
           <a:stretch>
             <a:fillRect/>
           </a:stretch>
         </p:blipFill>
         <p:spPr>
           <a:xfrm>
-            <a:off x="-544033" y="0"/>
-            <a:ext cx="13280066" cy="6474033"/>
+            <a:off x="1066800" y="675005"/>
+            <a:ext cx="10058400" cy="5429885"/>
           </a:xfrm>
           <a:prstGeom prst="rect">
             <a:avLst/>
           </a:prstGeom>
         </p:spPr>
       </p:pic>
-      <p:sp>
-        <p:nvSpPr>
-          <p:cNvPr id="7" name="文本框 6">
-            <a:extLst>
-              <a:ext uri="{FF2B5EF4-FFF2-40B4-BE49-F238E27FC236}">
-                <a16:creationId xmlns:a16="http://schemas.microsoft.com/office/drawing/2014/main" id="{C93623E9-E96F-4794-94AC-4323A5D81EA0}"/>
-              </a:ext>
-            </a:extLst>
-          </p:cNvPr>
-          <p:cNvSpPr txBox="1"/>
-          <p:nvPr/>
-        </p:nvSpPr>
-        <p:spPr>
-          <a:xfrm>
-            <a:off x="2615608" y="6104700"/>
-            <a:ext cx="1658679" cy="369332"/>
-          </a:xfrm>
-          <a:prstGeom prst="rect">
-            <a:avLst/>
-          </a:prstGeom>
-          <a:noFill/>
-        </p:spPr>
-        <p:txBody>
-          <a:bodyPr wrap="square" rtlCol="0">
-            <a:spAutoFit/>
-          </a:bodyPr>
-          <a:lstStyle/>
-          <a:p>
-            <a:r>
-              <a:rPr lang="en-US" altLang="zh-CN" dirty="0">
-                <a:latin typeface="Times New Roman" panose="02020603050405020304" pitchFamily="18" charset="0"/>
-                <a:cs typeface="Times New Roman" panose="02020603050405020304" pitchFamily="18" charset="0"/>
-              </a:rPr>
-              <a:t>a)</a:t>
-            </a:r>
-            <a:r>
-              <a:rPr lang="en-US" altLang="zh-CN" dirty="0">
-                <a:latin typeface="Times New Roman" panose="02020603050405020304" pitchFamily="18" charset="0"/>
-                <a:ea typeface="宋体" panose="02010600030101010101" pitchFamily="2" charset="-122"/>
-                <a:cs typeface="Times New Roman" panose="02020603050405020304" pitchFamily="18" charset="0"/>
-              </a:rPr>
-              <a:t>AP</a:t>
-            </a:r>
-            <a:r>
-              <a:rPr lang="zh-CN" altLang="en-US" dirty="0">
-                <a:latin typeface="宋体" panose="02010600030101010101" pitchFamily="2" charset="-122"/>
-                <a:ea typeface="宋体" panose="02010600030101010101" pitchFamily="2" charset="-122"/>
-                <a:cs typeface="Times New Roman" panose="02020603050405020304" pitchFamily="18" charset="0"/>
-              </a:rPr>
-              <a:t>变化曲线</a:t>
-            </a:r>
-          </a:p>
-        </p:txBody>
-      </p:sp>
-      <p:sp>
-        <p:nvSpPr>
-          <p:cNvPr id="8" name="文本框 7">
-            <a:extLst>
-              <a:ext uri="{FF2B5EF4-FFF2-40B4-BE49-F238E27FC236}">
-                <a16:creationId xmlns:a16="http://schemas.microsoft.com/office/drawing/2014/main" id="{E737320D-FE5F-4DA7-99D4-62B1237AE2F5}"/>
-              </a:ext>
-            </a:extLst>
-          </p:cNvPr>
-          <p:cNvSpPr txBox="1"/>
-          <p:nvPr/>
-        </p:nvSpPr>
-        <p:spPr>
-          <a:xfrm>
-            <a:off x="8438709" y="6104700"/>
-            <a:ext cx="2002464" cy="369332"/>
-          </a:xfrm>
-          <a:prstGeom prst="rect">
-            <a:avLst/>
-          </a:prstGeom>
-          <a:noFill/>
-        </p:spPr>
-        <p:txBody>
-          <a:bodyPr wrap="square" rtlCol="0">
-            <a:spAutoFit/>
-          </a:bodyPr>
-          <a:lstStyle/>
-          <a:p>
-            <a:r>
-              <a:rPr lang="en-US" altLang="zh-CN" dirty="0">
-                <a:latin typeface="Times New Roman" panose="02020603050405020304" pitchFamily="18" charset="0"/>
-                <a:cs typeface="Times New Roman" panose="02020603050405020304" pitchFamily="18" charset="0"/>
-              </a:rPr>
-              <a:t>b)</a:t>
-            </a:r>
-            <a:r>
-              <a:rPr lang="zh-CN" altLang="en-US">
-                <a:latin typeface="Times New Roman" panose="02020603050405020304" pitchFamily="18" charset="0"/>
-                <a:ea typeface="宋体" panose="02010600030101010101" pitchFamily="2" charset="-122"/>
-                <a:cs typeface="Times New Roman" panose="02020603050405020304" pitchFamily="18" charset="0"/>
-              </a:rPr>
-              <a:t>损失值</a:t>
-            </a:r>
-            <a:r>
-              <a:rPr lang="zh-CN" altLang="en-US">
-                <a:latin typeface="宋体" panose="02010600030101010101" pitchFamily="2" charset="-122"/>
-                <a:ea typeface="宋体" panose="02010600030101010101" pitchFamily="2" charset="-122"/>
-                <a:cs typeface="Times New Roman" panose="02020603050405020304" pitchFamily="18" charset="0"/>
-              </a:rPr>
-              <a:t>变化曲线</a:t>
-            </a:r>
-            <a:endParaRPr lang="zh-CN" altLang="en-US" dirty="0">
-              <a:latin typeface="宋体" panose="02010600030101010101" pitchFamily="2" charset="-122"/>
-              <a:ea typeface="宋体" panose="02010600030101010101" pitchFamily="2" charset="-122"/>
-              <a:cs typeface="Times New Roman" panose="02020603050405020304" pitchFamily="18" charset="0"/>
-            </a:endParaRPr>
-          </a:p>
-        </p:txBody>
-      </p:sp>
     </p:spTree>
-    <p:extLst>
-      <p:ext uri="{BB962C8B-B14F-4D97-AF65-F5344CB8AC3E}">
-        <p14:creationId xmlns:p14="http://schemas.microsoft.com/office/powerpoint/2010/main" val="2759030852"/>
-      </p:ext>
-    </p:extLst>
   </p:cSld>
   <p:clrMapOvr>
     <a:masterClrMapping/>
@@ -9325,13 +8199,37 @@
       </p:grpSpPr>
       <p:pic>
         <p:nvPicPr>
-          <p:cNvPr id="5" name="图片 4">
+          <p:cNvPr id="5" name="图片 4"/>
+          <p:cNvPicPr>
+            <a:picLocks noChangeAspect="1"/>
+          </p:cNvPicPr>
+          <p:nvPr/>
+        </p:nvPicPr>
+        <p:blipFill>
+          <a:blip r:embed="rId1">
             <a:extLst>
-              <a:ext uri="{FF2B5EF4-FFF2-40B4-BE49-F238E27FC236}">
-                <a16:creationId xmlns:a16="http://schemas.microsoft.com/office/drawing/2014/main" id="{29EE26B4-E0AC-4851-ACA7-A614D7C9026E}"/>
+              <a:ext uri="{28A0092B-C50C-407E-A947-70E740481C1C}">
+                <a14:useLocalDpi xmlns:a14="http://schemas.microsoft.com/office/drawing/2010/main" val="0"/>
               </a:ext>
             </a:extLst>
-          </p:cNvPr>
+          </a:blip>
+          <a:stretch>
+            <a:fillRect/>
+          </a:stretch>
+        </p:blipFill>
+        <p:spPr>
+          <a:xfrm>
+            <a:off x="6379718" y="402749"/>
+            <a:ext cx="5812282" cy="4958603"/>
+          </a:xfrm>
+          <a:prstGeom prst="rect">
+            <a:avLst/>
+          </a:prstGeom>
+        </p:spPr>
+      </p:pic>
+      <p:pic>
+        <p:nvPicPr>
+          <p:cNvPr id="7" name="图片 6"/>
           <p:cNvPicPr>
             <a:picLocks noChangeAspect="1"/>
           </p:cNvPicPr>
@@ -9351,42 +8249,6 @@
         </p:blipFill>
         <p:spPr>
           <a:xfrm>
-            <a:off x="6379718" y="402749"/>
-            <a:ext cx="5812282" cy="4958603"/>
-          </a:xfrm>
-          <a:prstGeom prst="rect">
-            <a:avLst/>
-          </a:prstGeom>
-        </p:spPr>
-      </p:pic>
-      <p:pic>
-        <p:nvPicPr>
-          <p:cNvPr id="7" name="图片 6">
-            <a:extLst>
-              <a:ext uri="{FF2B5EF4-FFF2-40B4-BE49-F238E27FC236}">
-                <a16:creationId xmlns:a16="http://schemas.microsoft.com/office/drawing/2014/main" id="{E3A0529B-04E0-499A-A8DB-5C32EF8A4C97}"/>
-              </a:ext>
-            </a:extLst>
-          </p:cNvPr>
-          <p:cNvPicPr>
-            <a:picLocks noChangeAspect="1"/>
-          </p:cNvPicPr>
-          <p:nvPr/>
-        </p:nvPicPr>
-        <p:blipFill>
-          <a:blip r:embed="rId3">
-            <a:extLst>
-              <a:ext uri="{28A0092B-C50C-407E-A947-70E740481C1C}">
-                <a14:useLocalDpi xmlns:a14="http://schemas.microsoft.com/office/drawing/2010/main" val="0"/>
-              </a:ext>
-            </a:extLst>
-          </a:blip>
-          <a:stretch>
-            <a:fillRect/>
-          </a:stretch>
-        </p:blipFill>
-        <p:spPr>
-          <a:xfrm>
             <a:off x="0" y="402749"/>
             <a:ext cx="5812281" cy="4958603"/>
           </a:xfrm>
@@ -9397,13 +8259,7 @@
       </p:pic>
       <p:sp>
         <p:nvSpPr>
-          <p:cNvPr id="8" name="文本框 7">
-            <a:extLst>
-              <a:ext uri="{FF2B5EF4-FFF2-40B4-BE49-F238E27FC236}">
-                <a16:creationId xmlns:a16="http://schemas.microsoft.com/office/drawing/2014/main" id="{11C0764D-6D2D-428F-A9AB-D0E4A308B41E}"/>
-              </a:ext>
-            </a:extLst>
-          </p:cNvPr>
+          <p:cNvPr id="8" name="文本框 7"/>
           <p:cNvSpPr txBox="1"/>
           <p:nvPr/>
         </p:nvSpPr>
@@ -9425,8 +8281,8 @@
           <a:p>
             <a:r>
               <a:rPr lang="en-US" altLang="zh-CN" sz="2000" dirty="0">
-                <a:latin typeface="Times New Roman" panose="02020603050405020304" pitchFamily="18" charset="0"/>
-                <a:cs typeface="Times New Roman" panose="02020603050405020304" pitchFamily="18" charset="0"/>
+                <a:latin typeface="Times New Roman" panose="02020603050405020304" charset="0"/>
+                <a:cs typeface="Times New Roman" panose="02020603050405020304" charset="0"/>
               </a:rPr>
               <a:t>a)</a:t>
             </a:r>
@@ -9434,22 +8290,21 @@
               <a:rPr lang="zh-CN" altLang="en-US" sz="2000" dirty="0">
                 <a:latin typeface="宋体" panose="02010600030101010101" pitchFamily="2" charset="-122"/>
                 <a:ea typeface="宋体" panose="02010600030101010101" pitchFamily="2" charset="-122"/>
-                <a:cs typeface="Times New Roman" panose="02020603050405020304" pitchFamily="18" charset="0"/>
+                <a:cs typeface="Times New Roman" panose="02020603050405020304" charset="0"/>
               </a:rPr>
               <a:t>原图</a:t>
             </a:r>
-          </a:p>
-        </p:txBody>
-      </p:sp>
-      <p:sp>
-        <p:nvSpPr>
-          <p:cNvPr id="9" name="文本框 8">
-            <a:extLst>
-              <a:ext uri="{FF2B5EF4-FFF2-40B4-BE49-F238E27FC236}">
-                <a16:creationId xmlns:a16="http://schemas.microsoft.com/office/drawing/2014/main" id="{D884A4C3-7701-4E75-95FA-793FB38A613D}"/>
-              </a:ext>
-            </a:extLst>
-          </p:cNvPr>
+            <a:endParaRPr lang="zh-CN" altLang="en-US" sz="2000" dirty="0">
+              <a:latin typeface="宋体" panose="02010600030101010101" pitchFamily="2" charset="-122"/>
+              <a:ea typeface="宋体" panose="02010600030101010101" pitchFamily="2" charset="-122"/>
+              <a:cs typeface="Times New Roman" panose="02020603050405020304" charset="0"/>
+            </a:endParaRPr>
+          </a:p>
+        </p:txBody>
+      </p:sp>
+      <p:sp>
+        <p:nvSpPr>
+          <p:cNvPr id="9" name="文本框 8"/>
           <p:cNvSpPr txBox="1"/>
           <p:nvPr/>
         </p:nvSpPr>
@@ -9471,8 +8326,8 @@
           <a:p>
             <a:r>
               <a:rPr lang="en-US" altLang="zh-CN" sz="2000" dirty="0">
-                <a:latin typeface="Times New Roman" panose="02020603050405020304" pitchFamily="18" charset="0"/>
-                <a:cs typeface="Times New Roman" panose="02020603050405020304" pitchFamily="18" charset="0"/>
+                <a:latin typeface="Times New Roman" panose="02020603050405020304" charset="0"/>
+                <a:cs typeface="Times New Roman" panose="02020603050405020304" charset="0"/>
               </a:rPr>
               <a:t>b)</a:t>
             </a:r>
@@ -9480,19 +8335,19 @@
               <a:rPr lang="zh-CN" altLang="en-US" sz="2000" dirty="0">
                 <a:latin typeface="宋体" panose="02010600030101010101" pitchFamily="2" charset="-122"/>
                 <a:ea typeface="宋体" panose="02010600030101010101" pitchFamily="2" charset="-122"/>
-                <a:cs typeface="Times New Roman" panose="02020603050405020304" pitchFamily="18" charset="0"/>
+                <a:cs typeface="Times New Roman" panose="02020603050405020304" charset="0"/>
               </a:rPr>
               <a:t>检测图</a:t>
             </a:r>
+            <a:endParaRPr lang="zh-CN" altLang="en-US" sz="2000" dirty="0">
+              <a:latin typeface="宋体" panose="02010600030101010101" pitchFamily="2" charset="-122"/>
+              <a:ea typeface="宋体" panose="02010600030101010101" pitchFamily="2" charset="-122"/>
+              <a:cs typeface="Times New Roman" panose="02020603050405020304" charset="0"/>
+            </a:endParaRPr>
           </a:p>
         </p:txBody>
       </p:sp>
     </p:spTree>
-    <p:extLst>
-      <p:ext uri="{BB962C8B-B14F-4D97-AF65-F5344CB8AC3E}">
-        <p14:creationId xmlns:p14="http://schemas.microsoft.com/office/powerpoint/2010/main" val="1138443170"/>
-      </p:ext>
-    </p:extLst>
   </p:cSld>
   <p:clrMapOvr>
     <a:masterClrMapping/>
@@ -9543,7 +8398,7 @@
     </a:clrScheme>
     <a:fontScheme name="Office">
       <a:majorFont>
-        <a:latin typeface="等线 Light" panose="020F0302020204030204"/>
+        <a:latin typeface="等线 Light"/>
         <a:ea typeface=""/>
         <a:cs typeface=""/>
         <a:font script="Jpan" typeface="游ゴシック Light"/>
@@ -9576,26 +8431,9 @@
         <a:font script="Viet" typeface="Times New Roman"/>
         <a:font script="Uigh" typeface="Microsoft Uighur"/>
         <a:font script="Geor" typeface="Sylfaen"/>
-        <a:font script="Armn" typeface="Arial"/>
-        <a:font script="Bugi" typeface="Leelawadee UI"/>
-        <a:font script="Bopo" typeface="Microsoft JhengHei"/>
-        <a:font script="Java" typeface="Javanese Text"/>
-        <a:font script="Lisu" typeface="Segoe UI"/>
-        <a:font script="Mymr" typeface="Myanmar Text"/>
-        <a:font script="Nkoo" typeface="Ebrima"/>
-        <a:font script="Olck" typeface="Nirmala UI"/>
-        <a:font script="Osma" typeface="Ebrima"/>
-        <a:font script="Phag" typeface="Phagspa"/>
-        <a:font script="Syrn" typeface="Estrangelo Edessa"/>
-        <a:font script="Syrj" typeface="Estrangelo Edessa"/>
-        <a:font script="Syre" typeface="Estrangelo Edessa"/>
-        <a:font script="Sora" typeface="Nirmala UI"/>
-        <a:font script="Tale" typeface="Microsoft Tai Le"/>
-        <a:font script="Talu" typeface="Microsoft New Tai Lue"/>
-        <a:font script="Tfng" typeface="Ebrima"/>
       </a:majorFont>
       <a:minorFont>
-        <a:latin typeface="等线" panose="020F0502020204030204"/>
+        <a:latin typeface="等线"/>
         <a:ea typeface=""/>
         <a:cs typeface=""/>
         <a:font script="Jpan" typeface="游ゴシック"/>
@@ -9628,23 +8466,6 @@
         <a:font script="Viet" typeface="Arial"/>
         <a:font script="Uigh" typeface="Microsoft Uighur"/>
         <a:font script="Geor" typeface="Sylfaen"/>
-        <a:font script="Armn" typeface="Arial"/>
-        <a:font script="Bugi" typeface="Leelawadee UI"/>
-        <a:font script="Bopo" typeface="Microsoft JhengHei"/>
-        <a:font script="Java" typeface="Javanese Text"/>
-        <a:font script="Lisu" typeface="Segoe UI"/>
-        <a:font script="Mymr" typeface="Myanmar Text"/>
-        <a:font script="Nkoo" typeface="Ebrima"/>
-        <a:font script="Olck" typeface="Nirmala UI"/>
-        <a:font script="Osma" typeface="Ebrima"/>
-        <a:font script="Phag" typeface="Phagspa"/>
-        <a:font script="Syrn" typeface="Estrangelo Edessa"/>
-        <a:font script="Syrj" typeface="Estrangelo Edessa"/>
-        <a:font script="Syre" typeface="Estrangelo Edessa"/>
-        <a:font script="Sora" typeface="Nirmala UI"/>
-        <a:font script="Tale" typeface="Microsoft Tai Le"/>
-        <a:font script="Talu" typeface="Microsoft New Tai Lue"/>
-        <a:font script="Tfng" typeface="Ebrima"/>
       </a:minorFont>
     </a:fontScheme>
     <a:fmtScheme name="Office">
@@ -9785,8 +8606,6 @@
       </a:bgFillStyleLst>
     </a:fmtScheme>
   </a:themeElements>
-  <a:objectDefaults/>
-  <a:extraClrSchemeLst/>
   <a:extLst>
     <a:ext uri="{05A4C25C-085E-4340-85A3-A5531E510DB2}">
       <thm15:themeFamily xmlns:thm15="http://schemas.microsoft.com/office/thememl/2012/main" name="Office Theme" id="{62F939B6-93AF-4DB8-9C6B-D6C7DFDC589F}" vid="{4A3C46E8-61CC-4603-A589-7422A47A8E4A}"/>
@@ -9838,7 +8657,7 @@
     </a:clrScheme>
     <a:fontScheme name="Office">
       <a:majorFont>
-        <a:latin typeface="等线 Light" panose="020F0302020204030204"/>
+        <a:latin typeface="等线 Light"/>
         <a:ea typeface=""/>
         <a:cs typeface=""/>
         <a:font script="Jpan" typeface="游ゴシック Light"/>
@@ -9871,26 +8690,9 @@
         <a:font script="Viet" typeface="Times New Roman"/>
         <a:font script="Uigh" typeface="Microsoft Uighur"/>
         <a:font script="Geor" typeface="Sylfaen"/>
-        <a:font script="Armn" typeface="Arial"/>
-        <a:font script="Bugi" typeface="Leelawadee UI"/>
-        <a:font script="Bopo" typeface="Microsoft JhengHei"/>
-        <a:font script="Java" typeface="Javanese Text"/>
-        <a:font script="Lisu" typeface="Segoe UI"/>
-        <a:font script="Mymr" typeface="Myanmar Text"/>
-        <a:font script="Nkoo" typeface="Ebrima"/>
-        <a:font script="Olck" typeface="Nirmala UI"/>
-        <a:font script="Osma" typeface="Ebrima"/>
-        <a:font script="Phag" typeface="Phagspa"/>
-        <a:font script="Syrn" typeface="Estrangelo Edessa"/>
-        <a:font script="Syrj" typeface="Estrangelo Edessa"/>
-        <a:font script="Syre" typeface="Estrangelo Edessa"/>
-        <a:font script="Sora" typeface="Nirmala UI"/>
-        <a:font script="Tale" typeface="Microsoft Tai Le"/>
-        <a:font script="Talu" typeface="Microsoft New Tai Lue"/>
-        <a:font script="Tfng" typeface="Ebrima"/>
       </a:majorFont>
       <a:minorFont>
-        <a:latin typeface="等线" panose="020F0502020204030204"/>
+        <a:latin typeface="等线"/>
         <a:ea typeface=""/>
         <a:cs typeface=""/>
         <a:font script="Jpan" typeface="游ゴシック"/>
@@ -9923,23 +8725,6 @@
         <a:font script="Viet" typeface="Arial"/>
         <a:font script="Uigh" typeface="Microsoft Uighur"/>
         <a:font script="Geor" typeface="Sylfaen"/>
-        <a:font script="Armn" typeface="Arial"/>
-        <a:font script="Bugi" typeface="Leelawadee UI"/>
-        <a:font script="Bopo" typeface="Microsoft JhengHei"/>
-        <a:font script="Java" typeface="Javanese Text"/>
-        <a:font script="Lisu" typeface="Segoe UI"/>
-        <a:font script="Mymr" typeface="Myanmar Text"/>
-        <a:font script="Nkoo" typeface="Ebrima"/>
-        <a:font script="Olck" typeface="Nirmala UI"/>
-        <a:font script="Osma" typeface="Ebrima"/>
-        <a:font script="Phag" typeface="Phagspa"/>
-        <a:font script="Syrn" typeface="Estrangelo Edessa"/>
-        <a:font script="Syrj" typeface="Estrangelo Edessa"/>
-        <a:font script="Syre" typeface="Estrangelo Edessa"/>
-        <a:font script="Sora" typeface="Nirmala UI"/>
-        <a:font script="Tale" typeface="Microsoft Tai Le"/>
-        <a:font script="Talu" typeface="Microsoft New Tai Lue"/>
-        <a:font script="Tfng" typeface="Ebrima"/>
       </a:minorFont>
     </a:fontScheme>
     <a:fmtScheme name="Office">
@@ -10080,8 +8865,6 @@
       </a:bgFillStyleLst>
     </a:fmtScheme>
   </a:themeElements>
-  <a:objectDefaults/>
-  <a:extraClrSchemeLst/>
   <a:extLst>
     <a:ext uri="{05A4C25C-085E-4340-85A3-A5531E510DB2}">
       <thm15:themeFamily xmlns:thm15="http://schemas.microsoft.com/office/thememl/2012/main" name="Office Theme" id="{62F939B6-93AF-4DB8-9C6B-D6C7DFDC589F}" vid="{4A3C46E8-61CC-4603-A589-7422A47A8E4A}"/>
